--- a/Computer/课件/数据库.pptx
+++ b/Computer/课件/数据库.pptx
@@ -238,6 +238,22 @@
       </a:defRPr>
     </a:lvl9pPr>
   </p:defaultTextStyle>
+  <p:extLst>
+    <p:ext uri="{EFAFB233-063F-42B5-8137-9DF3F51BA10A}">
+      <p15:sldGuideLst xmlns:p15="http://schemas.microsoft.com/office/powerpoint/2012/main">
+        <p15:guide id="1" orient="horz" pos="2160">
+          <p15:clr>
+            <a:srgbClr val="A4A3A4"/>
+          </p15:clr>
+        </p15:guide>
+        <p15:guide id="2" pos="2880">
+          <p15:clr>
+            <a:srgbClr val="A4A3A4"/>
+          </p15:clr>
+        </p15:guide>
+      </p15:sldGuideLst>
+    </p:ext>
+  </p:extLst>
 </p:presentation>
 </file>
 
@@ -517,35 +533,35 @@
           <a:p>
             <a:pPr lvl="0"/>
             <a:r>
-              <a:rPr lang="zh-CN" altLang="zh-CN" smtClean="0"/>
+              <a:rPr lang="zh-CN" altLang="zh-CN"/>
               <a:t>单击此处编辑母版文本样式</a:t>
             </a:r>
           </a:p>
           <a:p>
             <a:pPr lvl="1"/>
             <a:r>
-              <a:rPr lang="zh-CN" altLang="zh-CN" smtClean="0"/>
+              <a:rPr lang="zh-CN" altLang="zh-CN"/>
               <a:t>第二级</a:t>
             </a:r>
           </a:p>
           <a:p>
             <a:pPr lvl="2"/>
             <a:r>
-              <a:rPr lang="zh-CN" altLang="zh-CN" smtClean="0"/>
+              <a:rPr lang="zh-CN" altLang="zh-CN"/>
               <a:t>第三级</a:t>
             </a:r>
           </a:p>
           <a:p>
             <a:pPr lvl="3"/>
             <a:r>
-              <a:rPr lang="zh-CN" altLang="zh-CN" smtClean="0"/>
+              <a:rPr lang="zh-CN" altLang="zh-CN"/>
               <a:t>第四级</a:t>
             </a:r>
           </a:p>
           <a:p>
             <a:pPr lvl="4"/>
             <a:r>
-              <a:rPr lang="zh-CN" altLang="zh-CN" smtClean="0"/>
+              <a:rPr lang="zh-CN" altLang="zh-CN"/>
               <a:t>第五级</a:t>
             </a:r>
           </a:p>
@@ -927,7 +943,7 @@
           <a:p>
             <a:pPr lvl="0"/>
             <a:r>
-              <a:rPr lang="zh-CN" altLang="zh-CN" noProof="0" smtClean="0"/>
+              <a:rPr lang="zh-CN" altLang="zh-CN" noProof="0"/>
               <a:t>单击此处编辑母版标题样式</a:t>
             </a:r>
           </a:p>
@@ -966,7 +982,7 @@
           <a:p>
             <a:pPr lvl="0"/>
             <a:r>
-              <a:rPr lang="zh-CN" altLang="zh-CN" noProof="0" smtClean="0"/>
+              <a:rPr lang="zh-CN" altLang="zh-CN" noProof="0"/>
               <a:t>单击此处编辑母版副标题样式</a:t>
             </a:r>
           </a:p>
@@ -1088,10 +1104,9 @@
           <a:lstStyle/>
           <a:p>
             <a:r>
-              <a:rPr lang="zh-CN" altLang="en-US" smtClean="0"/>
+              <a:rPr lang="zh-CN" altLang="en-US"/>
               <a:t>单击此处编辑母版标题样式</a:t>
             </a:r>
-            <a:endParaRPr lang="zh-CN" altLang="en-US"/>
           </a:p>
         </p:txBody>
       </p:sp>
@@ -1112,38 +1127,37 @@
           <a:p>
             <a:pPr lvl="0"/>
             <a:r>
-              <a:rPr lang="zh-CN" altLang="en-US" smtClean="0"/>
+              <a:rPr lang="zh-CN" altLang="en-US"/>
               <a:t>单击此处编辑母版文本样式</a:t>
             </a:r>
           </a:p>
           <a:p>
             <a:pPr lvl="1"/>
             <a:r>
-              <a:rPr lang="zh-CN" altLang="en-US" smtClean="0"/>
+              <a:rPr lang="zh-CN" altLang="en-US"/>
               <a:t>第二级</a:t>
             </a:r>
           </a:p>
           <a:p>
             <a:pPr lvl="2"/>
             <a:r>
-              <a:rPr lang="zh-CN" altLang="en-US" smtClean="0"/>
+              <a:rPr lang="zh-CN" altLang="en-US"/>
               <a:t>第三级</a:t>
             </a:r>
           </a:p>
           <a:p>
             <a:pPr lvl="3"/>
             <a:r>
-              <a:rPr lang="zh-CN" altLang="en-US" smtClean="0"/>
+              <a:rPr lang="zh-CN" altLang="en-US"/>
               <a:t>第四级</a:t>
             </a:r>
           </a:p>
           <a:p>
             <a:pPr lvl="4"/>
             <a:r>
-              <a:rPr lang="zh-CN" altLang="en-US" smtClean="0"/>
+              <a:rPr lang="zh-CN" altLang="en-US"/>
               <a:t>第五级</a:t>
             </a:r>
-            <a:endParaRPr lang="zh-CN" altLang="en-US"/>
           </a:p>
         </p:txBody>
       </p:sp>
@@ -1169,7 +1183,7 @@
             <a:fld id="{7BE9B383-09D3-4AF7-B09B-253063EFA11F}" type="datetime1">
               <a:rPr lang="zh-CN" altLang="zh-CN"/>
               <a:pPr/>
-              <a:t>2017/8/15</a:t>
+              <a:t>2020/6/14</a:t>
             </a:fld>
             <a:endParaRPr lang="zh-CN" altLang="zh-CN"/>
           </a:p>
@@ -1281,10 +1295,9 @@
           <a:lstStyle/>
           <a:p>
             <a:r>
-              <a:rPr lang="zh-CN" altLang="en-US" smtClean="0"/>
+              <a:rPr lang="zh-CN" altLang="en-US"/>
               <a:t>单击此处编辑母版标题样式</a:t>
             </a:r>
-            <a:endParaRPr lang="zh-CN" altLang="en-US"/>
           </a:p>
         </p:txBody>
       </p:sp>
@@ -1310,38 +1323,37 @@
           <a:p>
             <a:pPr lvl="0"/>
             <a:r>
-              <a:rPr lang="zh-CN" altLang="en-US" smtClean="0"/>
+              <a:rPr lang="zh-CN" altLang="en-US"/>
               <a:t>单击此处编辑母版文本样式</a:t>
             </a:r>
           </a:p>
           <a:p>
             <a:pPr lvl="1"/>
             <a:r>
-              <a:rPr lang="zh-CN" altLang="en-US" smtClean="0"/>
+              <a:rPr lang="zh-CN" altLang="en-US"/>
               <a:t>第二级</a:t>
             </a:r>
           </a:p>
           <a:p>
             <a:pPr lvl="2"/>
             <a:r>
-              <a:rPr lang="zh-CN" altLang="en-US" smtClean="0"/>
+              <a:rPr lang="zh-CN" altLang="en-US"/>
               <a:t>第三级</a:t>
             </a:r>
           </a:p>
           <a:p>
             <a:pPr lvl="3"/>
             <a:r>
-              <a:rPr lang="zh-CN" altLang="en-US" smtClean="0"/>
+              <a:rPr lang="zh-CN" altLang="en-US"/>
               <a:t>第四级</a:t>
             </a:r>
           </a:p>
           <a:p>
             <a:pPr lvl="4"/>
             <a:r>
-              <a:rPr lang="zh-CN" altLang="en-US" smtClean="0"/>
+              <a:rPr lang="zh-CN" altLang="en-US"/>
               <a:t>第五级</a:t>
             </a:r>
-            <a:endParaRPr lang="zh-CN" altLang="en-US"/>
           </a:p>
         </p:txBody>
       </p:sp>
@@ -1367,7 +1379,7 @@
             <a:fld id="{7BE9B383-09D3-4AF7-B09B-253063EFA11F}" type="datetime1">
               <a:rPr lang="zh-CN" altLang="zh-CN"/>
               <a:pPr/>
-              <a:t>2017/8/15</a:t>
+              <a:t>2020/6/14</a:t>
             </a:fld>
             <a:endParaRPr lang="zh-CN" altLang="zh-CN"/>
           </a:p>
@@ -1479,10 +1491,9 @@
           <a:lstStyle/>
           <a:p>
             <a:r>
-              <a:rPr lang="zh-CN" altLang="en-US" smtClean="0"/>
+              <a:rPr lang="zh-CN" altLang="en-US"/>
               <a:t>单击此处编辑母版标题样式</a:t>
             </a:r>
-            <a:endParaRPr lang="zh-CN" altLang="en-US"/>
           </a:p>
         </p:txBody>
       </p:sp>
@@ -1508,38 +1519,37 @@
           <a:p>
             <a:pPr lvl="0"/>
             <a:r>
-              <a:rPr lang="zh-CN" altLang="en-US" smtClean="0"/>
+              <a:rPr lang="zh-CN" altLang="en-US"/>
               <a:t>单击此处编辑母版文本样式</a:t>
             </a:r>
           </a:p>
           <a:p>
             <a:pPr lvl="1"/>
             <a:r>
-              <a:rPr lang="zh-CN" altLang="en-US" smtClean="0"/>
+              <a:rPr lang="zh-CN" altLang="en-US"/>
               <a:t>第二级</a:t>
             </a:r>
           </a:p>
           <a:p>
             <a:pPr lvl="2"/>
             <a:r>
-              <a:rPr lang="zh-CN" altLang="en-US" smtClean="0"/>
+              <a:rPr lang="zh-CN" altLang="en-US"/>
               <a:t>第三级</a:t>
             </a:r>
           </a:p>
           <a:p>
             <a:pPr lvl="3"/>
             <a:r>
-              <a:rPr lang="zh-CN" altLang="en-US" smtClean="0"/>
+              <a:rPr lang="zh-CN" altLang="en-US"/>
               <a:t>第四级</a:t>
             </a:r>
           </a:p>
           <a:p>
             <a:pPr lvl="4"/>
             <a:r>
-              <a:rPr lang="zh-CN" altLang="en-US" smtClean="0"/>
+              <a:rPr lang="zh-CN" altLang="en-US"/>
               <a:t>第五级</a:t>
             </a:r>
-            <a:endParaRPr lang="zh-CN" altLang="en-US"/>
           </a:p>
         </p:txBody>
       </p:sp>
@@ -1565,38 +1575,37 @@
           <a:p>
             <a:pPr lvl="0"/>
             <a:r>
-              <a:rPr lang="zh-CN" altLang="en-US" smtClean="0"/>
+              <a:rPr lang="zh-CN" altLang="en-US"/>
               <a:t>单击此处编辑母版文本样式</a:t>
             </a:r>
           </a:p>
           <a:p>
             <a:pPr lvl="1"/>
             <a:r>
-              <a:rPr lang="zh-CN" altLang="en-US" smtClean="0"/>
+              <a:rPr lang="zh-CN" altLang="en-US"/>
               <a:t>第二级</a:t>
             </a:r>
           </a:p>
           <a:p>
             <a:pPr lvl="2"/>
             <a:r>
-              <a:rPr lang="zh-CN" altLang="en-US" smtClean="0"/>
+              <a:rPr lang="zh-CN" altLang="en-US"/>
               <a:t>第三级</a:t>
             </a:r>
           </a:p>
           <a:p>
             <a:pPr lvl="3"/>
             <a:r>
-              <a:rPr lang="zh-CN" altLang="en-US" smtClean="0"/>
+              <a:rPr lang="zh-CN" altLang="en-US"/>
               <a:t>第四级</a:t>
             </a:r>
           </a:p>
           <a:p>
             <a:pPr lvl="4"/>
             <a:r>
-              <a:rPr lang="zh-CN" altLang="en-US" smtClean="0"/>
+              <a:rPr lang="zh-CN" altLang="en-US"/>
               <a:t>第五级</a:t>
             </a:r>
-            <a:endParaRPr lang="zh-CN" altLang="en-US"/>
           </a:p>
         </p:txBody>
       </p:sp>
@@ -1627,7 +1636,7 @@
             <a:fld id="{7BE9B383-09D3-4AF7-B09B-253063EFA11F}" type="datetime1">
               <a:rPr lang="zh-CN" altLang="zh-CN"/>
               <a:pPr/>
-              <a:t>2017/8/15</a:t>
+              <a:t>2020/6/14</a:t>
             </a:fld>
             <a:endParaRPr lang="zh-CN" altLang="zh-CN"/>
           </a:p>
@@ -1749,10 +1758,9 @@
           <a:lstStyle/>
           <a:p>
             <a:r>
-              <a:rPr lang="zh-CN" altLang="en-US" smtClean="0"/>
+              <a:rPr lang="zh-CN" altLang="en-US"/>
               <a:t>单击此处编辑母版标题样式</a:t>
             </a:r>
-            <a:endParaRPr lang="zh-CN" altLang="en-US"/>
           </a:p>
         </p:txBody>
       </p:sp>
@@ -1778,38 +1786,37 @@
           <a:p>
             <a:pPr lvl="0"/>
             <a:r>
-              <a:rPr lang="zh-CN" altLang="en-US" smtClean="0"/>
+              <a:rPr lang="zh-CN" altLang="en-US"/>
               <a:t>单击此处编辑母版文本样式</a:t>
             </a:r>
           </a:p>
           <a:p>
             <a:pPr lvl="1"/>
             <a:r>
-              <a:rPr lang="zh-CN" altLang="en-US" smtClean="0"/>
+              <a:rPr lang="zh-CN" altLang="en-US"/>
               <a:t>第二级</a:t>
             </a:r>
           </a:p>
           <a:p>
             <a:pPr lvl="2"/>
             <a:r>
-              <a:rPr lang="zh-CN" altLang="en-US" smtClean="0"/>
+              <a:rPr lang="zh-CN" altLang="en-US"/>
               <a:t>第三级</a:t>
             </a:r>
           </a:p>
           <a:p>
             <a:pPr lvl="3"/>
             <a:r>
-              <a:rPr lang="zh-CN" altLang="en-US" smtClean="0"/>
+              <a:rPr lang="zh-CN" altLang="en-US"/>
               <a:t>第四级</a:t>
             </a:r>
           </a:p>
           <a:p>
             <a:pPr lvl="4"/>
             <a:r>
-              <a:rPr lang="zh-CN" altLang="en-US" smtClean="0"/>
+              <a:rPr lang="zh-CN" altLang="en-US"/>
               <a:t>第五级</a:t>
             </a:r>
-            <a:endParaRPr lang="zh-CN" altLang="en-US"/>
           </a:p>
         </p:txBody>
       </p:sp>
@@ -1835,38 +1842,37 @@
           <a:p>
             <a:pPr lvl="0"/>
             <a:r>
-              <a:rPr lang="zh-CN" altLang="en-US" smtClean="0"/>
+              <a:rPr lang="zh-CN" altLang="en-US"/>
               <a:t>单击此处编辑母版文本样式</a:t>
             </a:r>
           </a:p>
           <a:p>
             <a:pPr lvl="1"/>
             <a:r>
-              <a:rPr lang="zh-CN" altLang="en-US" smtClean="0"/>
+              <a:rPr lang="zh-CN" altLang="en-US"/>
               <a:t>第二级</a:t>
             </a:r>
           </a:p>
           <a:p>
             <a:pPr lvl="2"/>
             <a:r>
-              <a:rPr lang="zh-CN" altLang="en-US" smtClean="0"/>
+              <a:rPr lang="zh-CN" altLang="en-US"/>
               <a:t>第三级</a:t>
             </a:r>
           </a:p>
           <a:p>
             <a:pPr lvl="3"/>
             <a:r>
-              <a:rPr lang="zh-CN" altLang="en-US" smtClean="0"/>
+              <a:rPr lang="zh-CN" altLang="en-US"/>
               <a:t>第四级</a:t>
             </a:r>
           </a:p>
           <a:p>
             <a:pPr lvl="4"/>
             <a:r>
-              <a:rPr lang="zh-CN" altLang="en-US" smtClean="0"/>
+              <a:rPr lang="zh-CN" altLang="en-US"/>
               <a:t>第五级</a:t>
             </a:r>
-            <a:endParaRPr lang="zh-CN" altLang="en-US"/>
           </a:p>
         </p:txBody>
       </p:sp>
@@ -1892,38 +1898,37 @@
           <a:p>
             <a:pPr lvl="0"/>
             <a:r>
-              <a:rPr lang="zh-CN" altLang="en-US" smtClean="0"/>
+              <a:rPr lang="zh-CN" altLang="en-US"/>
               <a:t>单击此处编辑母版文本样式</a:t>
             </a:r>
           </a:p>
           <a:p>
             <a:pPr lvl="1"/>
             <a:r>
-              <a:rPr lang="zh-CN" altLang="en-US" smtClean="0"/>
+              <a:rPr lang="zh-CN" altLang="en-US"/>
               <a:t>第二级</a:t>
             </a:r>
           </a:p>
           <a:p>
             <a:pPr lvl="2"/>
             <a:r>
-              <a:rPr lang="zh-CN" altLang="en-US" smtClean="0"/>
+              <a:rPr lang="zh-CN" altLang="en-US"/>
               <a:t>第三级</a:t>
             </a:r>
           </a:p>
           <a:p>
             <a:pPr lvl="3"/>
             <a:r>
-              <a:rPr lang="zh-CN" altLang="en-US" smtClean="0"/>
+              <a:rPr lang="zh-CN" altLang="en-US"/>
               <a:t>第四级</a:t>
             </a:r>
           </a:p>
           <a:p>
             <a:pPr lvl="4"/>
             <a:r>
-              <a:rPr lang="zh-CN" altLang="en-US" smtClean="0"/>
+              <a:rPr lang="zh-CN" altLang="en-US"/>
               <a:t>第五级</a:t>
             </a:r>
-            <a:endParaRPr lang="zh-CN" altLang="en-US"/>
           </a:p>
         </p:txBody>
       </p:sp>
@@ -1954,7 +1959,7 @@
             <a:fld id="{7BE9B383-09D3-4AF7-B09B-253063EFA11F}" type="datetime1">
               <a:rPr lang="zh-CN" altLang="zh-CN"/>
               <a:pPr/>
-              <a:t>2017/8/15</a:t>
+              <a:t>2020/6/14</a:t>
             </a:fld>
             <a:endParaRPr lang="zh-CN" altLang="zh-CN"/>
           </a:p>
@@ -2071,10 +2076,9 @@
           <a:lstStyle/>
           <a:p>
             <a:r>
-              <a:rPr lang="zh-CN" altLang="en-US" smtClean="0"/>
+              <a:rPr lang="zh-CN" altLang="en-US"/>
               <a:t>单击此处编辑母版标题样式</a:t>
             </a:r>
-            <a:endParaRPr lang="zh-CN" altLang="en-US"/>
           </a:p>
         </p:txBody>
       </p:sp>
@@ -2095,38 +2099,37 @@
           <a:p>
             <a:pPr lvl="0"/>
             <a:r>
-              <a:rPr lang="zh-CN" altLang="en-US" smtClean="0"/>
+              <a:rPr lang="zh-CN" altLang="en-US"/>
               <a:t>单击此处编辑母版文本样式</a:t>
             </a:r>
           </a:p>
           <a:p>
             <a:pPr lvl="1"/>
             <a:r>
-              <a:rPr lang="zh-CN" altLang="en-US" smtClean="0"/>
+              <a:rPr lang="zh-CN" altLang="en-US"/>
               <a:t>第二级</a:t>
             </a:r>
           </a:p>
           <a:p>
             <a:pPr lvl="2"/>
             <a:r>
-              <a:rPr lang="zh-CN" altLang="en-US" smtClean="0"/>
+              <a:rPr lang="zh-CN" altLang="en-US"/>
               <a:t>第三级</a:t>
             </a:r>
           </a:p>
           <a:p>
             <a:pPr lvl="3"/>
             <a:r>
-              <a:rPr lang="zh-CN" altLang="en-US" smtClean="0"/>
+              <a:rPr lang="zh-CN" altLang="en-US"/>
               <a:t>第四级</a:t>
             </a:r>
           </a:p>
           <a:p>
             <a:pPr lvl="4"/>
             <a:r>
-              <a:rPr lang="zh-CN" altLang="en-US" smtClean="0"/>
+              <a:rPr lang="zh-CN" altLang="en-US"/>
               <a:t>第五级</a:t>
             </a:r>
-            <a:endParaRPr lang="zh-CN" altLang="en-US"/>
           </a:p>
         </p:txBody>
       </p:sp>
@@ -2152,7 +2155,7 @@
             <a:fld id="{7BE9B383-09D3-4AF7-B09B-253063EFA11F}" type="datetime1">
               <a:rPr lang="zh-CN" altLang="zh-CN"/>
               <a:pPr/>
-              <a:t>2017/8/15</a:t>
+              <a:t>2020/6/14</a:t>
             </a:fld>
             <a:endParaRPr lang="zh-CN" altLang="zh-CN"/>
           </a:p>
@@ -2268,10 +2271,9 @@
           </a:lstStyle>
           <a:p>
             <a:r>
-              <a:rPr lang="zh-CN" altLang="en-US" smtClean="0"/>
+              <a:rPr lang="zh-CN" altLang="en-US"/>
               <a:t>单击此处编辑母版标题样式</a:t>
             </a:r>
-            <a:endParaRPr lang="zh-CN" altLang="en-US"/>
           </a:p>
         </p:txBody>
       </p:sp>
@@ -2334,7 +2336,7 @@
           <a:p>
             <a:pPr lvl="0"/>
             <a:r>
-              <a:rPr lang="zh-CN" altLang="en-US" smtClean="0"/>
+              <a:rPr lang="zh-CN" altLang="en-US"/>
               <a:t>单击此处编辑母版文本样式</a:t>
             </a:r>
           </a:p>
@@ -2362,7 +2364,7 @@
             <a:fld id="{7BE9B383-09D3-4AF7-B09B-253063EFA11F}" type="datetime1">
               <a:rPr lang="zh-CN" altLang="zh-CN"/>
               <a:pPr/>
-              <a:t>2017/8/15</a:t>
+              <a:t>2020/6/14</a:t>
             </a:fld>
             <a:endParaRPr lang="zh-CN" altLang="zh-CN"/>
           </a:p>
@@ -2469,10 +2471,9 @@
           <a:lstStyle/>
           <a:p>
             <a:r>
-              <a:rPr lang="zh-CN" altLang="en-US" smtClean="0"/>
+              <a:rPr lang="zh-CN" altLang="en-US"/>
               <a:t>单击此处编辑母版标题样式</a:t>
             </a:r>
-            <a:endParaRPr lang="zh-CN" altLang="en-US"/>
           </a:p>
         </p:txBody>
       </p:sp>
@@ -2526,38 +2527,37 @@
           <a:p>
             <a:pPr lvl="0"/>
             <a:r>
-              <a:rPr lang="zh-CN" altLang="en-US" smtClean="0"/>
+              <a:rPr lang="zh-CN" altLang="en-US"/>
               <a:t>单击此处编辑母版文本样式</a:t>
             </a:r>
           </a:p>
           <a:p>
             <a:pPr lvl="1"/>
             <a:r>
-              <a:rPr lang="zh-CN" altLang="en-US" smtClean="0"/>
+              <a:rPr lang="zh-CN" altLang="en-US"/>
               <a:t>第二级</a:t>
             </a:r>
           </a:p>
           <a:p>
             <a:pPr lvl="2"/>
             <a:r>
-              <a:rPr lang="zh-CN" altLang="en-US" smtClean="0"/>
+              <a:rPr lang="zh-CN" altLang="en-US"/>
               <a:t>第三级</a:t>
             </a:r>
           </a:p>
           <a:p>
             <a:pPr lvl="3"/>
             <a:r>
-              <a:rPr lang="zh-CN" altLang="en-US" smtClean="0"/>
+              <a:rPr lang="zh-CN" altLang="en-US"/>
               <a:t>第四级</a:t>
             </a:r>
           </a:p>
           <a:p>
             <a:pPr lvl="4"/>
             <a:r>
-              <a:rPr lang="zh-CN" altLang="en-US" smtClean="0"/>
+              <a:rPr lang="zh-CN" altLang="en-US"/>
               <a:t>第五级</a:t>
             </a:r>
-            <a:endParaRPr lang="zh-CN" altLang="en-US"/>
           </a:p>
         </p:txBody>
       </p:sp>
@@ -2611,38 +2611,37 @@
           <a:p>
             <a:pPr lvl="0"/>
             <a:r>
-              <a:rPr lang="zh-CN" altLang="en-US" smtClean="0"/>
+              <a:rPr lang="zh-CN" altLang="en-US"/>
               <a:t>单击此处编辑母版文本样式</a:t>
             </a:r>
           </a:p>
           <a:p>
             <a:pPr lvl="1"/>
             <a:r>
-              <a:rPr lang="zh-CN" altLang="en-US" smtClean="0"/>
+              <a:rPr lang="zh-CN" altLang="en-US"/>
               <a:t>第二级</a:t>
             </a:r>
           </a:p>
           <a:p>
             <a:pPr lvl="2"/>
             <a:r>
-              <a:rPr lang="zh-CN" altLang="en-US" smtClean="0"/>
+              <a:rPr lang="zh-CN" altLang="en-US"/>
               <a:t>第三级</a:t>
             </a:r>
           </a:p>
           <a:p>
             <a:pPr lvl="3"/>
             <a:r>
-              <a:rPr lang="zh-CN" altLang="en-US" smtClean="0"/>
+              <a:rPr lang="zh-CN" altLang="en-US"/>
               <a:t>第四级</a:t>
             </a:r>
           </a:p>
           <a:p>
             <a:pPr lvl="4"/>
             <a:r>
-              <a:rPr lang="zh-CN" altLang="en-US" smtClean="0"/>
+              <a:rPr lang="zh-CN" altLang="en-US"/>
               <a:t>第五级</a:t>
             </a:r>
-            <a:endParaRPr lang="zh-CN" altLang="en-US"/>
           </a:p>
         </p:txBody>
       </p:sp>
@@ -2668,7 +2667,7 @@
             <a:fld id="{7BE9B383-09D3-4AF7-B09B-253063EFA11F}" type="datetime1">
               <a:rPr lang="zh-CN" altLang="zh-CN"/>
               <a:pPr/>
-              <a:t>2017/8/15</a:t>
+              <a:t>2020/6/14</a:t>
             </a:fld>
             <a:endParaRPr lang="zh-CN" altLang="zh-CN"/>
           </a:p>
@@ -2784,10 +2783,9 @@
           </a:lstStyle>
           <a:p>
             <a:r>
-              <a:rPr lang="zh-CN" altLang="en-US" smtClean="0"/>
+              <a:rPr lang="zh-CN" altLang="en-US"/>
               <a:t>单击此处编辑母版标题样式</a:t>
             </a:r>
-            <a:endParaRPr lang="zh-CN" altLang="en-US"/>
           </a:p>
         </p:txBody>
       </p:sp>
@@ -2850,7 +2848,7 @@
           <a:p>
             <a:pPr lvl="0"/>
             <a:r>
-              <a:rPr lang="zh-CN" altLang="en-US" smtClean="0"/>
+              <a:rPr lang="zh-CN" altLang="en-US"/>
               <a:t>单击此处编辑母版文本样式</a:t>
             </a:r>
           </a:p>
@@ -2906,38 +2904,37 @@
           <a:p>
             <a:pPr lvl="0"/>
             <a:r>
-              <a:rPr lang="zh-CN" altLang="en-US" smtClean="0"/>
+              <a:rPr lang="zh-CN" altLang="en-US"/>
               <a:t>单击此处编辑母版文本样式</a:t>
             </a:r>
           </a:p>
           <a:p>
             <a:pPr lvl="1"/>
             <a:r>
-              <a:rPr lang="zh-CN" altLang="en-US" smtClean="0"/>
+              <a:rPr lang="zh-CN" altLang="en-US"/>
               <a:t>第二级</a:t>
             </a:r>
           </a:p>
           <a:p>
             <a:pPr lvl="2"/>
             <a:r>
-              <a:rPr lang="zh-CN" altLang="en-US" smtClean="0"/>
+              <a:rPr lang="zh-CN" altLang="en-US"/>
               <a:t>第三级</a:t>
             </a:r>
           </a:p>
           <a:p>
             <a:pPr lvl="3"/>
             <a:r>
-              <a:rPr lang="zh-CN" altLang="en-US" smtClean="0"/>
+              <a:rPr lang="zh-CN" altLang="en-US"/>
               <a:t>第四级</a:t>
             </a:r>
           </a:p>
           <a:p>
             <a:pPr lvl="4"/>
             <a:r>
-              <a:rPr lang="zh-CN" altLang="en-US" smtClean="0"/>
+              <a:rPr lang="zh-CN" altLang="en-US"/>
               <a:t>第五级</a:t>
             </a:r>
-            <a:endParaRPr lang="zh-CN" altLang="en-US"/>
           </a:p>
         </p:txBody>
       </p:sp>
@@ -3000,7 +2997,7 @@
           <a:p>
             <a:pPr lvl="0"/>
             <a:r>
-              <a:rPr lang="zh-CN" altLang="en-US" smtClean="0"/>
+              <a:rPr lang="zh-CN" altLang="en-US"/>
               <a:t>单击此处编辑母版文本样式</a:t>
             </a:r>
           </a:p>
@@ -3056,38 +3053,37 @@
           <a:p>
             <a:pPr lvl="0"/>
             <a:r>
-              <a:rPr lang="zh-CN" altLang="en-US" smtClean="0"/>
+              <a:rPr lang="zh-CN" altLang="en-US"/>
               <a:t>单击此处编辑母版文本样式</a:t>
             </a:r>
           </a:p>
           <a:p>
             <a:pPr lvl="1"/>
             <a:r>
-              <a:rPr lang="zh-CN" altLang="en-US" smtClean="0"/>
+              <a:rPr lang="zh-CN" altLang="en-US"/>
               <a:t>第二级</a:t>
             </a:r>
           </a:p>
           <a:p>
             <a:pPr lvl="2"/>
             <a:r>
-              <a:rPr lang="zh-CN" altLang="en-US" smtClean="0"/>
+              <a:rPr lang="zh-CN" altLang="en-US"/>
               <a:t>第三级</a:t>
             </a:r>
           </a:p>
           <a:p>
             <a:pPr lvl="3"/>
             <a:r>
-              <a:rPr lang="zh-CN" altLang="en-US" smtClean="0"/>
+              <a:rPr lang="zh-CN" altLang="en-US"/>
               <a:t>第四级</a:t>
             </a:r>
           </a:p>
           <a:p>
             <a:pPr lvl="4"/>
             <a:r>
-              <a:rPr lang="zh-CN" altLang="en-US" smtClean="0"/>
+              <a:rPr lang="zh-CN" altLang="en-US"/>
               <a:t>第五级</a:t>
             </a:r>
-            <a:endParaRPr lang="zh-CN" altLang="en-US"/>
           </a:p>
         </p:txBody>
       </p:sp>
@@ -3113,7 +3109,7 @@
             <a:fld id="{7BE9B383-09D3-4AF7-B09B-253063EFA11F}" type="datetime1">
               <a:rPr lang="zh-CN" altLang="zh-CN"/>
               <a:pPr/>
-              <a:t>2017/8/15</a:t>
+              <a:t>2020/6/14</a:t>
             </a:fld>
             <a:endParaRPr lang="zh-CN" altLang="zh-CN"/>
           </a:p>
@@ -3220,10 +3216,9 @@
           <a:lstStyle/>
           <a:p>
             <a:r>
-              <a:rPr lang="zh-CN" altLang="en-US" smtClean="0"/>
+              <a:rPr lang="zh-CN" altLang="en-US"/>
               <a:t>单击此处编辑母版标题样式</a:t>
             </a:r>
-            <a:endParaRPr lang="zh-CN" altLang="en-US"/>
           </a:p>
         </p:txBody>
       </p:sp>
@@ -3249,7 +3244,7 @@
             <a:fld id="{7BE9B383-09D3-4AF7-B09B-253063EFA11F}" type="datetime1">
               <a:rPr lang="zh-CN" altLang="zh-CN"/>
               <a:pPr/>
-              <a:t>2017/8/15</a:t>
+              <a:t>2020/6/14</a:t>
             </a:fld>
             <a:endParaRPr lang="zh-CN" altLang="zh-CN"/>
           </a:p>
@@ -3362,7 +3357,7 @@
             <a:fld id="{7BE9B383-09D3-4AF7-B09B-253063EFA11F}" type="datetime1">
               <a:rPr lang="zh-CN" altLang="zh-CN"/>
               <a:pPr/>
-              <a:t>2017/8/15</a:t>
+              <a:t>2020/6/14</a:t>
             </a:fld>
             <a:endParaRPr lang="zh-CN" altLang="zh-CN"/>
           </a:p>
@@ -3478,10 +3473,9 @@
           </a:lstStyle>
           <a:p>
             <a:r>
-              <a:rPr lang="zh-CN" altLang="en-US" smtClean="0"/>
+              <a:rPr lang="zh-CN" altLang="en-US"/>
               <a:t>单击此处编辑母版标题样式</a:t>
             </a:r>
-            <a:endParaRPr lang="zh-CN" altLang="en-US"/>
           </a:p>
         </p:txBody>
       </p:sp>
@@ -3535,38 +3529,37 @@
           <a:p>
             <a:pPr lvl="0"/>
             <a:r>
-              <a:rPr lang="zh-CN" altLang="en-US" smtClean="0"/>
+              <a:rPr lang="zh-CN" altLang="en-US"/>
               <a:t>单击此处编辑母版文本样式</a:t>
             </a:r>
           </a:p>
           <a:p>
             <a:pPr lvl="1"/>
             <a:r>
-              <a:rPr lang="zh-CN" altLang="en-US" smtClean="0"/>
+              <a:rPr lang="zh-CN" altLang="en-US"/>
               <a:t>第二级</a:t>
             </a:r>
           </a:p>
           <a:p>
             <a:pPr lvl="2"/>
             <a:r>
-              <a:rPr lang="zh-CN" altLang="en-US" smtClean="0"/>
+              <a:rPr lang="zh-CN" altLang="en-US"/>
               <a:t>第三级</a:t>
             </a:r>
           </a:p>
           <a:p>
             <a:pPr lvl="3"/>
             <a:r>
-              <a:rPr lang="zh-CN" altLang="en-US" smtClean="0"/>
+              <a:rPr lang="zh-CN" altLang="en-US"/>
               <a:t>第四级</a:t>
             </a:r>
           </a:p>
           <a:p>
             <a:pPr lvl="4"/>
             <a:r>
-              <a:rPr lang="zh-CN" altLang="en-US" smtClean="0"/>
+              <a:rPr lang="zh-CN" altLang="en-US"/>
               <a:t>第五级</a:t>
             </a:r>
-            <a:endParaRPr lang="zh-CN" altLang="en-US"/>
           </a:p>
         </p:txBody>
       </p:sp>
@@ -3629,7 +3622,7 @@
           <a:p>
             <a:pPr lvl="0"/>
             <a:r>
-              <a:rPr lang="zh-CN" altLang="en-US" smtClean="0"/>
+              <a:rPr lang="zh-CN" altLang="en-US"/>
               <a:t>单击此处编辑母版文本样式</a:t>
             </a:r>
           </a:p>
@@ -3657,7 +3650,7 @@
             <a:fld id="{7BE9B383-09D3-4AF7-B09B-253063EFA11F}" type="datetime1">
               <a:rPr lang="zh-CN" altLang="zh-CN"/>
               <a:pPr/>
-              <a:t>2017/8/15</a:t>
+              <a:t>2020/6/14</a:t>
             </a:fld>
             <a:endParaRPr lang="zh-CN" altLang="zh-CN"/>
           </a:p>
@@ -3773,10 +3766,9 @@
           </a:lstStyle>
           <a:p>
             <a:r>
-              <a:rPr lang="zh-CN" altLang="en-US" smtClean="0"/>
+              <a:rPr lang="zh-CN" altLang="en-US"/>
               <a:t>单击此处编辑母版标题样式</a:t>
             </a:r>
-            <a:endParaRPr lang="zh-CN" altLang="en-US"/>
           </a:p>
         </p:txBody>
       </p:sp>
@@ -3900,7 +3892,7 @@
           <a:p>
             <a:pPr lvl="0"/>
             <a:r>
-              <a:rPr lang="zh-CN" altLang="en-US" smtClean="0"/>
+              <a:rPr lang="zh-CN" altLang="en-US"/>
               <a:t>单击此处编辑母版文本样式</a:t>
             </a:r>
           </a:p>
@@ -3928,7 +3920,7 @@
             <a:fld id="{7BE9B383-09D3-4AF7-B09B-253063EFA11F}" type="datetime1">
               <a:rPr lang="zh-CN" altLang="zh-CN"/>
               <a:pPr/>
-              <a:t>2017/8/15</a:t>
+              <a:t>2020/6/14</a:t>
             </a:fld>
             <a:endParaRPr lang="zh-CN" altLang="zh-CN"/>
           </a:p>
@@ -4143,7 +4135,7 @@
           <a:p>
             <a:pPr lvl="0"/>
             <a:r>
-              <a:rPr lang="zh-CN" altLang="zh-CN" smtClean="0"/>
+              <a:rPr lang="zh-CN" altLang="zh-CN"/>
               <a:t>单击此处编辑母版标题样式</a:t>
             </a:r>
           </a:p>
@@ -4211,35 +4203,35 @@
           <a:p>
             <a:pPr lvl="0"/>
             <a:r>
-              <a:rPr lang="zh-CN" altLang="zh-CN" smtClean="0"/>
+              <a:rPr lang="zh-CN" altLang="zh-CN"/>
               <a:t>单击此处编辑母版文本样式</a:t>
             </a:r>
           </a:p>
           <a:p>
             <a:pPr lvl="1"/>
             <a:r>
-              <a:rPr lang="zh-CN" altLang="zh-CN" smtClean="0"/>
+              <a:rPr lang="zh-CN" altLang="zh-CN"/>
               <a:t>第二级</a:t>
             </a:r>
           </a:p>
           <a:p>
             <a:pPr lvl="2"/>
             <a:r>
-              <a:rPr lang="zh-CN" altLang="zh-CN" smtClean="0"/>
+              <a:rPr lang="zh-CN" altLang="zh-CN"/>
               <a:t>第三级</a:t>
             </a:r>
           </a:p>
           <a:p>
             <a:pPr lvl="3"/>
             <a:r>
-              <a:rPr lang="zh-CN" altLang="zh-CN" smtClean="0"/>
+              <a:rPr lang="zh-CN" altLang="zh-CN"/>
               <a:t>第四级</a:t>
             </a:r>
           </a:p>
           <a:p>
             <a:pPr lvl="4"/>
             <a:r>
-              <a:rPr lang="zh-CN" altLang="zh-CN" smtClean="0"/>
+              <a:rPr lang="zh-CN" altLang="zh-CN"/>
               <a:t>第五级</a:t>
             </a:r>
           </a:p>
@@ -4312,7 +4304,7 @@
             <a:fld id="{7BE9B383-09D3-4AF7-B09B-253063EFA11F}" type="datetime1">
               <a:rPr lang="zh-CN" altLang="zh-CN"/>
               <a:pPr/>
-              <a:t>2017/8/15</a:t>
+              <a:t>2020/6/14</a:t>
             </a:fld>
             <a:endParaRPr lang="zh-CN" altLang="zh-CN"/>
           </a:p>
@@ -5123,13 +5115,6 @@
     <a:masterClrMapping/>
   </p:clrMapOvr>
   <p:transition spd="slow"/>
-  <p:timing>
-    <p:tnLst>
-      <p:par>
-        <p:cTn id="1" dur="indefinite" restart="never" nodeType="tmRoot"/>
-      </p:par>
-    </p:tnLst>
-  </p:timing>
 </p:sld>
 </file>
 
@@ -5168,7 +5153,7 @@
             <a:fld id="{7BE9B383-09D3-4AF7-B09B-253063EFA11F}" type="datetime1">
               <a:rPr lang="zh-CN" altLang="zh-CN"/>
               <a:pPr/>
-              <a:t>2017/8/15</a:t>
+              <a:t>2020/6/14</a:t>
             </a:fld>
             <a:endParaRPr lang="zh-CN" altLang="zh-CN"/>
           </a:p>
@@ -5432,7 +5417,7 @@
             <a:fld id="{7BE9B383-09D3-4AF7-B09B-253063EFA11F}" type="datetime1">
               <a:rPr lang="zh-CN" altLang="zh-CN"/>
               <a:pPr/>
-              <a:t>2017/8/15</a:t>
+              <a:t>2020/6/14</a:t>
             </a:fld>
             <a:endParaRPr lang="zh-CN" altLang="zh-CN"/>
           </a:p>
@@ -5604,7 +5589,7 @@
             <a:fld id="{7BE9B383-09D3-4AF7-B09B-253063EFA11F}" type="datetime1">
               <a:rPr lang="zh-CN" altLang="zh-CN"/>
               <a:pPr/>
-              <a:t>2017/8/15</a:t>
+              <a:t>2020/6/14</a:t>
             </a:fld>
             <a:endParaRPr lang="zh-CN" altLang="zh-CN"/>
           </a:p>
@@ -5876,7 +5861,7 @@
             <a:fld id="{7BE9B383-09D3-4AF7-B09B-253063EFA11F}" type="datetime1">
               <a:rPr lang="zh-CN" altLang="zh-CN"/>
               <a:pPr/>
-              <a:t>2017/8/15</a:t>
+              <a:t>2020/6/14</a:t>
             </a:fld>
             <a:endParaRPr lang="zh-CN" altLang="zh-CN"/>
           </a:p>
@@ -6120,7 +6105,7 @@
             <a:fld id="{7BE9B383-09D3-4AF7-B09B-253063EFA11F}" type="datetime1">
               <a:rPr lang="zh-CN" altLang="zh-CN"/>
               <a:pPr/>
-              <a:t>2017/8/15</a:t>
+              <a:t>2020/6/14</a:t>
             </a:fld>
             <a:endParaRPr lang="zh-CN" altLang="zh-CN"/>
           </a:p>
@@ -6287,7 +6272,7 @@
             <a:fld id="{7BE9B383-09D3-4AF7-B09B-253063EFA11F}" type="datetime1">
               <a:rPr lang="zh-CN" altLang="zh-CN"/>
               <a:pPr/>
-              <a:t>2017/8/15</a:t>
+              <a:t>2020/6/14</a:t>
             </a:fld>
             <a:endParaRPr lang="zh-CN" altLang="zh-CN"/>
           </a:p>
@@ -6551,7 +6536,7 @@
             <a:fld id="{7BE9B383-09D3-4AF7-B09B-253063EFA11F}" type="datetime1">
               <a:rPr lang="zh-CN" altLang="zh-CN"/>
               <a:pPr/>
-              <a:t>2017/8/15</a:t>
+              <a:t>2020/6/14</a:t>
             </a:fld>
             <a:endParaRPr lang="zh-CN" altLang="zh-CN"/>
           </a:p>
@@ -6660,12 +6645,8 @@
               <a:buNone/>
             </a:pPr>
             <a:r>
-              <a:rPr lang="zh-CN" altLang="zh-CN" dirty="0" smtClean="0"/>
-              <a:t>（</a:t>
-            </a:r>
-            <a:r>
               <a:rPr lang="zh-CN" altLang="zh-CN" dirty="0"/>
-              <a:t>1）面向的用户不同。数据库系统面向使用单位的低层人员，用于日常数据的分析和处理；数据仓库系统面向的是使用单位的决策人员，提供决策支持。</a:t>
+              <a:t>（1）面向的用户不同。数据库系统面向使用单位的低层人员，用于日常数据的分析和处理；数据仓库系统面向的是使用单位的决策人员，提供决策支持。</a:t>
             </a:r>
           </a:p>
           <a:p>
@@ -6830,7 +6811,7 @@
             <a:fld id="{7BE9B383-09D3-4AF7-B09B-253063EFA11F}" type="datetime1">
               <a:rPr lang="zh-CN" altLang="zh-CN"/>
               <a:pPr/>
-              <a:t>2017/8/15</a:t>
+              <a:t>2020/6/14</a:t>
             </a:fld>
             <a:endParaRPr lang="zh-CN" altLang="zh-CN"/>
           </a:p>
@@ -6998,7 +6979,7 @@
             <a:fld id="{7BE9B383-09D3-4AF7-B09B-253063EFA11F}" type="datetime1">
               <a:rPr lang="zh-CN" altLang="zh-CN"/>
               <a:pPr/>
-              <a:t>2017/8/15</a:t>
+              <a:t>2020/6/14</a:t>
             </a:fld>
             <a:endParaRPr lang="zh-CN" altLang="zh-CN"/>
           </a:p>
@@ -7253,7 +7234,7 @@
             <a:fld id="{7BE9B383-09D3-4AF7-B09B-253063EFA11F}" type="datetime1">
               <a:rPr lang="zh-CN" altLang="zh-CN"/>
               <a:pPr/>
-              <a:t>2017/8/15</a:t>
+              <a:t>2020/6/14</a:t>
             </a:fld>
             <a:endParaRPr lang="zh-CN" altLang="zh-CN"/>
           </a:p>
@@ -7328,10 +7309,6 @@
             <a:r>
               <a:rPr lang="zh-CN" altLang="zh-CN" sz="4000" b="1"/>
               <a:t>6.1.4  数据模型</a:t>
-            </a:r>
-            <a:r>
-              <a:rPr lang="zh-CN" altLang="zh-CN" b="1"/>
-              <a:t/>
             </a:r>
             <a:br>
               <a:rPr lang="zh-CN" altLang="zh-CN" b="1"/>
@@ -7427,7 +7404,7 @@
             <a:fld id="{7BE9B383-09D3-4AF7-B09B-253063EFA11F}" type="datetime1">
               <a:rPr lang="zh-CN" altLang="zh-CN"/>
               <a:pPr/>
-              <a:t>2017/8/15</a:t>
+              <a:t>2020/6/14</a:t>
             </a:fld>
             <a:endParaRPr lang="zh-CN" altLang="zh-CN"/>
           </a:p>
@@ -7644,7 +7621,7 @@
             <a:fld id="{7BE9B383-09D3-4AF7-B09B-253063EFA11F}" type="datetime1">
               <a:rPr lang="zh-CN" altLang="zh-CN"/>
               <a:pPr/>
-              <a:t>2017/8/15</a:t>
+              <a:t>2020/6/14</a:t>
             </a:fld>
             <a:endParaRPr lang="zh-CN" altLang="zh-CN"/>
           </a:p>
@@ -7821,7 +7798,7 @@
             <a:fld id="{7BE9B383-09D3-4AF7-B09B-253063EFA11F}" type="datetime1">
               <a:rPr lang="zh-CN" altLang="zh-CN"/>
               <a:pPr/>
-              <a:t>2017/8/15</a:t>
+              <a:t>2020/6/14</a:t>
             </a:fld>
             <a:endParaRPr lang="zh-CN" altLang="zh-CN"/>
           </a:p>
@@ -8090,7 +8067,7 @@
             <a:fld id="{7BE9B383-09D3-4AF7-B09B-253063EFA11F}" type="datetime1">
               <a:rPr lang="zh-CN" altLang="zh-CN"/>
               <a:pPr/>
-              <a:t>2017/8/15</a:t>
+              <a:t>2020/6/14</a:t>
             </a:fld>
             <a:endParaRPr lang="zh-CN" altLang="zh-CN"/>
           </a:p>
@@ -8274,7 +8251,7 @@
             <a:fld id="{7BE9B383-09D3-4AF7-B09B-253063EFA11F}" type="datetime1">
               <a:rPr lang="zh-CN" altLang="zh-CN"/>
               <a:pPr/>
-              <a:t>2017/8/15</a:t>
+              <a:t>2020/6/14</a:t>
             </a:fld>
             <a:endParaRPr lang="zh-CN" altLang="zh-CN"/>
           </a:p>
@@ -8543,7 +8520,7 @@
             <a:fld id="{7BE9B383-09D3-4AF7-B09B-253063EFA11F}" type="datetime1">
               <a:rPr lang="zh-CN" altLang="zh-CN"/>
               <a:pPr/>
-              <a:t>2017/8/15</a:t>
+              <a:t>2020/6/14</a:t>
             </a:fld>
             <a:endParaRPr lang="zh-CN" altLang="zh-CN"/>
           </a:p>
@@ -8779,7 +8756,7 @@
             <a:fld id="{7BE9B383-09D3-4AF7-B09B-253063EFA11F}" type="datetime1">
               <a:rPr lang="zh-CN" altLang="zh-CN"/>
               <a:pPr/>
-              <a:t>2017/8/15</a:t>
+              <a:t>2020/6/14</a:t>
             </a:fld>
             <a:endParaRPr lang="zh-CN" altLang="zh-CN"/>
           </a:p>
@@ -8972,7 +8949,7 @@
             <a:fld id="{7BE9B383-09D3-4AF7-B09B-253063EFA11F}" type="datetime1">
               <a:rPr lang="zh-CN" altLang="zh-CN"/>
               <a:pPr/>
-              <a:t>2017/8/15</a:t>
+              <a:t>2020/6/14</a:t>
             </a:fld>
             <a:endParaRPr lang="zh-CN" altLang="zh-CN"/>
           </a:p>
@@ -9099,11 +9076,41 @@
             <a:tbl>
               <a:tblPr/>
               <a:tblGrid>
-                <a:gridCol w="1384300"/>
-                <a:gridCol w="1355725"/>
-                <a:gridCol w="1355725"/>
-                <a:gridCol w="1384300"/>
-                <a:gridCol w="1360487"/>
+                <a:gridCol w="1384300">
+                  <a:extLst>
+                    <a:ext uri="{9D8B030D-6E8A-4147-A177-3AD203B41FA5}">
+                      <a16:colId xmlns:a16="http://schemas.microsoft.com/office/drawing/2014/main" val="20000"/>
+                    </a:ext>
+                  </a:extLst>
+                </a:gridCol>
+                <a:gridCol w="1355725">
+                  <a:extLst>
+                    <a:ext uri="{9D8B030D-6E8A-4147-A177-3AD203B41FA5}">
+                      <a16:colId xmlns:a16="http://schemas.microsoft.com/office/drawing/2014/main" val="20001"/>
+                    </a:ext>
+                  </a:extLst>
+                </a:gridCol>
+                <a:gridCol w="1355725">
+                  <a:extLst>
+                    <a:ext uri="{9D8B030D-6E8A-4147-A177-3AD203B41FA5}">
+                      <a16:colId xmlns:a16="http://schemas.microsoft.com/office/drawing/2014/main" val="20002"/>
+                    </a:ext>
+                  </a:extLst>
+                </a:gridCol>
+                <a:gridCol w="1384300">
+                  <a:extLst>
+                    <a:ext uri="{9D8B030D-6E8A-4147-A177-3AD203B41FA5}">
+                      <a16:colId xmlns:a16="http://schemas.microsoft.com/office/drawing/2014/main" val="20003"/>
+                    </a:ext>
+                  </a:extLst>
+                </a:gridCol>
+                <a:gridCol w="1360487">
+                  <a:extLst>
+                    <a:ext uri="{9D8B030D-6E8A-4147-A177-3AD203B41FA5}">
+                      <a16:colId xmlns:a16="http://schemas.microsoft.com/office/drawing/2014/main" val="20004"/>
+                    </a:ext>
+                  </a:extLst>
+                </a:gridCol>
               </a:tblGrid>
               <a:tr h="542925">
                 <a:tc>
@@ -9249,7 +9256,7 @@
                         <a:tabLst/>
                       </a:pPr>
                       <a:r>
-                        <a:rPr kumimoji="0" lang="zh-CN" altLang="zh-CN" sz="1600" b="1" i="0" u="none" strike="noStrike" cap="none" normalizeH="0" baseline="0" smtClean="0">
+                        <a:rPr kumimoji="0" lang="zh-CN" altLang="zh-CN" sz="1600" b="1" i="0" u="none" strike="noStrike" cap="none" normalizeH="0" baseline="0">
                           <a:ln>
                             <a:noFill/>
                           </a:ln>
@@ -9453,7 +9460,7 @@
                         <a:tabLst/>
                       </a:pPr>
                       <a:r>
-                        <a:rPr kumimoji="0" lang="zh-CN" altLang="zh-CN" sz="1600" b="1" i="0" u="none" strike="noStrike" cap="none" normalizeH="0" baseline="0" smtClean="0">
+                        <a:rPr kumimoji="0" lang="zh-CN" altLang="zh-CN" sz="1600" b="1" i="0" u="none" strike="noStrike" cap="none" normalizeH="0" baseline="0">
                           <a:ln>
                             <a:noFill/>
                           </a:ln>
@@ -9657,7 +9664,7 @@
                         <a:tabLst/>
                       </a:pPr>
                       <a:r>
-                        <a:rPr kumimoji="0" lang="zh-CN" altLang="zh-CN" sz="1600" b="1" i="0" u="none" strike="noStrike" cap="none" normalizeH="0" baseline="0" smtClean="0">
+                        <a:rPr kumimoji="0" lang="zh-CN" altLang="zh-CN" sz="1600" b="1" i="0" u="none" strike="noStrike" cap="none" normalizeH="0" baseline="0">
                           <a:ln>
                             <a:noFill/>
                           </a:ln>
@@ -9861,7 +9868,7 @@
                         <a:tabLst/>
                       </a:pPr>
                       <a:r>
-                        <a:rPr kumimoji="0" lang="zh-CN" altLang="zh-CN" sz="1600" b="1" i="0" u="none" strike="noStrike" cap="none" normalizeH="0" baseline="0" smtClean="0">
+                        <a:rPr kumimoji="0" lang="zh-CN" altLang="zh-CN" sz="1600" b="1" i="0" u="none" strike="noStrike" cap="none" normalizeH="0" baseline="0">
                           <a:ln>
                             <a:noFill/>
                           </a:ln>
@@ -10065,7 +10072,7 @@
                         <a:tabLst/>
                       </a:pPr>
                       <a:r>
-                        <a:rPr kumimoji="0" lang="zh-CN" altLang="zh-CN" sz="1600" b="1" i="0" u="none" strike="noStrike" cap="none" normalizeH="0" baseline="0" smtClean="0">
+                        <a:rPr kumimoji="0" lang="zh-CN" altLang="zh-CN" sz="1600" b="1" i="0" u="none" strike="noStrike" cap="none" normalizeH="0" baseline="0">
                           <a:ln>
                             <a:noFill/>
                           </a:ln>
@@ -10126,6 +10133,11 @@
                     <a:noFill/>
                   </a:tcPr>
                 </a:tc>
+                <a:extLst>
+                  <a:ext uri="{0D108BD9-81ED-4DB2-BD59-A6C34878D82A}">
+                    <a16:rowId xmlns:a16="http://schemas.microsoft.com/office/drawing/2014/main" val="10000"/>
+                  </a:ext>
+                </a:extLst>
               </a:tr>
               <a:tr h="600075">
                 <a:tc>
@@ -10271,7 +10283,7 @@
                         <a:tabLst/>
                       </a:pPr>
                       <a:r>
-                        <a:rPr kumimoji="0" lang="zh-CN" altLang="zh-CN" sz="1600" b="1" i="0" u="none" strike="noStrike" cap="none" normalizeH="0" baseline="0" smtClean="0">
+                        <a:rPr kumimoji="0" lang="zh-CN" altLang="zh-CN" sz="1600" b="1" i="0" u="none" strike="noStrike" cap="none" normalizeH="0" baseline="0">
                           <a:ln>
                             <a:noFill/>
                           </a:ln>
@@ -10475,7 +10487,7 @@
                         <a:tabLst/>
                       </a:pPr>
                       <a:r>
-                        <a:rPr kumimoji="0" lang="zh-CN" altLang="zh-CN" sz="1600" b="1" i="0" u="none" strike="noStrike" cap="none" normalizeH="0" baseline="0" smtClean="0">
+                        <a:rPr kumimoji="0" lang="zh-CN" altLang="zh-CN" sz="1600" b="1" i="0" u="none" strike="noStrike" cap="none" normalizeH="0" baseline="0">
                           <a:ln>
                             <a:noFill/>
                           </a:ln>
@@ -10679,7 +10691,7 @@
                         <a:tabLst/>
                       </a:pPr>
                       <a:r>
-                        <a:rPr kumimoji="0" lang="zh-CN" altLang="zh-CN" sz="1600" b="1" i="0" u="none" strike="noStrike" cap="none" normalizeH="0" baseline="0" smtClean="0">
+                        <a:rPr kumimoji="0" lang="zh-CN" altLang="zh-CN" sz="1600" b="1" i="0" u="none" strike="noStrike" cap="none" normalizeH="0" baseline="0">
                           <a:ln>
                             <a:noFill/>
                           </a:ln>
@@ -10883,7 +10895,7 @@
                         <a:tabLst/>
                       </a:pPr>
                       <a:r>
-                        <a:rPr kumimoji="0" lang="zh-CN" altLang="zh-CN" sz="1600" b="1" i="0" u="none" strike="noStrike" cap="none" normalizeH="0" baseline="0" smtClean="0">
+                        <a:rPr kumimoji="0" lang="zh-CN" altLang="zh-CN" sz="1600" b="1" i="0" u="none" strike="noStrike" cap="none" normalizeH="0" baseline="0">
                           <a:ln>
                             <a:noFill/>
                           </a:ln>
@@ -11087,7 +11099,7 @@
                         <a:tabLst/>
                       </a:pPr>
                       <a:r>
-                        <a:rPr kumimoji="0" lang="zh-CN" altLang="zh-CN" sz="1600" b="1" i="0" u="none" strike="noStrike" cap="none" normalizeH="0" baseline="0" smtClean="0">
+                        <a:rPr kumimoji="0" lang="zh-CN" altLang="zh-CN" sz="1600" b="1" i="0" u="none" strike="noStrike" cap="none" normalizeH="0" baseline="0">
                           <a:ln>
                             <a:noFill/>
                           </a:ln>
@@ -11148,6 +11160,11 @@
                     <a:noFill/>
                   </a:tcPr>
                 </a:tc>
+                <a:extLst>
+                  <a:ext uri="{0D108BD9-81ED-4DB2-BD59-A6C34878D82A}">
+                    <a16:rowId xmlns:a16="http://schemas.microsoft.com/office/drawing/2014/main" val="10001"/>
+                  </a:ext>
+                </a:extLst>
               </a:tr>
               <a:tr h="600075">
                 <a:tc>
@@ -11293,7 +11310,7 @@
                         <a:tabLst/>
                       </a:pPr>
                       <a:r>
-                        <a:rPr kumimoji="0" lang="zh-CN" altLang="zh-CN" sz="1600" b="1" i="0" u="none" strike="noStrike" cap="none" normalizeH="0" baseline="0" smtClean="0">
+                        <a:rPr kumimoji="0" lang="zh-CN" altLang="zh-CN" sz="1600" b="1" i="0" u="none" strike="noStrike" cap="none" normalizeH="0" baseline="0">
                           <a:ln>
                             <a:noFill/>
                           </a:ln>
@@ -11497,7 +11514,7 @@
                         <a:tabLst/>
                       </a:pPr>
                       <a:r>
-                        <a:rPr kumimoji="0" lang="zh-CN" altLang="zh-CN" sz="1600" b="1" i="0" u="none" strike="noStrike" cap="none" normalizeH="0" baseline="0" smtClean="0">
+                        <a:rPr kumimoji="0" lang="zh-CN" altLang="zh-CN" sz="1600" b="1" i="0" u="none" strike="noStrike" cap="none" normalizeH="0" baseline="0">
                           <a:ln>
                             <a:noFill/>
                           </a:ln>
@@ -11701,7 +11718,7 @@
                         <a:tabLst/>
                       </a:pPr>
                       <a:r>
-                        <a:rPr kumimoji="0" lang="zh-CN" altLang="zh-CN" sz="1600" b="1" i="0" u="none" strike="noStrike" cap="none" normalizeH="0" baseline="0" smtClean="0">
+                        <a:rPr kumimoji="0" lang="zh-CN" altLang="zh-CN" sz="1600" b="1" i="0" u="none" strike="noStrike" cap="none" normalizeH="0" baseline="0">
                           <a:ln>
                             <a:noFill/>
                           </a:ln>
@@ -11905,7 +11922,7 @@
                         <a:tabLst/>
                       </a:pPr>
                       <a:r>
-                        <a:rPr kumimoji="0" lang="zh-CN" altLang="zh-CN" sz="1600" b="1" i="0" u="none" strike="noStrike" cap="none" normalizeH="0" baseline="0" smtClean="0">
+                        <a:rPr kumimoji="0" lang="zh-CN" altLang="zh-CN" sz="1600" b="1" i="0" u="none" strike="noStrike" cap="none" normalizeH="0" baseline="0">
                           <a:ln>
                             <a:noFill/>
                           </a:ln>
@@ -12109,7 +12126,7 @@
                         <a:tabLst/>
                       </a:pPr>
                       <a:r>
-                        <a:rPr kumimoji="0" lang="zh-CN" altLang="zh-CN" sz="1600" b="1" i="0" u="none" strike="noStrike" cap="none" normalizeH="0" baseline="0" smtClean="0">
+                        <a:rPr kumimoji="0" lang="zh-CN" altLang="zh-CN" sz="1600" b="1" i="0" u="none" strike="noStrike" cap="none" normalizeH="0" baseline="0">
                           <a:ln>
                             <a:noFill/>
                           </a:ln>
@@ -12170,6 +12187,11 @@
                     <a:noFill/>
                   </a:tcPr>
                 </a:tc>
+                <a:extLst>
+                  <a:ext uri="{0D108BD9-81ED-4DB2-BD59-A6C34878D82A}">
+                    <a16:rowId xmlns:a16="http://schemas.microsoft.com/office/drawing/2014/main" val="10002"/>
+                  </a:ext>
+                </a:extLst>
               </a:tr>
               <a:tr h="600075">
                 <a:tc>
@@ -12315,7 +12337,7 @@
                         <a:tabLst/>
                       </a:pPr>
                       <a:r>
-                        <a:rPr kumimoji="0" lang="zh-CN" altLang="zh-CN" sz="1600" b="1" i="0" u="none" strike="noStrike" cap="none" normalizeH="0" baseline="0" smtClean="0">
+                        <a:rPr kumimoji="0" lang="zh-CN" altLang="zh-CN" sz="1600" b="1" i="0" u="none" strike="noStrike" cap="none" normalizeH="0" baseline="0">
                           <a:ln>
                             <a:noFill/>
                           </a:ln>
@@ -12519,7 +12541,7 @@
                         <a:tabLst/>
                       </a:pPr>
                       <a:r>
-                        <a:rPr kumimoji="0" lang="zh-CN" altLang="zh-CN" sz="1600" b="1" i="0" u="none" strike="noStrike" cap="none" normalizeH="0" baseline="0" smtClean="0">
+                        <a:rPr kumimoji="0" lang="zh-CN" altLang="zh-CN" sz="1600" b="1" i="0" u="none" strike="noStrike" cap="none" normalizeH="0" baseline="0">
                           <a:ln>
                             <a:noFill/>
                           </a:ln>
@@ -12723,7 +12745,7 @@
                         <a:tabLst/>
                       </a:pPr>
                       <a:r>
-                        <a:rPr kumimoji="0" lang="zh-CN" altLang="zh-CN" sz="1600" b="1" i="0" u="none" strike="noStrike" cap="none" normalizeH="0" baseline="0" smtClean="0">
+                        <a:rPr kumimoji="0" lang="zh-CN" altLang="zh-CN" sz="1600" b="1" i="0" u="none" strike="noStrike" cap="none" normalizeH="0" baseline="0">
                           <a:ln>
                             <a:noFill/>
                           </a:ln>
@@ -12927,7 +12949,7 @@
                         <a:tabLst/>
                       </a:pPr>
                       <a:r>
-                        <a:rPr kumimoji="0" lang="zh-CN" altLang="zh-CN" sz="1600" b="1" i="0" u="none" strike="noStrike" cap="none" normalizeH="0" baseline="0" smtClean="0">
+                        <a:rPr kumimoji="0" lang="zh-CN" altLang="zh-CN" sz="1600" b="1" i="0" u="none" strike="noStrike" cap="none" normalizeH="0" baseline="0">
                           <a:ln>
                             <a:noFill/>
                           </a:ln>
@@ -13131,7 +13153,7 @@
                         <a:tabLst/>
                       </a:pPr>
                       <a:r>
-                        <a:rPr kumimoji="0" lang="zh-CN" altLang="zh-CN" sz="1600" b="1" i="0" u="none" strike="noStrike" cap="none" normalizeH="0" baseline="0" smtClean="0">
+                        <a:rPr kumimoji="0" lang="zh-CN" altLang="zh-CN" sz="1600" b="1" i="0" u="none" strike="noStrike" cap="none" normalizeH="0" baseline="0">
                           <a:ln>
                             <a:noFill/>
                           </a:ln>
@@ -13192,6 +13214,11 @@
                     <a:noFill/>
                   </a:tcPr>
                 </a:tc>
+                <a:extLst>
+                  <a:ext uri="{0D108BD9-81ED-4DB2-BD59-A6C34878D82A}">
+                    <a16:rowId xmlns:a16="http://schemas.microsoft.com/office/drawing/2014/main" val="10003"/>
+                  </a:ext>
+                </a:extLst>
               </a:tr>
               <a:tr h="600075">
                 <a:tc>
@@ -13337,7 +13364,7 @@
                         <a:tabLst/>
                       </a:pPr>
                       <a:r>
-                        <a:rPr kumimoji="0" lang="zh-CN" altLang="zh-CN" sz="1600" b="1" i="0" u="none" strike="noStrike" cap="none" normalizeH="0" baseline="0" smtClean="0">
+                        <a:rPr kumimoji="0" lang="zh-CN" altLang="zh-CN" sz="1600" b="1" i="0" u="none" strike="noStrike" cap="none" normalizeH="0" baseline="0">
                           <a:ln>
                             <a:noFill/>
                           </a:ln>
@@ -13541,7 +13568,7 @@
                         <a:tabLst/>
                       </a:pPr>
                       <a:r>
-                        <a:rPr kumimoji="0" lang="zh-CN" altLang="zh-CN" sz="1600" b="1" i="0" u="none" strike="noStrike" cap="none" normalizeH="0" baseline="0" smtClean="0">
+                        <a:rPr kumimoji="0" lang="zh-CN" altLang="zh-CN" sz="1600" b="1" i="0" u="none" strike="noStrike" cap="none" normalizeH="0" baseline="0">
                           <a:ln>
                             <a:noFill/>
                           </a:ln>
@@ -13745,7 +13772,7 @@
                         <a:tabLst/>
                       </a:pPr>
                       <a:r>
-                        <a:rPr kumimoji="0" lang="zh-CN" altLang="zh-CN" sz="1600" b="1" i="0" u="none" strike="noStrike" cap="none" normalizeH="0" baseline="0" smtClean="0">
+                        <a:rPr kumimoji="0" lang="zh-CN" altLang="zh-CN" sz="1600" b="1" i="0" u="none" strike="noStrike" cap="none" normalizeH="0" baseline="0">
                           <a:ln>
                             <a:noFill/>
                           </a:ln>
@@ -13949,7 +13976,7 @@
                         <a:tabLst/>
                       </a:pPr>
                       <a:r>
-                        <a:rPr kumimoji="0" lang="zh-CN" altLang="zh-CN" sz="1600" b="1" i="0" u="none" strike="noStrike" cap="none" normalizeH="0" baseline="0" smtClean="0">
+                        <a:rPr kumimoji="0" lang="zh-CN" altLang="zh-CN" sz="1600" b="1" i="0" u="none" strike="noStrike" cap="none" normalizeH="0" baseline="0">
                           <a:ln>
                             <a:noFill/>
                           </a:ln>
@@ -14153,7 +14180,7 @@
                         <a:tabLst/>
                       </a:pPr>
                       <a:r>
-                        <a:rPr kumimoji="0" lang="zh-CN" altLang="zh-CN" sz="1600" b="1" i="0" u="none" strike="noStrike" cap="none" normalizeH="0" baseline="0" smtClean="0">
+                        <a:rPr kumimoji="0" lang="zh-CN" altLang="zh-CN" sz="1600" b="1" i="0" u="none" strike="noStrike" cap="none" normalizeH="0" baseline="0">
                           <a:ln>
                             <a:noFill/>
                           </a:ln>
@@ -14214,6 +14241,11 @@
                     <a:noFill/>
                   </a:tcPr>
                 </a:tc>
+                <a:extLst>
+                  <a:ext uri="{0D108BD9-81ED-4DB2-BD59-A6C34878D82A}">
+                    <a16:rowId xmlns:a16="http://schemas.microsoft.com/office/drawing/2014/main" val="10004"/>
+                  </a:ext>
+                </a:extLst>
               </a:tr>
               <a:tr h="600075">
                 <a:tc>
@@ -14359,7 +14391,7 @@
                         <a:tabLst/>
                       </a:pPr>
                       <a:r>
-                        <a:rPr kumimoji="0" lang="zh-CN" altLang="zh-CN" sz="1600" b="1" i="0" u="none" strike="noStrike" cap="none" normalizeH="0" baseline="0" smtClean="0">
+                        <a:rPr kumimoji="0" lang="zh-CN" altLang="zh-CN" sz="1600" b="1" i="0" u="none" strike="noStrike" cap="none" normalizeH="0" baseline="0">
                           <a:ln>
                             <a:noFill/>
                           </a:ln>
@@ -14563,7 +14595,7 @@
                         <a:tabLst/>
                       </a:pPr>
                       <a:r>
-                        <a:rPr kumimoji="0" lang="zh-CN" altLang="zh-CN" sz="1600" b="1" i="0" u="none" strike="noStrike" cap="none" normalizeH="0" baseline="0" smtClean="0">
+                        <a:rPr kumimoji="0" lang="zh-CN" altLang="zh-CN" sz="1600" b="1" i="0" u="none" strike="noStrike" cap="none" normalizeH="0" baseline="0">
                           <a:ln>
                             <a:noFill/>
                           </a:ln>
@@ -14767,7 +14799,7 @@
                         <a:tabLst/>
                       </a:pPr>
                       <a:r>
-                        <a:rPr kumimoji="0" lang="zh-CN" altLang="zh-CN" sz="1600" b="1" i="0" u="none" strike="noStrike" cap="none" normalizeH="0" baseline="0" smtClean="0">
+                        <a:rPr kumimoji="0" lang="zh-CN" altLang="zh-CN" sz="1600" b="1" i="0" u="none" strike="noStrike" cap="none" normalizeH="0" baseline="0">
                           <a:ln>
                             <a:noFill/>
                           </a:ln>
@@ -14971,7 +15003,7 @@
                         <a:tabLst/>
                       </a:pPr>
                       <a:r>
-                        <a:rPr kumimoji="0" lang="zh-CN" altLang="zh-CN" sz="1600" b="1" i="0" u="none" strike="noStrike" cap="none" normalizeH="0" baseline="0" smtClean="0">
+                        <a:rPr kumimoji="0" lang="zh-CN" altLang="zh-CN" sz="1600" b="1" i="0" u="none" strike="noStrike" cap="none" normalizeH="0" baseline="0">
                           <a:ln>
                             <a:noFill/>
                           </a:ln>
@@ -15175,7 +15207,7 @@
                         <a:tabLst/>
                       </a:pPr>
                       <a:r>
-                        <a:rPr kumimoji="0" lang="zh-CN" altLang="zh-CN" sz="1600" b="1" i="0" u="none" strike="noStrike" cap="none" normalizeH="0" baseline="0" smtClean="0">
+                        <a:rPr kumimoji="0" lang="zh-CN" altLang="zh-CN" sz="1600" b="1" i="0" u="none" strike="noStrike" cap="none" normalizeH="0" baseline="0">
                           <a:ln>
                             <a:noFill/>
                           </a:ln>
@@ -15236,6 +15268,11 @@
                     <a:noFill/>
                   </a:tcPr>
                 </a:tc>
+                <a:extLst>
+                  <a:ext uri="{0D108BD9-81ED-4DB2-BD59-A6C34878D82A}">
+                    <a16:rowId xmlns:a16="http://schemas.microsoft.com/office/drawing/2014/main" val="10005"/>
+                  </a:ext>
+                </a:extLst>
               </a:tr>
             </a:tbl>
           </a:graphicData>
@@ -15289,15 +15326,7 @@
           <a:p>
             <a:r>
               <a:rPr lang="zh-CN" altLang="en-US" sz="1600" dirty="0"/>
-              <a:t>表6-</a:t>
-            </a:r>
-            <a:r>
-              <a:rPr lang="zh-CN" altLang="en-US" sz="1600" dirty="0" smtClean="0"/>
-              <a:t>1  </a:t>
-            </a:r>
-            <a:r>
-              <a:rPr lang="zh-CN" altLang="en-US" sz="1600" dirty="0"/>
-              <a:t>学生基本情况表</a:t>
+              <a:t>表6-1  学生基本情况表</a:t>
             </a:r>
           </a:p>
         </p:txBody>
@@ -15346,7 +15375,7 @@
             <a:fld id="{7BE9B383-09D3-4AF7-B09B-253063EFA11F}" type="datetime1">
               <a:rPr lang="zh-CN" altLang="zh-CN"/>
               <a:pPr/>
-              <a:t>2017/8/15</a:t>
+              <a:t>2020/6/14</a:t>
             </a:fld>
             <a:endParaRPr lang="zh-CN" altLang="zh-CN"/>
           </a:p>
@@ -15521,7 +15550,7 @@
             <a:fld id="{7BE9B383-09D3-4AF7-B09B-253063EFA11F}" type="datetime1">
               <a:rPr lang="zh-CN" altLang="zh-CN"/>
               <a:pPr/>
-              <a:t>2017/8/15</a:t>
+              <a:t>2020/6/14</a:t>
             </a:fld>
             <a:endParaRPr lang="zh-CN" altLang="zh-CN"/>
           </a:p>
@@ -15712,15 +15741,7 @@
             </a:r>
             <a:r>
               <a:rPr lang="zh-CN" altLang="zh-CN" sz="2000" b="0" dirty="0"/>
-              <a:t>又称为关键字。二维表中的某个属性或属性组，</a:t>
-            </a:r>
-            <a:r>
-              <a:rPr lang="zh-CN" altLang="zh-CN" sz="2000" b="0" dirty="0" smtClean="0"/>
-              <a:t>若它的</a:t>
-            </a:r>
-            <a:r>
-              <a:rPr lang="zh-CN" altLang="zh-CN" sz="2000" b="0" dirty="0"/>
-              <a:t>值唯一地标识了一个元组，则称该属性或属性组为候选码。若一个关系有多个候选码，则选定其中一个为主码，也称之为主键。</a:t>
+              <a:t>又称为关键字。二维表中的某个属性或属性组，若它的值唯一地标识了一个元组，则称该属性或属性组为候选码。若一个关系有多个候选码，则选定其中一个为主码，也称之为主键。</a:t>
             </a:r>
           </a:p>
           <a:p>
@@ -15801,7 +15822,7 @@
             <a:fld id="{7BE9B383-09D3-4AF7-B09B-253063EFA11F}" type="datetime1">
               <a:rPr lang="zh-CN" altLang="zh-CN"/>
               <a:pPr/>
-              <a:t>2017/8/15</a:t>
+              <a:t>2020/6/14</a:t>
             </a:fld>
             <a:endParaRPr lang="zh-CN" altLang="zh-CN"/>
           </a:p>
@@ -16035,7 +16056,7 @@
             <a:fld id="{7BE9B383-09D3-4AF7-B09B-253063EFA11F}" type="datetime1">
               <a:rPr lang="zh-CN" altLang="zh-CN"/>
               <a:pPr/>
-              <a:t>2017/8/15</a:t>
+              <a:t>2020/6/14</a:t>
             </a:fld>
             <a:endParaRPr lang="zh-CN" altLang="zh-CN"/>
           </a:p>
@@ -16354,7 +16375,7 @@
             <a:fld id="{7BE9B383-09D3-4AF7-B09B-253063EFA11F}" type="datetime1">
               <a:rPr lang="zh-CN" altLang="zh-CN"/>
               <a:pPr/>
-              <a:t>2017/8/15</a:t>
+              <a:t>2020/6/14</a:t>
             </a:fld>
             <a:endParaRPr lang="zh-CN" altLang="zh-CN"/>
           </a:p>
@@ -16665,7 +16686,7 @@
             <a:fld id="{7BE9B383-09D3-4AF7-B09B-253063EFA11F}" type="datetime1">
               <a:rPr lang="zh-CN" altLang="zh-CN"/>
               <a:pPr/>
-              <a:t>2017/8/15</a:t>
+              <a:t>2020/6/14</a:t>
             </a:fld>
             <a:endParaRPr lang="zh-CN" altLang="zh-CN"/>
           </a:p>
@@ -16809,12 +16830,8 @@
               <a:buNone/>
             </a:pPr>
             <a:r>
-              <a:rPr lang="zh-CN" altLang="zh-CN" sz="2000" dirty="0" smtClean="0"/>
-              <a:t>（1</a:t>
-            </a:r>
-            <a:r>
               <a:rPr lang="zh-CN" altLang="zh-CN" sz="2000" dirty="0"/>
-              <a:t>） 模式翻译。提供数据定义语言（DDL）。用它书写的数据库模式被翻译为内部表示。数据库的逻辑结构、完整性约束和物理存储结构保存在内部的数据字典中。数据库的各种数据操作（如查找、修改、插入和删除等）和数据库的维护管理都是以数据库模式为依据的。</a:t>
+              <a:t>（1） 模式翻译。提供数据定义语言（DDL）。用它书写的数据库模式被翻译为内部表示。数据库的逻辑结构、完整性约束和物理存储结构保存在内部的数据字典中。数据库的各种数据操作（如查找、修改、插入和删除等）和数据库的维护管理都是以数据库模式为依据的。</a:t>
             </a:r>
           </a:p>
           <a:p>
@@ -16966,7 +16983,7 @@
             <a:fld id="{7BE9B383-09D3-4AF7-B09B-253063EFA11F}" type="datetime1">
               <a:rPr lang="zh-CN" altLang="zh-CN"/>
               <a:pPr/>
-              <a:t>2017/8/15</a:t>
+              <a:t>2020/6/14</a:t>
             </a:fld>
             <a:endParaRPr lang="zh-CN" altLang="zh-CN"/>
           </a:p>
@@ -17232,7 +17249,7 @@
             <a:fld id="{7BE9B383-09D3-4AF7-B09B-253063EFA11F}" type="datetime1">
               <a:rPr lang="zh-CN" altLang="zh-CN"/>
               <a:pPr/>
-              <a:t>2017/8/15</a:t>
+              <a:t>2020/6/14</a:t>
             </a:fld>
             <a:endParaRPr lang="zh-CN" altLang="zh-CN"/>
           </a:p>
@@ -17452,7 +17469,7 @@
             <a:fld id="{7BE9B383-09D3-4AF7-B09B-253063EFA11F}" type="datetime1">
               <a:rPr lang="zh-CN" altLang="zh-CN"/>
               <a:pPr/>
-              <a:t>2017/8/15</a:t>
+              <a:t>2020/6/14</a:t>
             </a:fld>
             <a:endParaRPr lang="zh-CN" altLang="zh-CN"/>
           </a:p>
@@ -17642,7 +17659,7 @@
             <a:fld id="{7BE9B383-09D3-4AF7-B09B-253063EFA11F}" type="datetime1">
               <a:rPr lang="zh-CN" altLang="zh-CN"/>
               <a:pPr/>
-              <a:t>2017/8/15</a:t>
+              <a:t>2020/6/14</a:t>
             </a:fld>
             <a:endParaRPr lang="zh-CN" altLang="zh-CN"/>
           </a:p>
@@ -17717,10 +17734,6 @@
             <a:r>
               <a:rPr lang="zh-CN" altLang="en-US" b="1"/>
               <a:t>6.2.2  数据库管理系统的层次结构</a:t>
-            </a:r>
-            <a:r>
-              <a:rPr lang="zh-CN" altLang="en-US" sz="2400" b="1"/>
-              <a:t/>
             </a:r>
             <a:br>
               <a:rPr lang="zh-CN" altLang="en-US" sz="2400" b="1"/>
@@ -17935,7 +17948,7 @@
             <a:fld id="{7BE9B383-09D3-4AF7-B09B-253063EFA11F}" type="datetime1">
               <a:rPr lang="zh-CN" altLang="zh-CN"/>
               <a:pPr/>
-              <a:t>2017/8/15</a:t>
+              <a:t>2020/6/14</a:t>
             </a:fld>
             <a:endParaRPr lang="zh-CN" altLang="zh-CN"/>
           </a:p>
@@ -18012,10 +18025,6 @@
                 <a:sym typeface="Arial" pitchFamily="34" charset="0"/>
               </a:rPr>
               <a:t>6.2.3  常见数据库管理系统</a:t>
-            </a:r>
-            <a:r>
-              <a:rPr lang="zh-CN" altLang="en-US" sz="2400" b="1"/>
-              <a:t/>
             </a:r>
             <a:br>
               <a:rPr lang="zh-CN" altLang="en-US" sz="2400" b="1"/>
@@ -18137,7 +18146,7 @@
             <a:fld id="{7BE9B383-09D3-4AF7-B09B-253063EFA11F}" type="datetime1">
               <a:rPr lang="zh-CN" altLang="zh-CN"/>
               <a:pPr/>
-              <a:t>2017/8/15</a:t>
+              <a:t>2020/6/14</a:t>
             </a:fld>
             <a:endParaRPr lang="zh-CN" altLang="zh-CN"/>
           </a:p>
@@ -18214,10 +18223,6 @@
                 <a:sym typeface="Arial" pitchFamily="34" charset="0"/>
               </a:rPr>
               <a:t>6.2.3  常见数据库管理系统</a:t>
-            </a:r>
-            <a:r>
-              <a:rPr lang="zh-CN" altLang="en-US" sz="2400" b="1"/>
-              <a:t/>
             </a:r>
             <a:br>
               <a:rPr lang="zh-CN" altLang="en-US" sz="2400" b="1"/>
@@ -18380,7 +18385,7 @@
             <a:fld id="{7BE9B383-09D3-4AF7-B09B-253063EFA11F}" type="datetime1">
               <a:rPr lang="zh-CN" altLang="zh-CN"/>
               <a:pPr/>
-              <a:t>2017/8/15</a:t>
+              <a:t>2020/6/14</a:t>
             </a:fld>
             <a:endParaRPr lang="zh-CN" altLang="zh-CN"/>
           </a:p>
@@ -18457,10 +18462,6 @@
                 <a:sym typeface="Arial" pitchFamily="34" charset="0"/>
               </a:rPr>
               <a:t>6.2.3  常见数据库管理系统</a:t>
-            </a:r>
-            <a:r>
-              <a:rPr lang="zh-CN" altLang="en-US" sz="2400" b="1"/>
-              <a:t/>
             </a:r>
             <a:br>
               <a:rPr lang="zh-CN" altLang="en-US" sz="2400" b="1"/>
@@ -18602,7 +18603,7 @@
             <a:fld id="{7BE9B383-09D3-4AF7-B09B-253063EFA11F}" type="datetime1">
               <a:rPr lang="zh-CN" altLang="zh-CN"/>
               <a:pPr/>
-              <a:t>2017/8/15</a:t>
+              <a:t>2020/6/14</a:t>
             </a:fld>
             <a:endParaRPr lang="zh-CN" altLang="zh-CN"/>
           </a:p>
@@ -18679,10 +18680,6 @@
                 <a:sym typeface="Arial" pitchFamily="34" charset="0"/>
               </a:rPr>
               <a:t>6.2.3  常见数据库管理系统</a:t>
-            </a:r>
-            <a:r>
-              <a:rPr lang="zh-CN" altLang="en-US" sz="2400" b="1"/>
-              <a:t/>
             </a:r>
             <a:br>
               <a:rPr lang="zh-CN" altLang="en-US" sz="2400" b="1"/>
@@ -18790,7 +18787,7 @@
             <a:fld id="{7BE9B383-09D3-4AF7-B09B-253063EFA11F}" type="datetime1">
               <a:rPr lang="zh-CN" altLang="zh-CN"/>
               <a:pPr/>
-              <a:t>2017/8/15</a:t>
+              <a:t>2020/6/14</a:t>
             </a:fld>
             <a:endParaRPr lang="zh-CN" altLang="zh-CN"/>
           </a:p>
@@ -19019,7 +19016,7 @@
             <a:fld id="{7BE9B383-09D3-4AF7-B09B-253063EFA11F}" type="datetime1">
               <a:rPr lang="zh-CN" altLang="zh-CN"/>
               <a:pPr/>
-              <a:t>2017/8/15</a:t>
+              <a:t>2020/6/14</a:t>
             </a:fld>
             <a:endParaRPr lang="zh-CN" altLang="zh-CN"/>
           </a:p>
@@ -19234,7 +19231,7 @@
             <a:fld id="{7BE9B383-09D3-4AF7-B09B-253063EFA11F}" type="datetime1">
               <a:rPr lang="zh-CN" altLang="zh-CN"/>
               <a:pPr/>
-              <a:t>2017/8/15</a:t>
+              <a:t>2020/6/14</a:t>
             </a:fld>
             <a:endParaRPr lang="zh-CN" altLang="zh-CN"/>
           </a:p>
@@ -19455,7 +19452,7 @@
             <a:fld id="{7BE9B383-09D3-4AF7-B09B-253063EFA11F}" type="datetime1">
               <a:rPr lang="zh-CN" altLang="zh-CN"/>
               <a:pPr/>
-              <a:t>2017/8/15</a:t>
+              <a:t>2020/6/14</a:t>
             </a:fld>
             <a:endParaRPr lang="zh-CN" altLang="zh-CN"/>
           </a:p>
@@ -19713,7 +19710,7 @@
             <a:fld id="{7BE9B383-09D3-4AF7-B09B-253063EFA11F}" type="datetime1">
               <a:rPr lang="zh-CN" altLang="zh-CN"/>
               <a:pPr/>
-              <a:t>2017/8/15</a:t>
+              <a:t>2020/6/14</a:t>
             </a:fld>
             <a:endParaRPr lang="zh-CN" altLang="zh-CN"/>
           </a:p>
@@ -19955,7 +19952,7 @@
             <a:fld id="{7BE9B383-09D3-4AF7-B09B-253063EFA11F}" type="datetime1">
               <a:rPr lang="zh-CN" altLang="zh-CN"/>
               <a:pPr/>
-              <a:t>2017/8/15</a:t>
+              <a:t>2020/6/14</a:t>
             </a:fld>
             <a:endParaRPr lang="zh-CN" altLang="zh-CN"/>
           </a:p>
@@ -20060,7 +20057,7 @@
               <a:buNone/>
             </a:pPr>
             <a:r>
-              <a:rPr lang="zh-CN" altLang="en-US" sz="2000"/>
+              <a:rPr lang="zh-CN" altLang="en-US" sz="2000" dirty="0"/>
               <a:t>             Access 是Microsoft 推出的面向办公自动化、功能强大的关系数据库管理系统。自从1992年11 月正式推出Access 1.0 以来，Microsoft 一直在不断地完善增强Access 的功能，先后推出了Access 1.1、Access 2.0、Access 7.0、Access 97、Access 2000、 Access 2003、Access 2007、Access2010 等版本。</a:t>
             </a:r>
           </a:p>
@@ -20076,7 +20073,7 @@
               <a:buNone/>
             </a:pPr>
             <a:r>
-              <a:rPr lang="zh-CN" altLang="en-US" sz="2000"/>
+              <a:rPr lang="zh-CN" altLang="en-US" sz="2000" dirty="0"/>
               <a:t>   1. Access 关系数据库</a:t>
             </a:r>
           </a:p>
@@ -20092,8 +20089,20 @@
               <a:buNone/>
             </a:pPr>
             <a:r>
-              <a:rPr lang="zh-CN" altLang="en-US" sz="2000"/>
-              <a:t>             Access 是一种关系数据库管理系统（RDBMS）。顾名思义，关系数据库管理系统是关系型数据库管理软件，它的职能是维护数据库，接收和完成用户提出的访问数据的各种请求。                                </a:t>
+              <a:rPr lang="zh-CN" altLang="en-US" sz="2000" dirty="0"/>
+              <a:t>             Access 是一种</a:t>
+            </a:r>
+            <a:r>
+              <a:rPr lang="zh-CN" altLang="en-US" sz="2000" dirty="0">
+                <a:solidFill>
+                  <a:srgbClr val="FF0000"/>
+                </a:solidFill>
+              </a:rPr>
+              <a:t>关系数据库管理系统</a:t>
+            </a:r>
+            <a:r>
+              <a:rPr lang="zh-CN" altLang="en-US" sz="2000" dirty="0"/>
+              <a:t>（RDBMS）。顾名思义，关系数据库管理系统是关系型数据库管理软件，它的职能是维护数据库，接收和完成用户提出的访问数据的各种请求。                                </a:t>
             </a:r>
           </a:p>
           <a:p>
@@ -20108,7 +20117,7 @@
               <a:buNone/>
             </a:pPr>
             <a:r>
-              <a:rPr lang="zh-CN" altLang="en-US" sz="2000"/>
+              <a:rPr lang="zh-CN" altLang="en-US" sz="2000" dirty="0"/>
               <a:t>              数据库是与特定主题或目的相关的数据的集合。在Access 关系数据库中，大多数数据存放在各种不同结构的表中。表是有结构的数据的集合，每个表都拥有自己的表名和结构。</a:t>
             </a:r>
           </a:p>
@@ -20158,7 +20167,7 @@
             <a:fld id="{7BE9B383-09D3-4AF7-B09B-253063EFA11F}" type="datetime1">
               <a:rPr lang="zh-CN" altLang="zh-CN"/>
               <a:pPr/>
-              <a:t>2017/8/15</a:t>
+              <a:t>2020/6/14</a:t>
             </a:fld>
             <a:endParaRPr lang="zh-CN" altLang="zh-CN"/>
           </a:p>
@@ -20481,7 +20490,7 @@
             <a:fld id="{7BE9B383-09D3-4AF7-B09B-253063EFA11F}" type="datetime1">
               <a:rPr lang="zh-CN" altLang="zh-CN"/>
               <a:pPr/>
-              <a:t>2017/8/15</a:t>
+              <a:t>2020/6/14</a:t>
             </a:fld>
             <a:endParaRPr lang="zh-CN" altLang="zh-CN"/>
           </a:p>
@@ -20586,15 +20595,15 @@
               <a:buNone/>
             </a:pPr>
             <a:r>
-              <a:rPr lang="zh-CN" altLang="en-US" sz="2000"/>
+              <a:rPr lang="zh-CN" altLang="en-US" sz="2000" dirty="0"/>
               <a:t>     </a:t>
             </a:r>
             <a:r>
-              <a:rPr lang="zh-CN" altLang="en-US"/>
+              <a:rPr lang="zh-CN" altLang="en-US" dirty="0"/>
               <a:t> </a:t>
             </a:r>
             <a:r>
-              <a:rPr lang="zh-CN" altLang="en-US">
+              <a:rPr lang="zh-CN" altLang="en-US" dirty="0">
                 <a:latin typeface="宋体" pitchFamily="2" charset="-122"/>
               </a:rPr>
               <a:t>3. Access 2010 数据库结构</a:t>
@@ -20612,10 +20621,34 @@
               <a:buNone/>
             </a:pPr>
             <a:r>
-              <a:rPr lang="zh-CN" altLang="en-US">
+              <a:rPr lang="zh-CN" altLang="en-US" dirty="0">
                 <a:latin typeface="宋体" pitchFamily="2" charset="-122"/>
               </a:rPr>
-              <a:t>       Access 2010 关系数据库是数据库对象的集合。数据库对象包括表、查询、窗体、报表、宏和模块。</a:t>
+              <a:t>       Access 2010 关系数据库是数据库对象的集合。数据库对象包括</a:t>
+            </a:r>
+            <a:r>
+              <a:rPr lang="zh-CN" altLang="en-US" dirty="0">
+                <a:solidFill>
+                  <a:srgbClr val="FF0000"/>
+                </a:solidFill>
+                <a:latin typeface="宋体" pitchFamily="2" charset="-122"/>
+              </a:rPr>
+              <a:t>表、查询、窗体、报表、宏和模块</a:t>
+            </a:r>
+            <a:r>
+              <a:rPr lang="zh-CN" altLang="en-US" dirty="0">
+                <a:latin typeface="宋体" pitchFamily="2" charset="-122"/>
+              </a:rPr>
+              <a:t>。</a:t>
+            </a:r>
+            <a:r>
+              <a:rPr lang="zh-CN" altLang="en-US" dirty="0">
+                <a:solidFill>
+                  <a:srgbClr val="FF0000"/>
+                </a:solidFill>
+                <a:latin typeface="宋体" pitchFamily="2" charset="-122"/>
+              </a:rPr>
+              <a:t>（页）</a:t>
             </a:r>
           </a:p>
           <a:p>
@@ -20630,10 +20663,25 @@
               <a:buNone/>
             </a:pPr>
             <a:r>
-              <a:rPr lang="zh-CN" altLang="en-US">
+              <a:rPr lang="zh-CN" altLang="en-US" dirty="0">
                 <a:latin typeface="宋体" pitchFamily="2" charset="-122"/>
               </a:rPr>
-              <a:t>       在任何时刻，Access 只能打开并运行一个数据库。但是，在每一个数据库中，可以拥有众多的表、查询、窗体、报表、宏和模块。这些数据库对象都存储在同一个以.accdb 为扩展名的数据库文件中。</a:t>
+              <a:t>       在任何时刻，Access 只能打开并运行一个数据库。但是，在每一个数据库中，可以拥有众多的表、查询、窗体、报表、宏和模块。这些数据库对象都存储在同一个以</a:t>
+            </a:r>
+            <a:r>
+              <a:rPr lang="zh-CN" altLang="en-US" dirty="0">
+                <a:solidFill>
+                  <a:srgbClr val="FF0000"/>
+                </a:solidFill>
+                <a:latin typeface="宋体" pitchFamily="2" charset="-122"/>
+              </a:rPr>
+              <a:t>.accdb </a:t>
+            </a:r>
+            <a:r>
+              <a:rPr lang="zh-CN" altLang="en-US" dirty="0">
+                <a:latin typeface="宋体" pitchFamily="2" charset="-122"/>
+              </a:rPr>
+              <a:t>为扩展名的数据库文件中。</a:t>
             </a:r>
           </a:p>
         </p:txBody>
@@ -20682,7 +20730,7 @@
             <a:fld id="{7BE9B383-09D3-4AF7-B09B-253063EFA11F}" type="datetime1">
               <a:rPr lang="zh-CN" altLang="zh-CN"/>
               <a:pPr/>
-              <a:t>2017/8/15</a:t>
+              <a:t>2020/6/14</a:t>
             </a:fld>
             <a:endParaRPr lang="zh-CN" altLang="zh-CN"/>
           </a:p>
@@ -20787,15 +20835,15 @@
               <a:buNone/>
             </a:pPr>
             <a:r>
-              <a:rPr lang="zh-CN" altLang="en-US" sz="1600"/>
+              <a:rPr lang="zh-CN" altLang="en-US" sz="1600" dirty="0"/>
               <a:t>     </a:t>
             </a:r>
             <a:r>
-              <a:rPr lang="zh-CN" altLang="en-US" sz="1800"/>
+              <a:rPr lang="zh-CN" altLang="en-US" sz="1800" dirty="0"/>
               <a:t> </a:t>
             </a:r>
             <a:r>
-              <a:rPr lang="zh-CN" altLang="en-US" sz="1800">
+              <a:rPr lang="zh-CN" altLang="en-US" sz="1800" dirty="0">
                 <a:latin typeface="宋体" pitchFamily="2" charset="-122"/>
               </a:rPr>
               <a:t>1） 表（Table）对象</a:t>
@@ -20813,7 +20861,7 @@
               <a:buNone/>
             </a:pPr>
             <a:r>
-              <a:rPr lang="zh-CN" altLang="en-US" sz="1800">
+              <a:rPr lang="zh-CN" altLang="en-US" sz="1800" dirty="0">
                 <a:latin typeface="宋体" pitchFamily="2" charset="-122"/>
               </a:rPr>
               <a:t>       在Access 关系数据库中，表是有结构的数据的集合，是数据库应用系统的数据“仓库”。表用于存储基本数据。</a:t>
@@ -20831,7 +20879,7 @@
               <a:buNone/>
             </a:pPr>
             <a:r>
-              <a:rPr lang="zh-CN" altLang="en-US" sz="1800">
+              <a:rPr lang="zh-CN" altLang="en-US" sz="1800" dirty="0">
                 <a:latin typeface="宋体" pitchFamily="2" charset="-122"/>
               </a:rPr>
               <a:t>       在开发数据库应用系统时，开发者的首要工作是要分析应用系统的数据需求，然后根据分析的结果建立适合于系统要求的表结构以及表间关系。表结构与表间关系将直接影响后续开发工作的效率，甚至影响到系统的质量。</a:t>
@@ -20849,7 +20897,7 @@
               <a:buNone/>
             </a:pPr>
             <a:r>
-              <a:rPr lang="zh-CN" altLang="en-US" sz="1800">
+              <a:rPr lang="zh-CN" altLang="en-US" sz="1800" dirty="0">
                 <a:latin typeface="宋体" pitchFamily="2" charset="-122"/>
               </a:rPr>
               <a:t>       每个表都拥有自己的表名和结构。在表中，数据是按行和列存储的，相当于由行和列组成的二维表格。在表中，一行数据称为一条记录，一列称为一个字段。</a:t>
@@ -20867,7 +20915,7 @@
               <a:buNone/>
             </a:pPr>
             <a:r>
-              <a:rPr lang="zh-CN" altLang="en-US" sz="1800">
+              <a:rPr lang="zh-CN" altLang="en-US" sz="1800" dirty="0">
                 <a:latin typeface="宋体" pitchFamily="2" charset="-122"/>
               </a:rPr>
               <a:t>       在Access 关系数据库中，有关表的操作都是通过表对象来实现的。表对象可以管理表的结构（包括字段名称、数据类型、字段属性等）以及表中存储的记录。</a:t>
@@ -20919,7 +20967,7 @@
             <a:fld id="{7BE9B383-09D3-4AF7-B09B-253063EFA11F}" type="datetime1">
               <a:rPr lang="zh-CN" altLang="zh-CN"/>
               <a:pPr/>
-              <a:t>2017/8/15</a:t>
+              <a:t>2020/6/14</a:t>
             </a:fld>
             <a:endParaRPr lang="zh-CN" altLang="zh-CN"/>
           </a:p>
@@ -21024,15 +21072,15 @@
               <a:buNone/>
             </a:pPr>
             <a:r>
-              <a:rPr lang="zh-CN" altLang="en-US" sz="1400"/>
+              <a:rPr lang="zh-CN" altLang="en-US" sz="1400" dirty="0"/>
               <a:t>     </a:t>
             </a:r>
             <a:r>
-              <a:rPr lang="zh-CN" altLang="en-US" sz="1800"/>
+              <a:rPr lang="zh-CN" altLang="en-US" sz="1800" dirty="0"/>
               <a:t> </a:t>
             </a:r>
             <a:r>
-              <a:rPr lang="zh-CN" altLang="en-US" sz="1800">
+              <a:rPr lang="zh-CN" altLang="en-US" sz="1800" dirty="0">
                 <a:latin typeface="宋体" pitchFamily="2" charset="-122"/>
               </a:rPr>
               <a:t>2） 查询（Query）对象</a:t>
@@ -21050,7 +21098,7 @@
               <a:buNone/>
             </a:pPr>
             <a:r>
-              <a:rPr lang="zh-CN" altLang="en-US" sz="1800">
+              <a:rPr lang="zh-CN" altLang="en-US" sz="1800" dirty="0">
                 <a:latin typeface="宋体" pitchFamily="2" charset="-122"/>
               </a:rPr>
               <a:t>       查询用于在一个或多个表内查找某些特定的数据，完成数据的检索、定位和计算的功能供用户查看。查询是Access 2010 数据库中的一个重要对象，它是按照一定的条件或准则从一个或多个数据表中映射出的虚拟视图。在Access 2010 中，查询可分为6 类。</a:t>
@@ -21068,10 +21116,25 @@
               <a:buNone/>
             </a:pPr>
             <a:r>
-              <a:rPr lang="zh-CN" altLang="en-US" sz="1800">
+              <a:rPr lang="zh-CN" altLang="en-US" sz="1800" dirty="0">
                 <a:latin typeface="宋体" pitchFamily="2" charset="-122"/>
               </a:rPr>
-              <a:t>     （1） 选择查询。选择查询是用于从表中检索数据或进行计算的查询。这也是最常用的查询类型。</a:t>
+              <a:t>     （1） </a:t>
+            </a:r>
+            <a:r>
+              <a:rPr lang="zh-CN" altLang="en-US" sz="1800" dirty="0">
+                <a:solidFill>
+                  <a:srgbClr val="FF0000"/>
+                </a:solidFill>
+                <a:latin typeface="宋体" pitchFamily="2" charset="-122"/>
+              </a:rPr>
+              <a:t>选择查询</a:t>
+            </a:r>
+            <a:r>
+              <a:rPr lang="zh-CN" altLang="en-US" sz="1800" dirty="0">
+                <a:latin typeface="宋体" pitchFamily="2" charset="-122"/>
+              </a:rPr>
+              <a:t>。选择查询是用于从表中检索数据或进行计算的查询。这也是最常用的查询类型。</a:t>
             </a:r>
           </a:p>
           <a:p>
@@ -21086,10 +21149,25 @@
               <a:buNone/>
             </a:pPr>
             <a:r>
-              <a:rPr lang="zh-CN" altLang="en-US" sz="1800">
+              <a:rPr lang="zh-CN" altLang="en-US" sz="1800" dirty="0">
                 <a:latin typeface="宋体" pitchFamily="2" charset="-122"/>
               </a:rPr>
-              <a:t>     （2） 生成表查询。生成表查询就是通过查询来搜索记录，然后将这些记录保存到一个新的表中。</a:t>
+              <a:t>     （2） </a:t>
+            </a:r>
+            <a:r>
+              <a:rPr lang="zh-CN" altLang="en-US" sz="1800" dirty="0">
+                <a:solidFill>
+                  <a:srgbClr val="FF0000"/>
+                </a:solidFill>
+                <a:latin typeface="宋体" pitchFamily="2" charset="-122"/>
+              </a:rPr>
+              <a:t>生成表查询</a:t>
+            </a:r>
+            <a:r>
+              <a:rPr lang="zh-CN" altLang="en-US" sz="1800" dirty="0">
+                <a:latin typeface="宋体" pitchFamily="2" charset="-122"/>
+              </a:rPr>
+              <a:t>。生成表查询就是通过查询来搜索记录，然后将这些记录保存到一个新的表中。</a:t>
             </a:r>
           </a:p>
           <a:p>
@@ -21104,10 +21182,25 @@
               <a:buNone/>
             </a:pPr>
             <a:r>
-              <a:rPr lang="zh-CN" altLang="en-US" sz="1800">
+              <a:rPr lang="zh-CN" altLang="en-US" sz="1800" dirty="0">
                 <a:latin typeface="宋体" pitchFamily="2" charset="-122"/>
               </a:rPr>
-              <a:t>     （3） 追加查询。追加查询可以将一个数据表中的数据添加到另一个数据表中。</a:t>
+              <a:t>     （3） </a:t>
+            </a:r>
+            <a:r>
+              <a:rPr lang="zh-CN" altLang="en-US" sz="1800" dirty="0">
+                <a:solidFill>
+                  <a:srgbClr val="FF0000"/>
+                </a:solidFill>
+                <a:latin typeface="宋体" pitchFamily="2" charset="-122"/>
+              </a:rPr>
+              <a:t>追加查询</a:t>
+            </a:r>
+            <a:r>
+              <a:rPr lang="zh-CN" altLang="en-US" sz="1800" dirty="0">
+                <a:latin typeface="宋体" pitchFamily="2" charset="-122"/>
+              </a:rPr>
+              <a:t>。追加查询可以将一个数据表中的数据添加到另一个数据表中。</a:t>
             </a:r>
           </a:p>
           <a:p>
@@ -21122,10 +21215,25 @@
               <a:buNone/>
             </a:pPr>
             <a:r>
-              <a:rPr lang="zh-CN" altLang="en-US" sz="1800">
+              <a:rPr lang="zh-CN" altLang="en-US" sz="1800" dirty="0">
                 <a:latin typeface="宋体" pitchFamily="2" charset="-122"/>
               </a:rPr>
-              <a:t>     （4） 更新查询。更新查询就是利用查询的功能批量更改记录。</a:t>
+              <a:t>     （4） </a:t>
+            </a:r>
+            <a:r>
+              <a:rPr lang="zh-CN" altLang="en-US" sz="1800" dirty="0">
+                <a:solidFill>
+                  <a:srgbClr val="FF0000"/>
+                </a:solidFill>
+                <a:latin typeface="宋体" pitchFamily="2" charset="-122"/>
+              </a:rPr>
+              <a:t>更新查询</a:t>
+            </a:r>
+            <a:r>
+              <a:rPr lang="zh-CN" altLang="en-US" sz="1800" dirty="0">
+                <a:latin typeface="宋体" pitchFamily="2" charset="-122"/>
+              </a:rPr>
+              <a:t>。更新查询就是利用查询的功能批量更改记录。</a:t>
             </a:r>
           </a:p>
           <a:p>
@@ -21140,10 +21248,25 @@
               <a:buNone/>
             </a:pPr>
             <a:r>
-              <a:rPr lang="zh-CN" altLang="en-US" sz="1800">
+              <a:rPr lang="zh-CN" altLang="en-US" sz="1800" dirty="0">
                 <a:latin typeface="宋体" pitchFamily="2" charset="-122"/>
               </a:rPr>
-              <a:t>     （5） 交叉表查询。交叉表查询主要用于显示某一个字段数据的统计值，比如计数、平均值等。</a:t>
+              <a:t>     （5） </a:t>
+            </a:r>
+            <a:r>
+              <a:rPr lang="zh-CN" altLang="en-US" sz="1800" dirty="0">
+                <a:solidFill>
+                  <a:srgbClr val="FF0000"/>
+                </a:solidFill>
+                <a:latin typeface="宋体" pitchFamily="2" charset="-122"/>
+              </a:rPr>
+              <a:t>交叉表查询</a:t>
+            </a:r>
+            <a:r>
+              <a:rPr lang="zh-CN" altLang="en-US" sz="1800" dirty="0">
+                <a:latin typeface="宋体" pitchFamily="2" charset="-122"/>
+              </a:rPr>
+              <a:t>。交叉表查询主要用于显示某一个字段数据的统计值，比如计数、平均值等。</a:t>
             </a:r>
           </a:p>
           <a:p>
@@ -21158,10 +21281,25 @@
               <a:buNone/>
             </a:pPr>
             <a:r>
-              <a:rPr lang="zh-CN" altLang="en-US" sz="1800">
+              <a:rPr lang="zh-CN" altLang="en-US" sz="1800" dirty="0">
                 <a:latin typeface="宋体" pitchFamily="2" charset="-122"/>
               </a:rPr>
-              <a:t>     （6） 删除查询。删除查询就是通过查询来搜索符合条件的记录，然后运行该查询将这些记录从原数据表中删除。</a:t>
+              <a:t>     （6） </a:t>
+            </a:r>
+            <a:r>
+              <a:rPr lang="zh-CN" altLang="en-US" sz="1800" dirty="0">
+                <a:solidFill>
+                  <a:srgbClr val="FF0000"/>
+                </a:solidFill>
+                <a:latin typeface="宋体" pitchFamily="2" charset="-122"/>
+              </a:rPr>
+              <a:t>删除查询</a:t>
+            </a:r>
+            <a:r>
+              <a:rPr lang="zh-CN" altLang="en-US" sz="1800" dirty="0">
+                <a:latin typeface="宋体" pitchFamily="2" charset="-122"/>
+              </a:rPr>
+              <a:t>。删除查询就是通过查询来搜索符合条件的记录，然后运行该查询将这些记录从原数据表中删除。</a:t>
             </a:r>
           </a:p>
         </p:txBody>
@@ -21210,7 +21348,7 @@
             <a:fld id="{7BE9B383-09D3-4AF7-B09B-253063EFA11F}" type="datetime1">
               <a:rPr lang="zh-CN" altLang="zh-CN"/>
               <a:pPr/>
-              <a:t>2017/8/15</a:t>
+              <a:t>2020/6/14</a:t>
             </a:fld>
             <a:endParaRPr lang="zh-CN" altLang="zh-CN"/>
           </a:p>
@@ -21315,15 +21453,15 @@
               <a:buNone/>
             </a:pPr>
             <a:r>
-              <a:rPr lang="zh-CN" altLang="en-US" sz="1400"/>
+              <a:rPr lang="zh-CN" altLang="en-US" sz="1400" dirty="0"/>
               <a:t>     </a:t>
             </a:r>
             <a:r>
-              <a:rPr lang="zh-CN" altLang="en-US" sz="1800"/>
+              <a:rPr lang="zh-CN" altLang="en-US" sz="1800" dirty="0"/>
               <a:t> </a:t>
             </a:r>
             <a:r>
-              <a:rPr lang="zh-CN" altLang="en-US" sz="1800">
+              <a:rPr lang="zh-CN" altLang="en-US" sz="1800" dirty="0">
                 <a:latin typeface="宋体" pitchFamily="2" charset="-122"/>
               </a:rPr>
               <a:t>3） 窗体（Form）对象</a:t>
@@ -21341,10 +21479,25 @@
               <a:buNone/>
             </a:pPr>
             <a:r>
-              <a:rPr lang="zh-CN" altLang="en-US" sz="1800">
+              <a:rPr lang="zh-CN" altLang="en-US" sz="1800" dirty="0">
                 <a:latin typeface="宋体" pitchFamily="2" charset="-122"/>
               </a:rPr>
-              <a:t>       窗体是应用程序和用户之间的接口界面，是创建数据库应用系统最基本的对象。窗体为用户查看和编辑数据库中的数据提供了一种友好的交互式界面。用户可以通过窗体来实现数据维护、控制应用程序流程等人机交互的功能，也可以使用窗体完成向表中输入数据，控制数据输出、显示等操作，还可打开其他窗体或报表、创建自定义对话框。</a:t>
+              <a:t>       窗体是应用程序和用户之间的接口界面，是创建数据库应用系统最基本的对象。窗体为用户查看和编辑数据库中的数据提供了一种友好的</a:t>
+            </a:r>
+            <a:r>
+              <a:rPr lang="zh-CN" altLang="en-US" sz="1800" dirty="0">
+                <a:solidFill>
+                  <a:srgbClr val="FF0000"/>
+                </a:solidFill>
+                <a:latin typeface="宋体" pitchFamily="2" charset="-122"/>
+              </a:rPr>
+              <a:t>交互式界面</a:t>
+            </a:r>
+            <a:r>
+              <a:rPr lang="zh-CN" altLang="en-US" sz="1800" dirty="0">
+                <a:latin typeface="宋体" pitchFamily="2" charset="-122"/>
+              </a:rPr>
+              <a:t>。用户可以通过窗体来实现数据维护、控制应用程序流程等人机交互的功能，也可以使用窗体完成向表中输入数据，控制数据输出、显示等操作，还可打开其他窗体或报表、创建自定义对话框。</a:t>
             </a:r>
           </a:p>
           <a:p>
@@ -21359,7 +21512,7 @@
               <a:buNone/>
             </a:pPr>
             <a:r>
-              <a:rPr lang="zh-CN" altLang="en-US" sz="1800">
+              <a:rPr lang="zh-CN" altLang="en-US" sz="1800" dirty="0">
                 <a:latin typeface="宋体" pitchFamily="2" charset="-122"/>
               </a:rPr>
               <a:t>  4） 报表（Report）对象</a:t>
@@ -21377,10 +21530,25 @@
               <a:buNone/>
             </a:pPr>
             <a:r>
-              <a:rPr lang="zh-CN" altLang="en-US" sz="1800">
+              <a:rPr lang="zh-CN" altLang="en-US" sz="1800" dirty="0">
                 <a:latin typeface="宋体" pitchFamily="2" charset="-122"/>
               </a:rPr>
-              <a:t>       报表是以打印格式显示用户数据的一种有效方式。用户可以将一个或多个表和查询中的数据以一定的格式制作成报表，还可以将数据处理的结果或各种图表插入到报表中，用户可以在报表设计视图窗口中控制每个对象的大小和显示方式，对报表对象的各项内容进行设计和修改，按照用户所需的方式完成打印工作。</a:t>
+              <a:t>       报表是以</a:t>
+            </a:r>
+            <a:r>
+              <a:rPr lang="zh-CN" altLang="en-US" sz="1800" dirty="0">
+                <a:solidFill>
+                  <a:srgbClr val="FF0000"/>
+                </a:solidFill>
+                <a:latin typeface="宋体" pitchFamily="2" charset="-122"/>
+              </a:rPr>
+              <a:t>打印格式显示</a:t>
+            </a:r>
+            <a:r>
+              <a:rPr lang="zh-CN" altLang="en-US" sz="1800" dirty="0">
+                <a:latin typeface="宋体" pitchFamily="2" charset="-122"/>
+              </a:rPr>
+              <a:t>用户数据的一种有效方式。用户可以将一个或多个表和查询中的数据以一定的格式制作成报表，还可以将数据处理的结果或各种图表插入到报表中，用户可以在报表设计视图窗口中控制每个对象的大小和显示方式，对报表对象的各项内容进行设计和修改，按照用户所需的方式完成打印工作。</a:t>
             </a:r>
           </a:p>
         </p:txBody>
@@ -21429,7 +21597,7 @@
             <a:fld id="{7BE9B383-09D3-4AF7-B09B-253063EFA11F}" type="datetime1">
               <a:rPr lang="zh-CN" altLang="zh-CN"/>
               <a:pPr/>
-              <a:t>2017/8/15</a:t>
+              <a:t>2020/6/14</a:t>
             </a:fld>
             <a:endParaRPr lang="zh-CN" altLang="zh-CN"/>
           </a:p>
@@ -21628,7 +21796,7 @@
             <a:fld id="{7BE9B383-09D3-4AF7-B09B-253063EFA11F}" type="datetime1">
               <a:rPr lang="zh-CN" altLang="zh-CN"/>
               <a:pPr/>
-              <a:t>2017/8/15</a:t>
+              <a:t>2020/6/14</a:t>
             </a:fld>
             <a:endParaRPr lang="zh-CN" altLang="zh-CN"/>
           </a:p>
@@ -21733,15 +21901,15 @@
               <a:buNone/>
             </a:pPr>
             <a:r>
-              <a:rPr lang="zh-CN" altLang="en-US" sz="1200"/>
+              <a:rPr lang="zh-CN" altLang="en-US" sz="1200" dirty="0"/>
               <a:t>   </a:t>
             </a:r>
             <a:r>
-              <a:rPr lang="zh-CN" altLang="en-US" sz="1800"/>
+              <a:rPr lang="zh-CN" altLang="en-US" sz="1800" dirty="0"/>
               <a:t>   </a:t>
             </a:r>
             <a:r>
-              <a:rPr lang="zh-CN" altLang="en-US" sz="1800">
+              <a:rPr lang="zh-CN" altLang="en-US" sz="1800" dirty="0">
                 <a:latin typeface="宋体" pitchFamily="2" charset="-122"/>
               </a:rPr>
               <a:t>5） 宏（Macro）对象</a:t>
@@ -21759,10 +21927,25 @@
               <a:buNone/>
             </a:pPr>
             <a:r>
-              <a:rPr lang="zh-CN" altLang="en-US" sz="1800">
+              <a:rPr lang="zh-CN" altLang="en-US" sz="1800" dirty="0">
                 <a:latin typeface="宋体" pitchFamily="2" charset="-122"/>
               </a:rPr>
-              <a:t>       宏是一种为实现较复杂功能而建立的可定制对象，它实际上是一系列操作的集合，其中每个操作都能实现特定的功能，是帮助用户实现各种操作的集合，使系统成为一个可以良好运行的软件，如打开窗体、生成报表、保存修改等。Access 2010 具有功能更强大的宏设计器和数据宏，使用该设计器可以轻松地创建、编辑和自动处理数据库逻辑、减少编码错误，并轻松地整合更复杂的逻辑以创建功能强大的应用程序。</a:t>
+              <a:t>       宏是一种为实现较复杂功能而建立的可定制对象，它实际上是</a:t>
+            </a:r>
+            <a:r>
+              <a:rPr lang="zh-CN" altLang="en-US" sz="1800" dirty="0">
+                <a:solidFill>
+                  <a:srgbClr val="FF0000"/>
+                </a:solidFill>
+                <a:latin typeface="宋体" pitchFamily="2" charset="-122"/>
+              </a:rPr>
+              <a:t>一系列操作的集合</a:t>
+            </a:r>
+            <a:r>
+              <a:rPr lang="zh-CN" altLang="en-US" sz="1800" dirty="0">
+                <a:latin typeface="宋体" pitchFamily="2" charset="-122"/>
+              </a:rPr>
+              <a:t>，其中每个操作都能实现特定的功能，是帮助用户实现各种操作的集合，使系统成为一个可以良好运行的软件，如打开窗体、生成报表、保存修改等。Access 2010 具有功能更强大的宏设计器和数据宏，使用该设计器可以轻松地创建、编辑和自动处理数据库逻辑、减少编码错误，并轻松地整合更复杂的逻辑以创建功能强大的应用程序。</a:t>
             </a:r>
           </a:p>
           <a:p>
@@ -21777,7 +21960,7 @@
               <a:buNone/>
             </a:pPr>
             <a:r>
-              <a:rPr lang="zh-CN" altLang="en-US" sz="1800">
+              <a:rPr lang="zh-CN" altLang="en-US" sz="1800" dirty="0">
                 <a:latin typeface="宋体" pitchFamily="2" charset="-122"/>
               </a:rPr>
               <a:t>  6） 模块（Module）对象</a:t>
@@ -21795,7 +21978,7 @@
               <a:buNone/>
             </a:pPr>
             <a:r>
-              <a:rPr lang="zh-CN" altLang="en-US" sz="1800">
+              <a:rPr lang="zh-CN" altLang="en-US" sz="1800" dirty="0">
                 <a:latin typeface="宋体" pitchFamily="2" charset="-122"/>
               </a:rPr>
               <a:t>       模块是Access 数据库中最复杂也是功能最强大的一种对象，它由Visual Basic 编制的过程和函数组成。模块提供了更加独立的动作流程，并且允许捕捉错误。在Access 中，一个模块相对于一组相关功能的集合。使用其内置的Visual Basic for Application（VBA）可以编制各种对象的属性、方法，以实现细致的操作和复杂的控制功能。</a:t>
@@ -21847,7 +22030,7 @@
             <a:fld id="{7BE9B383-09D3-4AF7-B09B-253063EFA11F}" type="datetime1">
               <a:rPr lang="zh-CN" altLang="zh-CN"/>
               <a:pPr/>
-              <a:t>2017/8/15</a:t>
+              <a:t>2020/6/14</a:t>
             </a:fld>
             <a:endParaRPr lang="zh-CN" altLang="zh-CN"/>
           </a:p>
@@ -22030,7 +22213,7 @@
             <a:fld id="{7BE9B383-09D3-4AF7-B09B-253063EFA11F}" type="datetime1">
               <a:rPr lang="zh-CN" altLang="zh-CN"/>
               <a:pPr/>
-              <a:t>2017/8/15</a:t>
+              <a:t>2020/6/14</a:t>
             </a:fld>
             <a:endParaRPr lang="zh-CN" altLang="zh-CN"/>
           </a:p>
@@ -22141,7 +22324,7 @@
               <a:buNone/>
             </a:pPr>
             <a:r>
-              <a:rPr lang="zh-CN" altLang="en-US" sz="2000"/>
+              <a:rPr lang="zh-CN" altLang="en-US" sz="2000" dirty="0"/>
               <a:t>       1. 创建数据库</a:t>
             </a:r>
           </a:p>
@@ -22154,8 +22337,44 @@
               <a:buNone/>
             </a:pPr>
             <a:r>
-              <a:rPr lang="zh-CN" altLang="en-US" sz="2000"/>
-              <a:t>            在Access 2010 中，创建数据库有两种方法：一是利用模板创建，模板又分两种，一种是随Access 一同安装的模板，另一种是来自Office.com 的模板；二是先建立一个空白数据库，然后再添加表、窗体、报表等其他对象，这种方法较为灵活，但需要分别定义每个数据库元素。无论采用哪种方法，都可以随时修改或扩展数据库。</a:t>
+              <a:rPr lang="zh-CN" altLang="en-US" sz="2000" dirty="0"/>
+              <a:t>            在Access 2010 中，创建数据库有两种方法：一是利用</a:t>
+            </a:r>
+            <a:r>
+              <a:rPr lang="zh-CN" altLang="en-US" sz="2000" dirty="0">
+                <a:solidFill>
+                  <a:srgbClr val="FF0000"/>
+                </a:solidFill>
+              </a:rPr>
+              <a:t>模板创建，</a:t>
+            </a:r>
+            <a:r>
+              <a:rPr lang="zh-CN" altLang="en-US" sz="2000" dirty="0"/>
+              <a:t>模板又分两种，一种是随</a:t>
+            </a:r>
+            <a:r>
+              <a:rPr lang="zh-CN" altLang="en-US" sz="2000" dirty="0">
+                <a:solidFill>
+                  <a:srgbClr val="FF0000"/>
+                </a:solidFill>
+              </a:rPr>
+              <a:t>Acces</a:t>
+            </a:r>
+            <a:r>
+              <a:rPr lang="zh-CN" altLang="en-US" sz="2000" dirty="0"/>
+              <a:t>s 一同安装的模板，另一种是来自</a:t>
+            </a:r>
+            <a:r>
+              <a:rPr lang="zh-CN" altLang="en-US" sz="2000" dirty="0">
+                <a:solidFill>
+                  <a:srgbClr val="FF0000"/>
+                </a:solidFill>
+              </a:rPr>
+              <a:t>Office.com </a:t>
+            </a:r>
+            <a:r>
+              <a:rPr lang="zh-CN" altLang="en-US" sz="2000" dirty="0"/>
+              <a:t>的模板；二是先建立一个空白数据库，然后再添加表、窗体、报表等其他对象，这种方法较为灵活，但需要分别定义每个数据库元素。无论采用哪种方法，都可以随时修改或扩展数据库。</a:t>
             </a:r>
           </a:p>
         </p:txBody>
@@ -22204,7 +22423,7 @@
             <a:fld id="{7BE9B383-09D3-4AF7-B09B-253063EFA11F}" type="datetime1">
               <a:rPr lang="zh-CN" altLang="zh-CN"/>
               <a:pPr/>
-              <a:t>2017/8/15</a:t>
+              <a:t>2020/6/14</a:t>
             </a:fld>
             <a:endParaRPr lang="zh-CN" altLang="zh-CN"/>
           </a:p>
@@ -22380,7 +22599,7 @@
             <a:fld id="{7BE9B383-09D3-4AF7-B09B-253063EFA11F}" type="datetime1">
               <a:rPr lang="zh-CN" altLang="zh-CN"/>
               <a:pPr/>
-              <a:t>2017/8/15</a:t>
+              <a:t>2020/6/14</a:t>
             </a:fld>
             <a:endParaRPr lang="zh-CN" altLang="zh-CN"/>
           </a:p>
@@ -22698,7 +22917,7 @@
             <a:fld id="{7BE9B383-09D3-4AF7-B09B-253063EFA11F}" type="datetime1">
               <a:rPr lang="zh-CN" altLang="zh-CN"/>
               <a:pPr/>
-              <a:t>2017/8/15</a:t>
+              <a:t>2020/6/14</a:t>
             </a:fld>
             <a:endParaRPr lang="zh-CN" altLang="zh-CN"/>
           </a:p>
@@ -22924,7 +23143,7 @@
           <a:lstStyle/>
           <a:p>
             <a:r>
-              <a:rPr lang="zh-CN" altLang="en-US" sz="1600"/>
+              <a:rPr lang="zh-CN" altLang="en-US" sz="1600" dirty="0"/>
               <a:t>图6-4 输入数据创建表</a:t>
             </a:r>
           </a:p>
@@ -22974,7 +23193,7 @@
             <a:fld id="{7BE9B383-09D3-4AF7-B09B-253063EFA11F}" type="datetime1">
               <a:rPr lang="zh-CN" altLang="zh-CN"/>
               <a:pPr/>
-              <a:t>2017/8/15</a:t>
+              <a:t>2020/6/14</a:t>
             </a:fld>
             <a:endParaRPr lang="zh-CN" altLang="zh-CN"/>
           </a:p>
@@ -23188,7 +23407,7 @@
         </p:blipFill>
         <p:spPr bwMode="auto">
           <a:xfrm>
-            <a:off x="5940425" y="1628775"/>
+            <a:off x="5868144" y="1701800"/>
             <a:ext cx="2474913" cy="3663950"/>
           </a:xfrm>
           <a:prstGeom prst="rect">
@@ -23273,7 +23492,7 @@
             <a:fld id="{7BE9B383-09D3-4AF7-B09B-253063EFA11F}" type="datetime1">
               <a:rPr lang="zh-CN" altLang="zh-CN"/>
               <a:pPr/>
-              <a:t>2017/8/15</a:t>
+              <a:t>2020/6/14</a:t>
             </a:fld>
             <a:endParaRPr lang="zh-CN" altLang="zh-CN"/>
           </a:p>
@@ -23376,15 +23595,15 @@
               <a:buNone/>
             </a:pPr>
             <a:r>
-              <a:rPr lang="zh-CN" altLang="en-US" sz="1000"/>
+              <a:rPr lang="zh-CN" altLang="en-US" sz="1000" dirty="0"/>
               <a:t>      </a:t>
             </a:r>
             <a:r>
-              <a:rPr lang="zh-CN" altLang="en-US" sz="1600"/>
+              <a:rPr lang="zh-CN" altLang="en-US" sz="1600" dirty="0"/>
               <a:t>   </a:t>
             </a:r>
             <a:r>
-              <a:rPr lang="zh-CN" altLang="en-US" sz="1800"/>
+              <a:rPr lang="zh-CN" altLang="en-US" sz="1800" dirty="0"/>
               <a:t>3. 设置字段属性</a:t>
             </a:r>
           </a:p>
@@ -23394,8 +23613,32 @@
               <a:buNone/>
             </a:pPr>
             <a:r>
-              <a:rPr lang="zh-CN" altLang="en-US" sz="1800"/>
-              <a:t>             在Access 2010 中，使用设计视图创建表是最常用的方法之一。在设计视图中，可以设置字段属性。在Access 数据表中，每一个字段的可用属性取决于为该字段选择的数据类型。可以在表设计器的“字段属性”选项区域中进行设置。</a:t>
+              <a:rPr lang="zh-CN" altLang="en-US" sz="1800" dirty="0"/>
+              <a:t>             在Access 2010 中，使用</a:t>
+            </a:r>
+            <a:r>
+              <a:rPr lang="zh-CN" altLang="en-US" sz="1800" dirty="0">
+                <a:solidFill>
+                  <a:srgbClr val="FF0000"/>
+                </a:solidFill>
+              </a:rPr>
+              <a:t>设计视图创建表</a:t>
+            </a:r>
+            <a:r>
+              <a:rPr lang="zh-CN" altLang="en-US" sz="1800" dirty="0"/>
+              <a:t>是最常用的方法之一。在设计视图中，可以设置字段属性。在Access 数据表中，每一个字段的可用属性取决于为该字段选择的数据类型。可以在</a:t>
+            </a:r>
+            <a:r>
+              <a:rPr lang="zh-CN" altLang="en-US" sz="1800" dirty="0">
+                <a:solidFill>
+                  <a:srgbClr val="FF0000"/>
+                </a:solidFill>
+              </a:rPr>
+              <a:t>表设计器</a:t>
+            </a:r>
+            <a:r>
+              <a:rPr lang="zh-CN" altLang="en-US" sz="1800" dirty="0"/>
+              <a:t>的“字段属性”选项区域中进行设置。</a:t>
             </a:r>
           </a:p>
           <a:p>
@@ -23404,7 +23647,7 @@
               <a:buNone/>
             </a:pPr>
             <a:r>
-              <a:rPr lang="zh-CN" altLang="en-US" sz="1800"/>
+              <a:rPr lang="zh-CN" altLang="en-US" sz="1800" dirty="0"/>
               <a:t>         1） 字段数据类型</a:t>
             </a:r>
           </a:p>
@@ -23414,8 +23657,20 @@
               <a:buNone/>
             </a:pPr>
             <a:r>
-              <a:rPr lang="zh-CN" altLang="en-US" sz="1800"/>
-              <a:t>             Access 2010 定义了12 种数据类型，在表设计窗口的“数据类型”下拉列表中显示了12 种数据类型供用户选择，如图6-6 所示。</a:t>
+              <a:rPr lang="zh-CN" altLang="en-US" sz="1800" dirty="0"/>
+              <a:t>             Access 2010 定义了12 种数据类型，在表设计窗口的“数据类型”下拉列表中显示了</a:t>
+            </a:r>
+            <a:r>
+              <a:rPr lang="zh-CN" altLang="en-US" sz="1800" dirty="0">
+                <a:highlight>
+                  <a:srgbClr val="FF3300"/>
+                </a:highlight>
+              </a:rPr>
+              <a:t>12 </a:t>
+            </a:r>
+            <a:r>
+              <a:rPr lang="zh-CN" altLang="en-US" sz="1800" dirty="0"/>
+              <a:t>种数据类型供用户选择，如图6-6 所示。</a:t>
             </a:r>
           </a:p>
         </p:txBody>
@@ -23478,15 +23733,7 @@
           <a:p>
             <a:r>
               <a:rPr lang="zh-CN" altLang="en-US" sz="1600" dirty="0"/>
-              <a:t>图6-</a:t>
-            </a:r>
-            <a:r>
-              <a:rPr lang="zh-CN" altLang="en-US" sz="1600" dirty="0" smtClean="0"/>
-              <a:t>6  </a:t>
-            </a:r>
-            <a:r>
-              <a:rPr lang="zh-CN" altLang="en-US" sz="1600" dirty="0"/>
-              <a:t>数据类型</a:t>
+              <a:t>图6-6  数据类型</a:t>
             </a:r>
             <a:endParaRPr lang="zh-CN" altLang="en-US" sz="2400" dirty="0"/>
           </a:p>
@@ -23568,7 +23815,7 @@
             <a:fld id="{7BE9B383-09D3-4AF7-B09B-253063EFA11F}" type="datetime1">
               <a:rPr lang="zh-CN" altLang="zh-CN"/>
               <a:pPr/>
-              <a:t>2017/8/15</a:t>
+              <a:t>2020/6/14</a:t>
             </a:fld>
             <a:endParaRPr lang="zh-CN" altLang="zh-CN"/>
           </a:p>
@@ -23753,15 +24000,7 @@
           <a:p>
             <a:r>
               <a:rPr lang="zh-CN" altLang="en-US" sz="1600" dirty="0"/>
-              <a:t>图6-</a:t>
-            </a:r>
-            <a:r>
-              <a:rPr lang="zh-CN" altLang="en-US" sz="1600" dirty="0" smtClean="0"/>
-              <a:t>7  </a:t>
-            </a:r>
-            <a:r>
-              <a:rPr lang="zh-CN" altLang="en-US" sz="1600" dirty="0"/>
-              <a:t>数据格式选择</a:t>
+              <a:t>图6-7  数据格式选择</a:t>
             </a:r>
             <a:endParaRPr lang="zh-CN" altLang="en-US" sz="2400" dirty="0"/>
           </a:p>
@@ -23843,7 +24082,7 @@
             <a:fld id="{7BE9B383-09D3-4AF7-B09B-253063EFA11F}" type="datetime1">
               <a:rPr lang="zh-CN" altLang="zh-CN"/>
               <a:pPr/>
-              <a:t>2017/8/15</a:t>
+              <a:t>2020/6/14</a:t>
             </a:fld>
             <a:endParaRPr lang="zh-CN" altLang="zh-CN"/>
           </a:p>
@@ -24110,7 +24349,7 @@
             <a:fld id="{7BE9B383-09D3-4AF7-B09B-253063EFA11F}" type="datetime1">
               <a:rPr lang="zh-CN" altLang="zh-CN"/>
               <a:pPr/>
-              <a:t>2017/8/15</a:t>
+              <a:t>2020/6/14</a:t>
             </a:fld>
             <a:endParaRPr lang="zh-CN" altLang="zh-CN"/>
           </a:p>
@@ -24308,7 +24547,7 @@
             <a:fld id="{7BE9B383-09D3-4AF7-B09B-253063EFA11F}" type="datetime1">
               <a:rPr lang="zh-CN" altLang="zh-CN"/>
               <a:pPr/>
-              <a:t>2017/8/15</a:t>
+              <a:t>2020/6/14</a:t>
             </a:fld>
             <a:endParaRPr lang="zh-CN" altLang="zh-CN"/>
           </a:p>
@@ -24411,11 +24650,11 @@
               <a:buNone/>
             </a:pPr>
             <a:r>
-              <a:rPr lang="zh-CN" altLang="en-US" sz="600"/>
+              <a:rPr lang="zh-CN" altLang="en-US" sz="600" dirty="0"/>
               <a:t>      </a:t>
             </a:r>
             <a:r>
-              <a:rPr lang="zh-CN" altLang="en-US" sz="1800"/>
+              <a:rPr lang="zh-CN" altLang="en-US" sz="1800" dirty="0"/>
               <a:t>    4） 输入掩码</a:t>
             </a:r>
           </a:p>
@@ -24425,8 +24664,20 @@
               <a:buNone/>
             </a:pPr>
             <a:r>
-              <a:rPr lang="zh-CN" altLang="en-US" sz="1800"/>
-              <a:t>             “输入掩码”属性用于设置字段、文本框以及组合框中的数据格式，并可对允许输入的数值类型进行控制。要设置字段的“输入掩码”属性，可以使用Access 自带的输入掩码向导来完成。</a:t>
+              <a:rPr lang="zh-CN" altLang="en-US" sz="1800" dirty="0"/>
+              <a:t>             </a:t>
+            </a:r>
+            <a:r>
+              <a:rPr lang="zh-CN" altLang="en-US" sz="1800" dirty="0">
+                <a:solidFill>
+                  <a:srgbClr val="FF0000"/>
+                </a:solidFill>
+              </a:rPr>
+              <a:t>“输入掩码”属性用于设置字段、文本框以及组合框中的数据格式，</a:t>
+            </a:r>
+            <a:r>
+              <a:rPr lang="zh-CN" altLang="en-US" sz="1800" dirty="0"/>
+              <a:t>并可对允许输入的数值类型进行控制。要设置字段的“输入掩码”属性，可以使用Access 自带的输入掩码向导来完成。</a:t>
             </a:r>
           </a:p>
           <a:p>
@@ -24435,8 +24686,16 @@
               <a:buNone/>
             </a:pPr>
             <a:r>
-              <a:rPr lang="zh-CN" altLang="en-US" sz="1800"/>
-              <a:t>      5） 设置有效性规则和有效性文本</a:t>
+              <a:rPr lang="zh-CN" altLang="en-US" sz="1800" dirty="0"/>
+              <a:t>      5</a:t>
+            </a:r>
+            <a:r>
+              <a:rPr lang="zh-CN" altLang="en-US" sz="1800" dirty="0">
+                <a:solidFill>
+                  <a:srgbClr val="FF0000"/>
+                </a:solidFill>
+              </a:rPr>
+              <a:t>） 设置有效性规则和有效性文本</a:t>
             </a:r>
           </a:p>
           <a:p>
@@ -24445,7 +24704,7 @@
               <a:buNone/>
             </a:pPr>
             <a:r>
-              <a:rPr lang="zh-CN" altLang="en-US" sz="1800"/>
+              <a:rPr lang="zh-CN" altLang="en-US" sz="1800" dirty="0"/>
               <a:t>              当输入数据时，有时会出现数据输入错误，如将工资多输入一个0，或输入一个不合理的日期，输入性别时输入了“男”、“女”之外的汉字等。事实上，这些错误可以利用“有效性规则”和“有效性文本”两个属性来避免，如图6-9 所示。</a:t>
             </a:r>
           </a:p>
@@ -24495,7 +24754,7 @@
             <a:fld id="{7BE9B383-09D3-4AF7-B09B-253063EFA11F}" type="datetime1">
               <a:rPr lang="zh-CN" altLang="zh-CN"/>
               <a:pPr/>
-              <a:t>2017/8/15</a:t>
+              <a:t>2020/6/14</a:t>
             </a:fld>
             <a:endParaRPr lang="zh-CN" altLang="zh-CN"/>
           </a:p>
@@ -24667,15 +24926,7 @@
           <a:p>
             <a:r>
               <a:rPr lang="zh-CN" altLang="en-US" sz="1600" dirty="0"/>
-              <a:t>图6-9 </a:t>
-            </a:r>
-            <a:r>
-              <a:rPr lang="zh-CN" altLang="en-US" sz="1600" dirty="0" smtClean="0"/>
-              <a:t> 有效性</a:t>
-            </a:r>
-            <a:r>
-              <a:rPr lang="zh-CN" altLang="en-US" sz="1600" dirty="0"/>
-              <a:t>设置</a:t>
+              <a:t>图6-9  有效性设置</a:t>
             </a:r>
             <a:endParaRPr lang="zh-CN" altLang="en-US" sz="2400" dirty="0"/>
           </a:p>
@@ -24789,7 +25040,7 @@
             <a:fld id="{7BE9B383-09D3-4AF7-B09B-253063EFA11F}" type="datetime1">
               <a:rPr lang="zh-CN" altLang="zh-CN"/>
               <a:pPr/>
-              <a:t>2017/8/15</a:t>
+              <a:t>2020/6/14</a:t>
             </a:fld>
             <a:endParaRPr lang="zh-CN" altLang="zh-CN"/>
           </a:p>
@@ -25035,15 +25286,7 @@
           <a:p>
             <a:r>
               <a:rPr lang="zh-CN" altLang="en-US" sz="1600" dirty="0"/>
-              <a:t>图6-10 </a:t>
-            </a:r>
-            <a:r>
-              <a:rPr lang="zh-CN" altLang="en-US" sz="1600" dirty="0" smtClean="0"/>
-              <a:t> 设置</a:t>
-            </a:r>
-            <a:r>
-              <a:rPr lang="zh-CN" altLang="en-US" sz="1600" dirty="0"/>
-              <a:t>主键</a:t>
+              <a:t>图6-10  设置主键</a:t>
             </a:r>
             <a:endParaRPr lang="zh-CN" altLang="en-US" sz="2400" dirty="0"/>
           </a:p>
@@ -25093,7 +25336,7 @@
             <a:fld id="{7BE9B383-09D3-4AF7-B09B-253063EFA11F}" type="datetime1">
               <a:rPr lang="zh-CN" altLang="zh-CN"/>
               <a:pPr/>
-              <a:t>2017/8/15</a:t>
+              <a:t>2020/6/14</a:t>
             </a:fld>
             <a:endParaRPr lang="zh-CN" altLang="zh-CN"/>
           </a:p>
@@ -25284,7 +25527,7 @@
             <a:fld id="{7BE9B383-09D3-4AF7-B09B-253063EFA11F}" type="datetime1">
               <a:rPr lang="zh-CN" altLang="zh-CN"/>
               <a:pPr/>
-              <a:t>2017/8/15</a:t>
+              <a:t>2020/6/14</a:t>
             </a:fld>
             <a:endParaRPr lang="zh-CN" altLang="zh-CN"/>
           </a:p>
@@ -25387,15 +25630,15 @@
               <a:buNone/>
             </a:pPr>
             <a:r>
-              <a:rPr lang="zh-CN" altLang="en-US" sz="700"/>
+              <a:rPr lang="zh-CN" altLang="en-US" sz="700" dirty="0"/>
               <a:t>      </a:t>
             </a:r>
             <a:r>
-              <a:rPr lang="zh-CN" altLang="en-US" sz="1000"/>
+              <a:rPr lang="zh-CN" altLang="en-US" sz="1000" dirty="0"/>
               <a:t>               </a:t>
             </a:r>
             <a:r>
-              <a:rPr lang="zh-CN" altLang="en-US" sz="1800"/>
+              <a:rPr lang="zh-CN" altLang="en-US" sz="1800" dirty="0"/>
               <a:t> 4. 建立和编辑表关系 </a:t>
             </a:r>
           </a:p>
@@ -25405,7 +25648,7 @@
               <a:buNone/>
             </a:pPr>
             <a:r>
-              <a:rPr lang="zh-CN" altLang="en-US" sz="1800"/>
+              <a:rPr lang="zh-CN" altLang="en-US" sz="1800" dirty="0"/>
               <a:t>              在Access 数据库中添加了多个表后，有时还需要将这些表中的信息合并在一起。为了实现这个目的，首先需要定义表间的关系，然后创建查询、窗体及报表来从多个表中显示信息。</a:t>
             </a:r>
           </a:p>
@@ -25415,7 +25658,7 @@
               <a:buNone/>
             </a:pPr>
             <a:r>
-              <a:rPr lang="zh-CN" altLang="en-US" sz="1800"/>
+              <a:rPr lang="zh-CN" altLang="en-US" sz="1800" dirty="0"/>
               <a:t>             1） 建立表关系</a:t>
             </a:r>
           </a:p>
@@ -25425,7 +25668,7 @@
               <a:buNone/>
             </a:pPr>
             <a:r>
-              <a:rPr lang="zh-CN" altLang="en-US" sz="1800"/>
+              <a:rPr lang="zh-CN" altLang="en-US" sz="1800" dirty="0"/>
               <a:t>              在建立表间的关系之前，应该关闭所有要建立关系的表，因为不能在已打开的表之间创建关系或者对关系进行修改。建立表间关系的操作步骤为：</a:t>
             </a:r>
           </a:p>
@@ -25435,8 +25678,20 @@
               <a:buNone/>
             </a:pPr>
             <a:r>
-              <a:rPr lang="zh-CN" altLang="en-US" sz="1800"/>
-              <a:t>              打开要进行操作的数据库，单击“数据库工具”选项卡的“关系”组中的“关系”，打开“显示表”对话框，如图6-11 所示。在“显示表”对话框中逐个选择要建立关系的表，然后单击“添加”按钮将所选择的表一一添加到“关系”窗口中，如图6-12 所示。关闭“显示表”对话框，在“关系”窗口中按住鼠标左键不放，从某个表中将所要的相关字段（如chengji 表中的“学号”字段）拖到另一个表中的相关字段（如xixin 表中的“学号”字段）上，显示“编辑关系”对话框（图6-13）。在“编辑关系”对话框中单击“创建”按钮，关系即被建立，如图6-14 所示。</a:t>
+              <a:rPr lang="zh-CN" altLang="en-US" sz="1800" dirty="0"/>
+              <a:t>              打开要进行操作的数据库，单击“</a:t>
+            </a:r>
+            <a:r>
+              <a:rPr lang="zh-CN" altLang="en-US" sz="1800" dirty="0">
+                <a:solidFill>
+                  <a:srgbClr val="FF0000"/>
+                </a:solidFill>
+              </a:rPr>
+              <a:t>数据库工具</a:t>
+            </a:r>
+            <a:r>
+              <a:rPr lang="zh-CN" altLang="en-US" sz="1800" dirty="0"/>
+              <a:t>”选项卡的“关系”组中的“关系”，打开“显示表”对话框，如图6-11 所示。在“显示表”对话框中逐个选择要建立关系的表，然后单击“添加”按钮将所选择的表一一添加到“关系”窗口中，如图6-12 所示。关闭“显示表”对话框，在“关系”窗口中按住鼠标左键不放，从某个表中将所要的相关字段（如chengji 表中的“学号”字段）拖到另一个表中的相关字段（如xixin 表中的“学号”字段）上，显示“编辑关系”对话框（图6-13）。在“编辑关系”对话框中单击“创建”按钮，关系即被建立，如图6-14 所示。</a:t>
             </a:r>
           </a:p>
         </p:txBody>
@@ -25485,7 +25740,7 @@
             <a:fld id="{7BE9B383-09D3-4AF7-B09B-253063EFA11F}" type="datetime1">
               <a:rPr lang="zh-CN" altLang="zh-CN"/>
               <a:pPr/>
-              <a:t>2017/8/15</a:t>
+              <a:t>2020/6/14</a:t>
             </a:fld>
             <a:endParaRPr lang="zh-CN" altLang="zh-CN"/>
           </a:p>
@@ -25913,15 +26168,7 @@
           <a:p>
             <a:r>
               <a:rPr lang="zh-CN" altLang="en-US" sz="1600" dirty="0"/>
-              <a:t>图6-14 </a:t>
-            </a:r>
-            <a:r>
-              <a:rPr lang="zh-CN" altLang="en-US" sz="1600" dirty="0" smtClean="0"/>
-              <a:t> 已</a:t>
-            </a:r>
-            <a:r>
-              <a:rPr lang="zh-CN" altLang="en-US" sz="1600" dirty="0"/>
-              <a:t>建立的关系</a:t>
+              <a:t>图6-14  已建立的关系</a:t>
             </a:r>
             <a:endParaRPr lang="zh-CN" altLang="en-US" sz="2400" dirty="0"/>
           </a:p>
@@ -26163,7 +26410,7 @@
             <a:fld id="{7BE9B383-09D3-4AF7-B09B-253063EFA11F}" type="datetime1">
               <a:rPr lang="zh-CN" altLang="zh-CN"/>
               <a:pPr/>
-              <a:t>2017/8/15</a:t>
+              <a:t>2020/6/14</a:t>
             </a:fld>
             <a:endParaRPr lang="zh-CN" altLang="zh-CN"/>
           </a:p>
@@ -26412,15 +26659,7 @@
           <a:p>
             <a:r>
               <a:rPr lang="zh-CN" altLang="en-US" sz="1600" dirty="0"/>
-              <a:t>图6-</a:t>
-            </a:r>
-            <a:r>
-              <a:rPr lang="zh-CN" altLang="en-US" sz="1600" dirty="0" smtClean="0"/>
-              <a:t>15  </a:t>
-            </a:r>
-            <a:r>
-              <a:rPr lang="zh-CN" altLang="en-US" sz="1600" dirty="0"/>
-              <a:t>编辑或删除关系</a:t>
+              <a:t>图6-15  编辑或删除关系</a:t>
             </a:r>
             <a:endParaRPr lang="zh-CN" altLang="en-US" sz="2400" dirty="0"/>
           </a:p>
@@ -26470,7 +26709,7 @@
             <a:fld id="{7BE9B383-09D3-4AF7-B09B-253063EFA11F}" type="datetime1">
               <a:rPr lang="zh-CN" altLang="zh-CN"/>
               <a:pPr/>
-              <a:t>2017/8/15</a:t>
+              <a:t>2020/6/14</a:t>
             </a:fld>
             <a:endParaRPr lang="zh-CN" altLang="zh-CN"/>
           </a:p>
@@ -26581,11 +26820,11 @@
               <a:buNone/>
             </a:pPr>
             <a:r>
-              <a:rPr lang="zh-CN" altLang="en-US" sz="1200"/>
+              <a:rPr lang="zh-CN" altLang="en-US" sz="1200" dirty="0"/>
               <a:t>                    </a:t>
             </a:r>
             <a:r>
-              <a:rPr lang="zh-CN" altLang="en-US" sz="1800"/>
+              <a:rPr lang="zh-CN" altLang="en-US" sz="1800" dirty="0"/>
               <a:t>查询是数据库最重要和最常见的应用，它作为Access 数据库中的一个重要对象，可以让用户根据指定条件对数据库进行检索，筛选出符合条件的记录，构成一个新的数据集合，从而方便用户对数据库进行查看和分析。</a:t>
             </a:r>
           </a:p>
@@ -26598,7 +26837,7 @@
               <a:buNone/>
             </a:pPr>
             <a:r>
-              <a:rPr lang="zh-CN" altLang="en-US" sz="1800"/>
+              <a:rPr lang="zh-CN" altLang="en-US" sz="1800" dirty="0"/>
               <a:t>             在Access 数据库中，查询对象有五种视图。</a:t>
             </a:r>
           </a:p>
@@ -26611,7 +26850,7 @@
               <a:buNone/>
             </a:pPr>
             <a:r>
-              <a:rPr lang="zh-CN" altLang="en-US" sz="1800"/>
+              <a:rPr lang="zh-CN" altLang="en-US" sz="1800" dirty="0"/>
               <a:t>           （1） 设计视图：用于创建新的查询对象，或者修改已有的查询对象。</a:t>
             </a:r>
           </a:p>
@@ -26624,7 +26863,7 @@
               <a:buNone/>
             </a:pPr>
             <a:r>
-              <a:rPr lang="zh-CN" altLang="en-US" sz="1800"/>
+              <a:rPr lang="zh-CN" altLang="en-US" sz="1800" dirty="0"/>
               <a:t>           （2） 数据表视图：可以以二维表的形式显示查询结果。</a:t>
             </a:r>
           </a:p>
@@ -26637,7 +26876,7 @@
               <a:buNone/>
             </a:pPr>
             <a:r>
-              <a:rPr lang="zh-CN" altLang="en-US" sz="1800"/>
+              <a:rPr lang="zh-CN" altLang="en-US" sz="1800" dirty="0"/>
               <a:t>           （3） SQL 视图：用于查看查询对象所对应的SELECT 命令，该命令属于SQL 语句。</a:t>
             </a:r>
           </a:p>
@@ -26650,7 +26889,7 @@
               <a:buNone/>
             </a:pPr>
             <a:r>
-              <a:rPr lang="zh-CN" altLang="en-US" sz="1800"/>
+              <a:rPr lang="zh-CN" altLang="en-US" sz="1800" dirty="0"/>
               <a:t>           （4） 数据透视表视图：以表格形式对查询结果进行进一步的多维分析。</a:t>
             </a:r>
           </a:p>
@@ -26663,7 +26902,7 @@
               <a:buNone/>
             </a:pPr>
             <a:r>
-              <a:rPr lang="zh-CN" altLang="en-US" sz="1800"/>
+              <a:rPr lang="zh-CN" altLang="en-US" sz="1800" dirty="0"/>
               <a:t>           （5） 数据透视图视图：以图形方式显示、对比查询结果。</a:t>
             </a:r>
           </a:p>
@@ -26676,8 +26915,20 @@
               <a:buNone/>
             </a:pPr>
             <a:r>
-              <a:rPr lang="zh-CN" altLang="en-US" sz="1800"/>
-              <a:t>              在Access 数据库中，根据对数据来源的操作方式以及对查询结果组织形式的不同，可以将查询分为选择查询、交叉表查询、操作查询、参数查询和SQL 查询五大类。本小节将介绍选择查询、操作查询和SQL 查询。</a:t>
+              <a:rPr lang="zh-CN" altLang="en-US" sz="1800" dirty="0"/>
+              <a:t>              在Access 数据库中，根据对数据来源的操作方式以及对查询结果组织形式的不同，可以将查询分为</a:t>
+            </a:r>
+            <a:r>
+              <a:rPr lang="zh-CN" altLang="en-US" sz="1800" dirty="0">
+                <a:solidFill>
+                  <a:srgbClr val="FF0000"/>
+                </a:solidFill>
+              </a:rPr>
+              <a:t>选择查询、交叉表查询、操作查询、参数查询和SQL 查询</a:t>
+            </a:r>
+            <a:r>
+              <a:rPr lang="zh-CN" altLang="en-US" sz="1800" dirty="0"/>
+              <a:t>五大类。本小节将介绍选择查询、操作查询和SQL 查询。</a:t>
             </a:r>
           </a:p>
         </p:txBody>
@@ -26726,7 +26977,7 @@
             <a:fld id="{7BE9B383-09D3-4AF7-B09B-253063EFA11F}" type="datetime1">
               <a:rPr lang="zh-CN" altLang="zh-CN"/>
               <a:pPr/>
-              <a:t>2017/8/15</a:t>
+              <a:t>2020/6/14</a:t>
             </a:fld>
             <a:endParaRPr lang="zh-CN" altLang="zh-CN"/>
           </a:p>
@@ -26834,11 +27085,11 @@
               <a:buNone/>
             </a:pPr>
             <a:r>
-              <a:rPr lang="zh-CN" altLang="en-US" sz="1200"/>
+              <a:rPr lang="zh-CN" altLang="en-US" sz="1200" dirty="0"/>
               <a:t>                    </a:t>
             </a:r>
             <a:r>
-              <a:rPr lang="zh-CN" altLang="en-US" sz="1800"/>
+              <a:rPr lang="zh-CN" altLang="en-US" sz="1800" dirty="0"/>
               <a:t>1. 选择查询</a:t>
             </a:r>
           </a:p>
@@ -26848,7 +27099,7 @@
               <a:buNone/>
             </a:pPr>
             <a:r>
-              <a:rPr lang="zh-CN" altLang="en-US" sz="1800"/>
+              <a:rPr lang="zh-CN" altLang="en-US" sz="1800" dirty="0"/>
               <a:t>              选择查询是最常用的查询类型，它从一个或多个相关联的表中检索数据，并且用数据表视图显示结果。在Access 2010 中，可以将选择查询分为单表查询与连接查询。</a:t>
             </a:r>
           </a:p>
@@ -26858,7 +27109,7 @@
               <a:buNone/>
             </a:pPr>
             <a:r>
-              <a:rPr lang="zh-CN" altLang="en-US" sz="1800"/>
+              <a:rPr lang="zh-CN" altLang="en-US" sz="1800" dirty="0"/>
               <a:t>            1） 创建单表查询</a:t>
             </a:r>
           </a:p>
@@ -26868,7 +27119,7 @@
               <a:buNone/>
             </a:pPr>
             <a:r>
-              <a:rPr lang="zh-CN" altLang="en-US" sz="1800"/>
+              <a:rPr lang="zh-CN" altLang="en-US" sz="1800" dirty="0"/>
               <a:t>              所谓单表查询，就是在一个数据表中完成查询操作，不需要引用其他表中的数据。在数据库窗口中打开“查询”选项卡，在该选项卡中可以实现单表查询操作。</a:t>
             </a:r>
           </a:p>
@@ -26878,7 +27129,7 @@
               <a:buNone/>
             </a:pPr>
             <a:r>
-              <a:rPr lang="zh-CN" altLang="en-US" sz="1800"/>
+              <a:rPr lang="zh-CN" altLang="en-US" sz="1800" dirty="0"/>
               <a:t>              创建单表查询的一般步骤为：在“创建”选项卡的“查询”组中单击“查询设计”打开查询视图→在“显示表”对话框中选择要进行查询的数据表→在出现的查询窗口中设置查询（如图6-16 所示）→保存查询。</a:t>
             </a:r>
           </a:p>
@@ -26928,7 +27179,7 @@
             <a:fld id="{7BE9B383-09D3-4AF7-B09B-253063EFA11F}" type="datetime1">
               <a:rPr lang="zh-CN" altLang="zh-CN"/>
               <a:pPr/>
-              <a:t>2017/8/15</a:t>
+              <a:t>2020/6/14</a:t>
             </a:fld>
             <a:endParaRPr lang="zh-CN" altLang="zh-CN"/>
           </a:p>
@@ -27133,15 +27384,7 @@
           <a:p>
             <a:r>
               <a:rPr lang="zh-CN" altLang="en-US" sz="1600" dirty="0"/>
-              <a:t>图6-</a:t>
-            </a:r>
-            <a:r>
-              <a:rPr lang="zh-CN" altLang="en-US" sz="1600" dirty="0" smtClean="0"/>
-              <a:t>16  </a:t>
-            </a:r>
-            <a:r>
-              <a:rPr lang="zh-CN" altLang="en-US" sz="1600" dirty="0"/>
-              <a:t>创建单表查询设置</a:t>
+              <a:t>图6-16  创建单表查询设置</a:t>
             </a:r>
             <a:endParaRPr lang="zh-CN" altLang="en-US" sz="2400" dirty="0"/>
           </a:p>
@@ -27191,7 +27434,7 @@
             <a:fld id="{7BE9B383-09D3-4AF7-B09B-253063EFA11F}" type="datetime1">
               <a:rPr lang="zh-CN" altLang="zh-CN"/>
               <a:pPr/>
-              <a:t>2017/8/15</a:t>
+              <a:t>2020/6/14</a:t>
             </a:fld>
             <a:endParaRPr lang="zh-CN" altLang="zh-CN"/>
           </a:p>
@@ -27363,7 +27606,7 @@
             <a:fld id="{7BE9B383-09D3-4AF7-B09B-253063EFA11F}" type="datetime1">
               <a:rPr lang="zh-CN" altLang="zh-CN"/>
               <a:pPr/>
-              <a:t>2017/8/15</a:t>
+              <a:t>2020/6/14</a:t>
             </a:fld>
             <a:endParaRPr lang="zh-CN" altLang="zh-CN"/>
           </a:p>
@@ -27535,7 +27778,7 @@
             <a:fld id="{7BE9B383-09D3-4AF7-B09B-253063EFA11F}" type="datetime1">
               <a:rPr lang="zh-CN" altLang="zh-CN"/>
               <a:pPr/>
-              <a:t>2017/8/15</a:t>
+              <a:t>2020/6/14</a:t>
             </a:fld>
             <a:endParaRPr lang="zh-CN" altLang="zh-CN"/>
           </a:p>
@@ -27646,11 +27889,11 @@
               <a:buNone/>
             </a:pPr>
             <a:r>
-              <a:rPr lang="zh-CN" altLang="en-US" sz="1200"/>
+              <a:rPr lang="zh-CN" altLang="en-US" sz="1200" dirty="0"/>
               <a:t>                   </a:t>
             </a:r>
             <a:r>
-              <a:rPr lang="zh-CN" altLang="en-US" sz="1800"/>
+              <a:rPr lang="zh-CN" altLang="en-US" sz="1800" dirty="0"/>
               <a:t> 2. 操作查询</a:t>
             </a:r>
           </a:p>
@@ -27663,8 +27906,16 @@
               <a:buNone/>
             </a:pPr>
             <a:r>
-              <a:rPr lang="zh-CN" altLang="en-US" sz="1800"/>
-              <a:t>             操作查询是Access 2010 查询的重要组成部分，使用操作查询可以对数据库中的数据进行简单的检索、显示和统计，而且可以根据需要对数据库进行修改。</a:t>
+              <a:rPr lang="zh-CN" altLang="en-US" sz="1800" dirty="0"/>
+              <a:t>             操作查询是Access 2010 查询的重要组成部分，使用操作查询可以对</a:t>
+            </a:r>
+            <a:r>
+              <a:rPr lang="zh-CN" altLang="en-US" sz="1800" dirty="0">
+                <a:solidFill>
+                  <a:srgbClr val="FF0000"/>
+                </a:solidFill>
+              </a:rPr>
+              <a:t>数据库中的数据进行简单的检索、显示和统计，而且可以根据需要对数据库进行修改。</a:t>
             </a:r>
           </a:p>
           <a:p>
@@ -27676,7 +27927,7 @@
               <a:buNone/>
             </a:pPr>
             <a:r>
-              <a:rPr lang="zh-CN" altLang="en-US" sz="1800"/>
+              <a:rPr lang="zh-CN" altLang="en-US" sz="1800" dirty="0"/>
               <a:t>             操作查询用于对数据库进行复杂的数据管理操作，它能够通过一次操作完成多个记录的修改。操作查询包括更新查询、生成表查询、追加查询、删除查询几种类型。</a:t>
             </a:r>
           </a:p>
@@ -27689,7 +27940,7 @@
               <a:buNone/>
             </a:pPr>
             <a:r>
-              <a:rPr lang="zh-CN" altLang="en-US" sz="1800"/>
+              <a:rPr lang="zh-CN" altLang="en-US" sz="1800" dirty="0"/>
               <a:t>               1） 更新查询</a:t>
             </a:r>
           </a:p>
@@ -27702,7 +27953,7 @@
               <a:buNone/>
             </a:pPr>
             <a:r>
-              <a:rPr lang="zh-CN" altLang="en-US" sz="1800"/>
+              <a:rPr lang="zh-CN" altLang="en-US" sz="1800" dirty="0"/>
               <a:t>             更新查询就是对一个或多个数据表中的一组记录进行全局的更改。这样，用户就可以通过添加某些特定的条件来批量更新数据库中的记录。</a:t>
             </a:r>
           </a:p>
@@ -27715,7 +27966,7 @@
               <a:buNone/>
             </a:pPr>
             <a:r>
-              <a:rPr lang="zh-CN" altLang="en-US" sz="1800"/>
+              <a:rPr lang="zh-CN" altLang="en-US" sz="1800" dirty="0"/>
               <a:t>              操作更新查询的一般步骤为：</a:t>
             </a:r>
           </a:p>
@@ -27728,7 +27979,7 @@
               <a:buNone/>
             </a:pPr>
             <a:r>
-              <a:rPr lang="zh-CN" altLang="en-US" sz="1800"/>
+              <a:rPr lang="zh-CN" altLang="en-US" sz="1800" dirty="0"/>
               <a:t>              单击“创建”选项卡的“查询”组中的“查询设计”打开查询视图→在“显示表”对话框中添加表→单击“查询类型”组中的“更新”按钮→设置更新方式（如图6-17 所示），单击“查询工具/设计”选项卡的“结果”组中的“运行”按钮运行查询。</a:t>
             </a:r>
           </a:p>
@@ -27778,7 +28029,7 @@
             <a:fld id="{7BE9B383-09D3-4AF7-B09B-253063EFA11F}" type="datetime1">
               <a:rPr lang="zh-CN" altLang="zh-CN"/>
               <a:pPr/>
-              <a:t>2017/8/15</a:t>
+              <a:t>2020/6/14</a:t>
             </a:fld>
             <a:endParaRPr lang="zh-CN" altLang="zh-CN"/>
           </a:p>
@@ -27985,15 +28236,7 @@
           <a:p>
             <a:r>
               <a:rPr lang="zh-CN" altLang="en-US" sz="1600" dirty="0"/>
-              <a:t>图6-</a:t>
-            </a:r>
-            <a:r>
-              <a:rPr lang="zh-CN" altLang="en-US" sz="1600" dirty="0" smtClean="0"/>
-              <a:t>17  </a:t>
-            </a:r>
-            <a:r>
-              <a:rPr lang="zh-CN" altLang="en-US" sz="1600" dirty="0"/>
-              <a:t>更新查询示例视图</a:t>
+              <a:t>图6-17  更新查询示例视图</a:t>
             </a:r>
             <a:endParaRPr lang="zh-CN" altLang="en-US" sz="2400" dirty="0"/>
           </a:p>
@@ -28108,7 +28351,7 @@
             <a:fld id="{7BE9B383-09D3-4AF7-B09B-253063EFA11F}" type="datetime1">
               <a:rPr lang="zh-CN" altLang="zh-CN"/>
               <a:pPr/>
-              <a:t>2017/8/15</a:t>
+              <a:t>2020/6/14</a:t>
             </a:fld>
             <a:endParaRPr lang="zh-CN" altLang="zh-CN"/>
           </a:p>
@@ -28216,11 +28459,11 @@
               <a:buNone/>
             </a:pPr>
             <a:r>
-              <a:rPr lang="zh-CN" altLang="en-US" sz="1200"/>
+              <a:rPr lang="zh-CN" altLang="en-US" sz="1200" dirty="0"/>
               <a:t>                   </a:t>
             </a:r>
             <a:r>
-              <a:rPr lang="zh-CN" altLang="en-US" sz="1800"/>
+              <a:rPr lang="zh-CN" altLang="en-US" sz="1800" dirty="0"/>
               <a:t> 2） 生成表查询</a:t>
             </a:r>
           </a:p>
@@ -28230,8 +28473,20 @@
               <a:buNone/>
             </a:pPr>
             <a:r>
-              <a:rPr lang="zh-CN" altLang="en-US" sz="1800"/>
-              <a:t>             生成表查询可以根据一个或多个表 / 查询中的数据来新建数据表。这种由表产生查询，再由查询来生成表的方法，使得数据的组织更灵活，使用更方便。</a:t>
+              <a:rPr lang="zh-CN" altLang="en-US" sz="1800" dirty="0"/>
+              <a:t>             生成表查询可以根据</a:t>
+            </a:r>
+            <a:r>
+              <a:rPr lang="zh-CN" altLang="en-US" sz="1800" dirty="0">
+                <a:solidFill>
+                  <a:srgbClr val="FF0000"/>
+                </a:solidFill>
+              </a:rPr>
+              <a:t>一个或多个表</a:t>
+            </a:r>
+            <a:r>
+              <a:rPr lang="zh-CN" altLang="en-US" sz="1800" dirty="0"/>
+              <a:t> / 查询中的数据来新建数据表。这种由表产生查询，再由查询来生成表的方法，使得数据的组织更灵活，使用更方便。</a:t>
             </a:r>
           </a:p>
           <a:p>
@@ -28240,7 +28495,7 @@
               <a:buNone/>
             </a:pPr>
             <a:r>
-              <a:rPr lang="zh-CN" altLang="en-US" sz="1800"/>
+              <a:rPr lang="zh-CN" altLang="en-US" sz="1800" dirty="0"/>
               <a:t>             创建生成表查询的一般步骤为：</a:t>
             </a:r>
           </a:p>
@@ -28250,7 +28505,7 @@
               <a:buNone/>
             </a:pPr>
             <a:r>
-              <a:rPr lang="zh-CN" altLang="en-US" sz="1800"/>
+              <a:rPr lang="zh-CN" altLang="en-US" sz="1800" dirty="0"/>
               <a:t>             在“创建”选项卡的“查询”组中单击“查询设计”打开查询视图→在“显示表”对话框中选择要进行查询的数据表→在“查询工具 / 设计”选项卡中选择“查询类型”组中的“生成表”→输入或选择新表名称（如图6-18 所示）→进行生成表查询设置（如图6-19 所示）→单击“结果”组中的“运行”按钮执行查询。</a:t>
             </a:r>
           </a:p>
@@ -28300,7 +28555,7 @@
             <a:fld id="{7BE9B383-09D3-4AF7-B09B-253063EFA11F}" type="datetime1">
               <a:rPr lang="zh-CN" altLang="zh-CN"/>
               <a:pPr/>
-              <a:t>2017/8/15</a:t>
+              <a:t>2020/6/14</a:t>
             </a:fld>
             <a:endParaRPr lang="zh-CN" altLang="zh-CN"/>
           </a:p>
@@ -28532,15 +28787,7 @@
           <a:p>
             <a:r>
               <a:rPr lang="zh-CN" altLang="en-US" sz="1600" dirty="0"/>
-              <a:t>图6-19 </a:t>
-            </a:r>
-            <a:r>
-              <a:rPr lang="zh-CN" altLang="en-US" sz="1600" dirty="0" smtClean="0"/>
-              <a:t> 生成</a:t>
-            </a:r>
-            <a:r>
-              <a:rPr lang="zh-CN" altLang="en-US" sz="1600" dirty="0"/>
-              <a:t>表查询示例视图</a:t>
+              <a:t>图6-19  生成表查询示例视图</a:t>
             </a:r>
             <a:endParaRPr lang="zh-CN" altLang="en-US" sz="2400" dirty="0"/>
           </a:p>
@@ -28604,15 +28851,7 @@
           <a:p>
             <a:r>
               <a:rPr lang="zh-CN" altLang="en-US" sz="1600" dirty="0"/>
-              <a:t>图6-</a:t>
-            </a:r>
-            <a:r>
-              <a:rPr lang="zh-CN" altLang="en-US" sz="1600" dirty="0" smtClean="0"/>
-              <a:t>18  </a:t>
-            </a:r>
-            <a:r>
-              <a:rPr lang="zh-CN" altLang="en-US" sz="1600" dirty="0"/>
-              <a:t>生成表设置</a:t>
+              <a:t>图6-18  生成表设置</a:t>
             </a:r>
             <a:endParaRPr lang="zh-CN" altLang="en-US" sz="2400" dirty="0"/>
           </a:p>
@@ -28662,7 +28901,7 @@
             <a:fld id="{7BE9B383-09D3-4AF7-B09B-253063EFA11F}" type="datetime1">
               <a:rPr lang="zh-CN" altLang="zh-CN"/>
               <a:pPr/>
-              <a:t>2017/8/15</a:t>
+              <a:t>2020/6/14</a:t>
             </a:fld>
             <a:endParaRPr lang="zh-CN" altLang="zh-CN"/>
           </a:p>
@@ -28773,11 +29012,11 @@
               <a:buNone/>
             </a:pPr>
             <a:r>
-              <a:rPr lang="zh-CN" altLang="en-US" sz="1000"/>
+              <a:rPr lang="zh-CN" altLang="en-US" sz="1000" dirty="0"/>
               <a:t>                   </a:t>
             </a:r>
             <a:r>
-              <a:rPr lang="zh-CN" altLang="en-US" sz="2000"/>
+              <a:rPr lang="zh-CN" altLang="en-US" sz="2000" dirty="0"/>
               <a:t> 3） 追加查询</a:t>
             </a:r>
           </a:p>
@@ -28790,8 +29029,20 @@
               <a:buNone/>
             </a:pPr>
             <a:r>
-              <a:rPr lang="zh-CN" altLang="en-US" sz="2000"/>
-              <a:t>             追加查询用于将一个或多个表中的一组记录添加到另一个表的结尾，但是，当两个表之间的字段定义不相同时，追加查询只添加相互匹配的字段内容，不匹配的字段将被忽略。追加查询以查询设计视图中添加的表为数据源，以在“追加”对话框中选定的表为目标表。</a:t>
+              <a:rPr lang="zh-CN" altLang="en-US" sz="2000" dirty="0"/>
+              <a:t>             </a:t>
+            </a:r>
+            <a:r>
+              <a:rPr lang="zh-CN" altLang="en-US" sz="2000" dirty="0">
+                <a:solidFill>
+                  <a:srgbClr val="FF0000"/>
+                </a:solidFill>
+              </a:rPr>
+              <a:t>追加查询用于将一个或多个表中的一组记录添加到另一个表的结尾，</a:t>
+            </a:r>
+            <a:r>
+              <a:rPr lang="zh-CN" altLang="en-US" sz="2000" dirty="0"/>
+              <a:t>但是，当两个表之间的字段定义不相同时，追加查询只添加相互匹配的字段内容，不匹配的字段将被忽略。追加查询以查询设计视图中添加的表为数据源，以在“追加”对话框中选定的表为目标表。</a:t>
             </a:r>
           </a:p>
           <a:p>
@@ -28803,7 +29054,7 @@
               <a:buNone/>
             </a:pPr>
             <a:r>
-              <a:rPr lang="zh-CN" altLang="en-US" sz="2000"/>
+              <a:rPr lang="zh-CN" altLang="en-US" sz="2000" dirty="0"/>
               <a:t>             追加查询可以为指定的表追加记录，目标表必须是一个已经存在的表，源数据表与目标数据表可以存在于同一个数据库中，也可以分属于不同的数据库。</a:t>
             </a:r>
           </a:p>
@@ -28816,7 +29067,7 @@
               <a:buNone/>
             </a:pPr>
             <a:r>
-              <a:rPr lang="zh-CN" altLang="en-US" sz="2000"/>
+              <a:rPr lang="zh-CN" altLang="en-US" sz="2000" dirty="0"/>
               <a:t>             在介绍追加查询操作过程之前，我们需要明确的是，追加查询并不是向其他数据表中添加记录的最快的方法，因为可以直接利用“复制”和“粘贴”命令进行数据记录的添加。追加查询的有用之处是将一个表中的数据按照一定的准则向其他表中添加数据记录。</a:t>
             </a:r>
           </a:p>
@@ -28866,7 +29117,7 @@
             <a:fld id="{7BE9B383-09D3-4AF7-B09B-253063EFA11F}" type="datetime1">
               <a:rPr lang="zh-CN" altLang="zh-CN"/>
               <a:pPr/>
-              <a:t>2017/8/15</a:t>
+              <a:t>2020/6/14</a:t>
             </a:fld>
             <a:endParaRPr lang="zh-CN" altLang="zh-CN"/>
           </a:p>
@@ -29117,15 +29368,7 @@
           <a:p>
             <a:r>
               <a:rPr lang="zh-CN" altLang="en-US" sz="1600" dirty="0"/>
-              <a:t>图6-21 </a:t>
-            </a:r>
-            <a:r>
-              <a:rPr lang="zh-CN" altLang="en-US" sz="1600" dirty="0" smtClean="0"/>
-              <a:t> 追加</a:t>
-            </a:r>
-            <a:r>
-              <a:rPr lang="zh-CN" altLang="en-US" sz="1600" dirty="0"/>
-              <a:t>查询示例视图</a:t>
+              <a:t>图6-21  追加查询示例视图</a:t>
             </a:r>
             <a:endParaRPr lang="zh-CN" altLang="en-US" sz="2400" dirty="0"/>
           </a:p>
@@ -29189,15 +29432,7 @@
           <a:p>
             <a:r>
               <a:rPr lang="zh-CN" altLang="en-US" sz="1600" dirty="0"/>
-              <a:t>图6-20 </a:t>
-            </a:r>
-            <a:r>
-              <a:rPr lang="zh-CN" altLang="en-US" sz="1600" dirty="0" smtClean="0"/>
-              <a:t> 目标</a:t>
-            </a:r>
-            <a:r>
-              <a:rPr lang="zh-CN" altLang="en-US" sz="1600" dirty="0"/>
-              <a:t>表选择</a:t>
+              <a:t>图6-20  目标表选择</a:t>
             </a:r>
             <a:endParaRPr lang="zh-CN" altLang="en-US" sz="2400" dirty="0"/>
           </a:p>
@@ -29247,7 +29482,7 @@
             <a:fld id="{7BE9B383-09D3-4AF7-B09B-253063EFA11F}" type="datetime1">
               <a:rPr lang="zh-CN" altLang="zh-CN"/>
               <a:pPr/>
-              <a:t>2017/8/15</a:t>
+              <a:t>2020/6/14</a:t>
             </a:fld>
             <a:endParaRPr lang="zh-CN" altLang="zh-CN"/>
           </a:p>
@@ -29476,7 +29711,7 @@
             <a:fld id="{7BE9B383-09D3-4AF7-B09B-253063EFA11F}" type="datetime1">
               <a:rPr lang="zh-CN" altLang="zh-CN"/>
               <a:pPr/>
-              <a:t>2017/8/15</a:t>
+              <a:t>2020/6/14</a:t>
             </a:fld>
             <a:endParaRPr lang="zh-CN" altLang="zh-CN"/>
           </a:p>
@@ -29679,15 +29914,7 @@
           <a:p>
             <a:r>
               <a:rPr lang="zh-CN" altLang="en-US" sz="1600" dirty="0"/>
-              <a:t>图6-</a:t>
-            </a:r>
-            <a:r>
-              <a:rPr lang="zh-CN" altLang="en-US" sz="1600" dirty="0" smtClean="0"/>
-              <a:t>22  </a:t>
-            </a:r>
-            <a:r>
-              <a:rPr lang="zh-CN" altLang="en-US" sz="1600" dirty="0"/>
-              <a:t>删除查询示例视图</a:t>
+              <a:t>图6-22  删除查询示例视图</a:t>
             </a:r>
             <a:endParaRPr lang="zh-CN" altLang="en-US" sz="2400" dirty="0"/>
           </a:p>
@@ -29737,7 +29964,7 @@
             <a:fld id="{7BE9B383-09D3-4AF7-B09B-253063EFA11F}" type="datetime1">
               <a:rPr lang="zh-CN" altLang="zh-CN"/>
               <a:pPr/>
-              <a:t>2017/8/15</a:t>
+              <a:t>2020/6/14</a:t>
             </a:fld>
             <a:endParaRPr lang="zh-CN" altLang="zh-CN"/>
           </a:p>
@@ -29845,11 +30072,11 @@
               <a:buNone/>
             </a:pPr>
             <a:r>
-              <a:rPr lang="zh-CN" altLang="en-US" sz="900"/>
+              <a:rPr lang="zh-CN" altLang="en-US" sz="900" dirty="0"/>
               <a:t>                   </a:t>
             </a:r>
             <a:r>
-              <a:rPr lang="zh-CN" altLang="en-US" sz="1800"/>
+              <a:rPr lang="zh-CN" altLang="en-US" sz="1800" dirty="0"/>
               <a:t> 3. SQL 查询</a:t>
             </a:r>
           </a:p>
@@ -29859,7 +30086,7 @@
               <a:buNone/>
             </a:pPr>
             <a:r>
-              <a:rPr lang="zh-CN" altLang="en-US" sz="1800"/>
+              <a:rPr lang="zh-CN" altLang="en-US" sz="1800" dirty="0"/>
               <a:t>             当在查询设计视图中创建查询时，Access 将自动在后台生成等效的SQL 语句。当查询设计完成后，右击建立的查询，在快捷菜单中选“设计视图”，右击打开的查询选项卡空白处，在出现的快捷菜单中选“SQL 视图”，即可查看该查询对应的SQL 语句。</a:t>
             </a:r>
           </a:p>
@@ -29869,7 +30096,7 @@
               <a:buNone/>
             </a:pPr>
             <a:r>
-              <a:rPr lang="zh-CN" altLang="en-US" sz="1800"/>
+              <a:rPr lang="zh-CN" altLang="en-US" sz="1800" dirty="0"/>
               <a:t>             在“SQL 视图”窗口中，可以通过直接编写SQL 语句来实现查询功能。SQL 语句最基本的语法结构是“SELECT…FROM…[WHERE]…”，其中SELECT 表示要选择显示哪些字段，FROM 表示从哪些表中查询，WHERE 说明查询的条件，缺省时对全体记录操作。</a:t>
             </a:r>
           </a:p>
@@ -29919,7 +30146,7 @@
             <a:fld id="{7BE9B383-09D3-4AF7-B09B-253063EFA11F}" type="datetime1">
               <a:rPr lang="zh-CN" altLang="zh-CN"/>
               <a:pPr/>
-              <a:t>2017/8/15</a:t>
+              <a:t>2020/6/14</a:t>
             </a:fld>
             <a:endParaRPr lang="zh-CN" altLang="zh-CN"/>
           </a:p>
@@ -30179,7 +30406,7 @@
             <a:fld id="{7BE9B383-09D3-4AF7-B09B-253063EFA11F}" type="datetime1">
               <a:rPr lang="zh-CN" altLang="zh-CN"/>
               <a:pPr/>
-              <a:t>2017/8/15</a:t>
+              <a:t>2020/6/14</a:t>
             </a:fld>
             <a:endParaRPr lang="zh-CN" altLang="zh-CN"/>
           </a:p>
@@ -30290,11 +30517,11 @@
               <a:buNone/>
             </a:pPr>
             <a:r>
-              <a:rPr lang="zh-CN" altLang="en-US" sz="900"/>
+              <a:rPr lang="zh-CN" altLang="en-US" sz="900" dirty="0"/>
               <a:t>                  </a:t>
             </a:r>
             <a:r>
-              <a:rPr lang="zh-CN" altLang="en-US" sz="2000"/>
+              <a:rPr lang="zh-CN" altLang="en-US" sz="2000" dirty="0"/>
               <a:t>下面简单介绍SQL 中常用的语句。</a:t>
             </a:r>
           </a:p>
@@ -30307,7 +30534,7 @@
               <a:buNone/>
             </a:pPr>
             <a:r>
-              <a:rPr lang="zh-CN" altLang="en-US" sz="2000"/>
+              <a:rPr lang="zh-CN" altLang="en-US" sz="2000" dirty="0"/>
               <a:t>   1） SELECT 语句（查询）</a:t>
             </a:r>
           </a:p>
@@ -30320,7 +30547,7 @@
               <a:buNone/>
             </a:pPr>
             <a:r>
-              <a:rPr lang="zh-CN" altLang="en-US" sz="2000"/>
+              <a:rPr lang="zh-CN" altLang="en-US" sz="2000" dirty="0"/>
               <a:t>   基本格式：SELECT 字段名表 [INTO 目标表] FROM 表名 [WHERE 条件] [ORDER BY 字段] [GROUP BY 字段[HAVING 条件]]</a:t>
             </a:r>
           </a:p>
@@ -30333,7 +30560,7 @@
               <a:buNone/>
             </a:pPr>
             <a:r>
-              <a:rPr lang="zh-CN" altLang="en-US" sz="2000"/>
+              <a:rPr lang="zh-CN" altLang="en-US" sz="2000" dirty="0"/>
               <a:t>   功能：在指定表中查询有关内容。</a:t>
             </a:r>
           </a:p>
@@ -30346,7 +30573,7 @@
               <a:buNone/>
             </a:pPr>
             <a:r>
-              <a:rPr lang="zh-CN" altLang="en-US" sz="2000"/>
+              <a:rPr lang="zh-CN" altLang="en-US" sz="2000" dirty="0"/>
               <a:t>   说明：</a:t>
             </a:r>
           </a:p>
@@ -30359,7 +30586,11 @@
               <a:buNone/>
             </a:pPr>
             <a:r>
-              <a:rPr lang="zh-CN" altLang="en-US" sz="2000"/>
+              <a:rPr lang="zh-CN" altLang="en-US" sz="2000" dirty="0">
+                <a:solidFill>
+                  <a:srgbClr val="FF0000"/>
+                </a:solidFill>
+              </a:rPr>
               <a:t>（1） ORDER BY 字段：按指定字段排序；</a:t>
             </a:r>
           </a:p>
@@ -30372,7 +30603,11 @@
               <a:buNone/>
             </a:pPr>
             <a:r>
-              <a:rPr lang="zh-CN" altLang="en-US" sz="2000"/>
+              <a:rPr lang="zh-CN" altLang="en-US" sz="2000" dirty="0">
+                <a:solidFill>
+                  <a:srgbClr val="FF0000"/>
+                </a:solidFill>
+              </a:rPr>
               <a:t>（2） GROUP BY 字段：按指定字段分组；</a:t>
             </a:r>
           </a:p>
@@ -30385,7 +30620,11 @@
               <a:buNone/>
             </a:pPr>
             <a:r>
-              <a:rPr lang="zh-CN" altLang="en-US" sz="2000"/>
+              <a:rPr lang="zh-CN" altLang="en-US" sz="2000" dirty="0">
+                <a:solidFill>
+                  <a:srgbClr val="FF0000"/>
+                </a:solidFill>
+              </a:rPr>
               <a:t>（3） HAVING 条件：设置分组条件；</a:t>
             </a:r>
           </a:p>
@@ -30398,7 +30637,11 @@
               <a:buNone/>
             </a:pPr>
             <a:r>
-              <a:rPr lang="zh-CN" altLang="en-US" sz="2000"/>
+              <a:rPr lang="zh-CN" altLang="en-US" sz="2000" dirty="0">
+                <a:solidFill>
+                  <a:srgbClr val="FF0000"/>
+                </a:solidFill>
+              </a:rPr>
               <a:t>（4） INTO 目标表：将查询结果输出到指定的目标表。</a:t>
             </a:r>
           </a:p>
@@ -30411,7 +30654,7 @@
               <a:buNone/>
             </a:pPr>
             <a:r>
-              <a:rPr lang="zh-CN" altLang="en-US" sz="2000"/>
+              <a:rPr lang="zh-CN" altLang="en-US" sz="2000" dirty="0"/>
               <a:t>  示例：查询xsda 表中女同学的信息，并将查询结果输出到“女生”表。</a:t>
             </a:r>
           </a:p>
@@ -30424,7 +30667,7 @@
               <a:buNone/>
             </a:pPr>
             <a:r>
-              <a:rPr lang="zh-CN" altLang="en-US" sz="2000"/>
+              <a:rPr lang="zh-CN" altLang="en-US" sz="2000" dirty="0"/>
               <a:t>SELECT * INTO 女生 FROM xsda WHERE 性别 5" 女 "</a:t>
             </a:r>
           </a:p>
@@ -30474,7 +30717,7 @@
             <a:fld id="{7BE9B383-09D3-4AF7-B09B-253063EFA11F}" type="datetime1">
               <a:rPr lang="zh-CN" altLang="zh-CN"/>
               <a:pPr/>
-              <a:t>2017/8/15</a:t>
+              <a:t>2020/6/14</a:t>
             </a:fld>
             <a:endParaRPr lang="zh-CN" altLang="zh-CN"/>
           </a:p>
@@ -30585,11 +30828,11 @@
               <a:buNone/>
             </a:pPr>
             <a:r>
-              <a:rPr lang="zh-CN" altLang="en-US" sz="700"/>
+              <a:rPr lang="zh-CN" altLang="en-US" sz="700" dirty="0"/>
               <a:t>                 </a:t>
             </a:r>
             <a:r>
-              <a:rPr lang="zh-CN" altLang="en-US" sz="1800"/>
+              <a:rPr lang="zh-CN" altLang="en-US" sz="1800" dirty="0"/>
               <a:t>2） UPDATE 语句（字段内容更新）</a:t>
             </a:r>
           </a:p>
@@ -30602,7 +30845,7 @@
               <a:buNone/>
             </a:pPr>
             <a:r>
-              <a:rPr lang="zh-CN" altLang="en-US" sz="1800"/>
+              <a:rPr lang="zh-CN" altLang="en-US" sz="1800" dirty="0"/>
               <a:t>    基本格式：UPDATE 表名 SET 字段5 表达式[WHERE 条件]</a:t>
             </a:r>
           </a:p>
@@ -30615,7 +30858,7 @@
               <a:buNone/>
             </a:pPr>
             <a:r>
-              <a:rPr lang="zh-CN" altLang="en-US" sz="1800"/>
+              <a:rPr lang="zh-CN" altLang="en-US" sz="1800" dirty="0"/>
               <a:t>    功能：对指定表中满足条件的记录，用指定表达式的内容更新指定字段。</a:t>
             </a:r>
           </a:p>
@@ -30628,7 +30871,7 @@
               <a:buNone/>
             </a:pPr>
             <a:r>
-              <a:rPr lang="zh-CN" altLang="en-US" sz="1800"/>
+              <a:rPr lang="zh-CN" altLang="en-US" sz="1800" dirty="0"/>
               <a:t>    示例：将班级编号为“201001”的记录的班级编号修改为“201010”。</a:t>
             </a:r>
           </a:p>
@@ -30641,7 +30884,7 @@
               <a:buNone/>
             </a:pPr>
             <a:r>
-              <a:rPr lang="zh-CN" altLang="en-US" sz="1800"/>
+              <a:rPr lang="zh-CN" altLang="en-US" sz="1800" dirty="0"/>
               <a:t>    UPDATE xsda SET 班级编号 5"201010" WHERE 班级编号 5"201001"</a:t>
             </a:r>
           </a:p>
@@ -30654,7 +30897,7 @@
               <a:buNone/>
             </a:pPr>
             <a:r>
-              <a:rPr lang="zh-CN" altLang="en-US" sz="1800"/>
+              <a:rPr lang="zh-CN" altLang="en-US" sz="1800" dirty="0"/>
               <a:t>      3） INSERT 语句（插入记录）</a:t>
             </a:r>
           </a:p>
@@ -30667,7 +30910,7 @@
               <a:buNone/>
             </a:pPr>
             <a:r>
-              <a:rPr lang="zh-CN" altLang="en-US" sz="1800"/>
+              <a:rPr lang="zh-CN" altLang="en-US" sz="1800" dirty="0"/>
               <a:t>    基本格式：INSERT INTO 表名( 字段名表) VALUES ( 内容列表)</a:t>
             </a:r>
           </a:p>
@@ -30680,7 +30923,7 @@
               <a:buNone/>
             </a:pPr>
             <a:r>
-              <a:rPr lang="zh-CN" altLang="en-US" sz="1800"/>
+              <a:rPr lang="zh-CN" altLang="en-US" sz="1800" dirty="0"/>
               <a:t>    功能：在指定表中插入记录，以指定内容列表中的内容为字段内容。</a:t>
             </a:r>
           </a:p>
@@ -30693,7 +30936,7 @@
               <a:buNone/>
             </a:pPr>
             <a:r>
-              <a:rPr lang="zh-CN" altLang="en-US" sz="1800"/>
+              <a:rPr lang="zh-CN" altLang="en-US" sz="1800" dirty="0"/>
               <a:t>    示例：在xsda 表中插入一条记录。</a:t>
             </a:r>
           </a:p>
@@ -30706,7 +30949,7 @@
               <a:buNone/>
             </a:pPr>
             <a:r>
-              <a:rPr lang="zh-CN" altLang="en-US" sz="1800"/>
+              <a:rPr lang="zh-CN" altLang="en-US" sz="1800" dirty="0"/>
               <a:t>     INSERT INTO xsda ( 学号，姓名，性别，出生日期，班级编号)</a:t>
             </a:r>
           </a:p>
@@ -30719,7 +30962,7 @@
               <a:buNone/>
             </a:pPr>
             <a:r>
-              <a:rPr lang="zh-CN" altLang="en-US" sz="1800"/>
+              <a:rPr lang="zh-CN" altLang="en-US" sz="1800" dirty="0"/>
               <a:t>     VALUES ("201001011"，"张山"，"女"，#1/1/1990#,"201001")</a:t>
             </a:r>
           </a:p>
@@ -30769,7 +31012,7 @@
             <a:fld id="{7BE9B383-09D3-4AF7-B09B-253063EFA11F}" type="datetime1">
               <a:rPr lang="zh-CN" altLang="zh-CN"/>
               <a:pPr/>
-              <a:t>2017/8/15</a:t>
+              <a:t>2020/6/14</a:t>
             </a:fld>
             <a:endParaRPr lang="zh-CN" altLang="zh-CN"/>
           </a:p>
@@ -30877,11 +31120,11 @@
               <a:buNone/>
             </a:pPr>
             <a:r>
-              <a:rPr lang="zh-CN" altLang="en-US" sz="700"/>
+              <a:rPr lang="zh-CN" altLang="en-US" sz="700" dirty="0"/>
               <a:t>                 </a:t>
             </a:r>
             <a:r>
-              <a:rPr lang="zh-CN" altLang="en-US"/>
+              <a:rPr lang="zh-CN" altLang="en-US" dirty="0"/>
               <a:t>4） DELETE 语句（删除记录）</a:t>
             </a:r>
           </a:p>
@@ -30891,7 +31134,7 @@
               <a:buNone/>
             </a:pPr>
             <a:r>
-              <a:rPr lang="zh-CN" altLang="en-US"/>
+              <a:rPr lang="zh-CN" altLang="en-US" dirty="0"/>
               <a:t>     基本格式：DELETE FROM 表名[WHERE 条件]</a:t>
             </a:r>
           </a:p>
@@ -30901,7 +31144,7 @@
               <a:buNone/>
             </a:pPr>
             <a:r>
-              <a:rPr lang="zh-CN" altLang="en-US"/>
+              <a:rPr lang="zh-CN" altLang="en-US" dirty="0"/>
               <a:t>     功能：删除指定表中符合条件的记录。</a:t>
             </a:r>
           </a:p>
@@ -30911,7 +31154,7 @@
               <a:buNone/>
             </a:pPr>
             <a:r>
-              <a:rPr lang="zh-CN" altLang="en-US"/>
+              <a:rPr lang="zh-CN" altLang="en-US" dirty="0"/>
               <a:t>     示例：删除xsda 表中班级编号为“201001”的所有记录。</a:t>
             </a:r>
           </a:p>
@@ -30921,7 +31164,7 @@
               <a:buNone/>
             </a:pPr>
             <a:r>
-              <a:rPr lang="zh-CN" altLang="en-US"/>
+              <a:rPr lang="zh-CN" altLang="en-US" dirty="0"/>
               <a:t>     DELETE FROM xsda WHERE 班级编号 5"201001"</a:t>
             </a:r>
           </a:p>
@@ -30971,7 +31214,7 @@
             <a:fld id="{7BE9B383-09D3-4AF7-B09B-253063EFA11F}" type="datetime1">
               <a:rPr lang="zh-CN" altLang="zh-CN"/>
               <a:pPr/>
-              <a:t>2017/8/15</a:t>
+              <a:t>2020/6/14</a:t>
             </a:fld>
             <a:endParaRPr lang="zh-CN" altLang="zh-CN"/>
           </a:p>
@@ -31079,11 +31322,11 @@
               <a:buNone/>
             </a:pPr>
             <a:r>
-              <a:rPr lang="zh-CN" altLang="en-US" sz="300"/>
+              <a:rPr lang="zh-CN" altLang="en-US" sz="300" dirty="0"/>
               <a:t>            </a:t>
             </a:r>
             <a:r>
-              <a:rPr lang="zh-CN" altLang="en-US" sz="2000"/>
+              <a:rPr lang="zh-CN" altLang="en-US" sz="2000" dirty="0"/>
               <a:t>           窗体是一个数据库对象，可用于为数据库应用程序创建用户界面。“绑定”窗体是直接连接到数据源（如表或查询）的窗体，并可用于输入、编辑或显示来自该数据源的数据。另外，也可以创建“未绑定”窗体，该窗体没有直接链接到数据源，但仍然包含操作应用程序所需的命令按钮、标签或其他控件。</a:t>
             </a:r>
           </a:p>
@@ -31093,7 +31336,7 @@
               <a:buNone/>
             </a:pPr>
             <a:r>
-              <a:rPr lang="zh-CN" altLang="en-US" sz="2000"/>
+              <a:rPr lang="zh-CN" altLang="en-US" sz="2000" dirty="0"/>
               <a:t>             1. 窗体类型和窗体视图</a:t>
             </a:r>
           </a:p>
@@ -31103,8 +31346,16 @@
               <a:buNone/>
             </a:pPr>
             <a:r>
-              <a:rPr lang="zh-CN" altLang="en-US" sz="2000"/>
-              <a:t>             根据数据记录的显示方式，Access 提供了6 种类型的窗体：单页窗体( 纵栏式窗体)、多页窗体、连续窗体（表格式窗体）、弹出式窗体、主 / 子窗体、图表窗体。</a:t>
+              <a:rPr lang="zh-CN" altLang="en-US" sz="2000" dirty="0"/>
+              <a:t>             根据数据记录的显示方式，Access 提供了</a:t>
+            </a:r>
+            <a:r>
+              <a:rPr lang="zh-CN" altLang="en-US" sz="2000" dirty="0">
+                <a:solidFill>
+                  <a:srgbClr val="FF0000"/>
+                </a:solidFill>
+              </a:rPr>
+              <a:t>6 种类型的窗体：单页窗体( 纵栏式窗体)、多页窗体、连续窗体（表格式窗体）、弹出式窗体、主 / 子窗体、图表窗体。</a:t>
             </a:r>
           </a:p>
           <a:p>
@@ -31113,7 +31364,7 @@
               <a:buNone/>
             </a:pPr>
             <a:r>
-              <a:rPr lang="zh-CN" altLang="en-US" sz="2000"/>
+              <a:rPr lang="zh-CN" altLang="en-US" sz="2000" dirty="0"/>
               <a:t>             窗体视图是窗体在具有不同功能和应用范围下呈现的外观表现形式，不同的窗体视图具有不同的功能。Access 2010 有6 种窗体视图：设计视图、窗体视图、布局视图、数据表视图、数据透视表视图、数据透视图视图。</a:t>
             </a:r>
           </a:p>
@@ -31163,7 +31414,7 @@
             <a:fld id="{7BE9B383-09D3-4AF7-B09B-253063EFA11F}" type="datetime1">
               <a:rPr lang="zh-CN" altLang="zh-CN"/>
               <a:pPr/>
-              <a:t>2017/8/15</a:t>
+              <a:t>2020/6/14</a:t>
             </a:fld>
             <a:endParaRPr lang="zh-CN" altLang="zh-CN"/>
           </a:p>
@@ -31271,15 +31522,15 @@
               <a:buNone/>
             </a:pPr>
             <a:r>
-              <a:rPr lang="zh-CN" altLang="en-US" sz="100"/>
+              <a:rPr lang="zh-CN" altLang="en-US" sz="100" dirty="0"/>
               <a:t>            </a:t>
             </a:r>
             <a:r>
-              <a:rPr lang="zh-CN" altLang="en-US" sz="900"/>
+              <a:rPr lang="zh-CN" altLang="en-US" sz="900" dirty="0"/>
               <a:t>         </a:t>
             </a:r>
             <a:r>
-              <a:rPr lang="zh-CN" altLang="en-US" sz="1600"/>
+              <a:rPr lang="zh-CN" altLang="en-US" sz="1600" dirty="0"/>
               <a:t>  2. 创建窗体</a:t>
             </a:r>
           </a:p>
@@ -31289,7 +31540,7 @@
               <a:buNone/>
             </a:pPr>
             <a:r>
-              <a:rPr lang="zh-CN" altLang="en-US" sz="1600"/>
+              <a:rPr lang="zh-CN" altLang="en-US" sz="1600" dirty="0"/>
               <a:t>               在Access 中，可以使用3 种方法创建窗体：自动创建窗体、利用窗体向导创建窗体、使用设计视图创建窗体。</a:t>
             </a:r>
           </a:p>
@@ -31299,7 +31550,7 @@
               <a:buNone/>
             </a:pPr>
             <a:r>
-              <a:rPr lang="zh-CN" altLang="en-US" sz="1600"/>
+              <a:rPr lang="zh-CN" altLang="en-US" sz="1600" dirty="0"/>
               <a:t>          1） 自动创建窗体</a:t>
             </a:r>
           </a:p>
@@ -31309,7 +31560,7 @@
               <a:buNone/>
             </a:pPr>
             <a:r>
-              <a:rPr lang="zh-CN" altLang="en-US" sz="1600"/>
+              <a:rPr lang="zh-CN" altLang="en-US" sz="1600" dirty="0"/>
               <a:t>          （1） 使用“窗体”工具创建新窗体。</a:t>
             </a:r>
           </a:p>
@@ -31319,7 +31570,7 @@
               <a:buNone/>
             </a:pPr>
             <a:r>
-              <a:rPr lang="zh-CN" altLang="en-US" sz="1600"/>
+              <a:rPr lang="zh-CN" altLang="en-US" sz="1600" dirty="0"/>
               <a:t>               在导航窗格中单击包含您希望在窗体上显示的数据的表或查询，在“创建”选项卡的“窗体”组中单击“窗体”，Access 将创建窗体，并以布局视图显示该窗体。在布局视图中，可以在窗体显示数据的同时对窗体进行设计方面的更改。例如，可根据需要调整文本框的大小以适合数据。</a:t>
             </a:r>
           </a:p>
@@ -31329,7 +31580,7 @@
               <a:buNone/>
             </a:pPr>
             <a:r>
-              <a:rPr lang="zh-CN" altLang="en-US" sz="1600"/>
+              <a:rPr lang="zh-CN" altLang="en-US" sz="1600" dirty="0"/>
               <a:t>          （2） 使用“分割窗体”工具创建分割窗体。</a:t>
             </a:r>
           </a:p>
@@ -31339,7 +31590,7 @@
               <a:buNone/>
             </a:pPr>
             <a:r>
-              <a:rPr lang="zh-CN" altLang="en-US" sz="1600"/>
+              <a:rPr lang="zh-CN" altLang="en-US" sz="1600" dirty="0"/>
               <a:t>               使用“分割窗体”工具创建分割窗体的操作与使用“窗体”工具创建新窗体大致相同，只需在“创建”选项卡的“窗体”组中单击“其他窗体”，然后在弹出的下拉列表中单击“分割窗体”即可。</a:t>
             </a:r>
           </a:p>
@@ -31349,7 +31600,7 @@
               <a:buNone/>
             </a:pPr>
             <a:r>
-              <a:rPr lang="zh-CN" altLang="en-US" sz="1600"/>
+              <a:rPr lang="zh-CN" altLang="en-US" sz="1600" dirty="0"/>
               <a:t>          （3） 使用“多个项目”工具创建显示多个记录的窗体。</a:t>
             </a:r>
           </a:p>
@@ -31359,7 +31610,7 @@
               <a:buNone/>
             </a:pPr>
             <a:r>
-              <a:rPr lang="zh-CN" altLang="en-US" sz="1600"/>
+              <a:rPr lang="zh-CN" altLang="en-US" sz="1600" dirty="0"/>
               <a:t>              使用“窗体”工具创建窗体时，Access 创建的窗体一次显示一个记录。如果需要一个可显示多个记录、但可自定义性比数据表强的窗体，可以使用“多个项目”工具。使用“多个项目”工具创建窗体的方法与前两者的区别在于：在“创建”选项卡的“窗体”组中单击“其他窗体”，然后在弹出的下拉列表中单击“多个项目”即可。</a:t>
             </a:r>
           </a:p>
@@ -31409,7 +31660,7 @@
             <a:fld id="{7BE9B383-09D3-4AF7-B09B-253063EFA11F}" type="datetime1">
               <a:rPr lang="zh-CN" altLang="zh-CN"/>
               <a:pPr/>
-              <a:t>2017/8/15</a:t>
+              <a:t>2020/6/14</a:t>
             </a:fld>
             <a:endParaRPr lang="zh-CN" altLang="zh-CN"/>
           </a:p>
@@ -31517,15 +31768,15 @@
               <a:buNone/>
             </a:pPr>
             <a:r>
-              <a:rPr lang="zh-CN" altLang="en-US" sz="100"/>
+              <a:rPr lang="zh-CN" altLang="en-US" sz="100" dirty="0"/>
               <a:t>            </a:t>
             </a:r>
             <a:r>
-              <a:rPr lang="zh-CN" altLang="en-US" sz="900"/>
+              <a:rPr lang="zh-CN" altLang="en-US" sz="900" dirty="0"/>
               <a:t>         </a:t>
             </a:r>
             <a:r>
-              <a:rPr lang="zh-CN" altLang="en-US" sz="2000"/>
+              <a:rPr lang="zh-CN" altLang="en-US" sz="2000" dirty="0"/>
               <a:t>   2） 利用窗体向导创建窗体</a:t>
             </a:r>
           </a:p>
@@ -31535,7 +31786,7 @@
               <a:buNone/>
             </a:pPr>
             <a:r>
-              <a:rPr lang="zh-CN" altLang="en-US" sz="2000"/>
+              <a:rPr lang="zh-CN" altLang="en-US" sz="2000" dirty="0"/>
               <a:t>            要更好地选择哪些字段显示在窗体上，可以使用窗体向导来替代上面提到的各种窗体构建工具，还可以指定数据的组合和排序方式，并且，如果用户事先指定了表与查询之间的关系，还可以使用来自多个表或查询的字段。</a:t>
             </a:r>
           </a:p>
@@ -31545,7 +31796,7 @@
               <a:buNone/>
             </a:pPr>
             <a:r>
-              <a:rPr lang="zh-CN" altLang="en-US" sz="2000"/>
+              <a:rPr lang="zh-CN" altLang="en-US" sz="2000" dirty="0"/>
               <a:t>            使用窗体向导创建窗体，先在“创建”选项卡的“窗体”组中单击“窗体向导”，再按照窗体向导各个页面上显示的说明执行操作，最后，在该向导的最后一页上单击“完成”即可。</a:t>
             </a:r>
           </a:p>
@@ -31555,7 +31806,7 @@
               <a:buNone/>
             </a:pPr>
             <a:r>
-              <a:rPr lang="zh-CN" altLang="en-US" sz="2000"/>
+              <a:rPr lang="zh-CN" altLang="en-US" sz="2000" dirty="0"/>
               <a:t>            如果用户需要调整窗体对象的控件布局，还需在设计视图中进行修改。</a:t>
             </a:r>
           </a:p>
@@ -31605,7 +31856,7 @@
             <a:fld id="{7BE9B383-09D3-4AF7-B09B-253063EFA11F}" type="datetime1">
               <a:rPr lang="zh-CN" altLang="zh-CN"/>
               <a:pPr/>
-              <a:t>2017/8/15</a:t>
+              <a:t>2020/6/14</a:t>
             </a:fld>
             <a:endParaRPr lang="zh-CN" altLang="zh-CN"/>
           </a:p>
@@ -31708,19 +31959,19 @@
               <a:buNone/>
             </a:pPr>
             <a:r>
-              <a:rPr lang="zh-CN" altLang="en-US" sz="100"/>
+              <a:rPr lang="zh-CN" altLang="en-US" sz="100" dirty="0"/>
               <a:t>            </a:t>
             </a:r>
             <a:r>
-              <a:rPr lang="zh-CN" altLang="en-US" sz="900"/>
+              <a:rPr lang="zh-CN" altLang="en-US" sz="900" dirty="0"/>
               <a:t>         </a:t>
             </a:r>
             <a:r>
-              <a:rPr lang="zh-CN" altLang="en-US" sz="2000"/>
+              <a:rPr lang="zh-CN" altLang="en-US" sz="2000" dirty="0"/>
               <a:t>    </a:t>
             </a:r>
             <a:r>
-              <a:rPr lang="zh-CN" altLang="en-US" sz="1800"/>
+              <a:rPr lang="zh-CN" altLang="en-US" sz="1800" dirty="0"/>
               <a:t> 3） 使用设计视图创建窗体</a:t>
             </a:r>
           </a:p>
@@ -31730,7 +31981,7 @@
               <a:buNone/>
             </a:pPr>
             <a:r>
-              <a:rPr lang="zh-CN" altLang="en-US" sz="1800"/>
+              <a:rPr lang="zh-CN" altLang="en-US" sz="1800" dirty="0"/>
               <a:t>             Access 不仅提供了方便用户创建窗体的向导，还提供了窗体设计视图。在“创建”选项卡的“窗体”组中单击“窗体设计”，即可打开设计视图，如图6-23 所示。与使用向导创建窗体相比，在设计视图中创建窗体具有以下特点：</a:t>
             </a:r>
           </a:p>
@@ -31740,7 +31991,7 @@
               <a:buNone/>
             </a:pPr>
             <a:r>
-              <a:rPr lang="zh-CN" altLang="en-US" sz="1800"/>
+              <a:rPr lang="zh-CN" altLang="en-US" sz="1800" dirty="0"/>
               <a:t>      （1） 不但能创建窗体，而且能修改窗体。</a:t>
             </a:r>
           </a:p>
@@ -31750,7 +32001,7 @@
               <a:buNone/>
             </a:pPr>
             <a:r>
-              <a:rPr lang="zh-CN" altLang="en-US" sz="1800"/>
+              <a:rPr lang="zh-CN" altLang="en-US" sz="1800" dirty="0"/>
               <a:t>      （2） 支持可视化程序设计，用户可利用工具栏、工具箱、下拉菜单与快捷菜单在窗体中创建与修改对象。</a:t>
             </a:r>
           </a:p>
@@ -31846,15 +32097,7 @@
           <a:p>
             <a:r>
               <a:rPr lang="zh-CN" altLang="en-US" sz="1600" dirty="0"/>
-              <a:t>图6-23 </a:t>
-            </a:r>
-            <a:r>
-              <a:rPr lang="zh-CN" altLang="en-US" sz="1600" dirty="0" smtClean="0"/>
-              <a:t> 在</a:t>
-            </a:r>
-            <a:r>
-              <a:rPr lang="zh-CN" altLang="en-US" sz="1600" dirty="0"/>
-              <a:t>设计视图中创建窗体</a:t>
+              <a:t>图6-23  在设计视图中创建窗体</a:t>
             </a:r>
             <a:endParaRPr lang="zh-CN" altLang="en-US" sz="2400" dirty="0"/>
           </a:p>
@@ -31904,7 +32147,7 @@
             <a:fld id="{7BE9B383-09D3-4AF7-B09B-253063EFA11F}" type="datetime1">
               <a:rPr lang="zh-CN" altLang="zh-CN"/>
               <a:pPr/>
-              <a:t>2017/8/15</a:t>
+              <a:t>2020/6/14</a:t>
             </a:fld>
             <a:endParaRPr lang="zh-CN" altLang="zh-CN"/>
           </a:p>
@@ -32083,15 +32326,7 @@
           <a:p>
             <a:r>
               <a:rPr lang="zh-CN" altLang="en-US" sz="1600" dirty="0"/>
-              <a:t>表6-2 </a:t>
-            </a:r>
-            <a:r>
-              <a:rPr lang="zh-CN" altLang="en-US" sz="1600" dirty="0" smtClean="0"/>
-              <a:t>  窗体</a:t>
-            </a:r>
-            <a:r>
-              <a:rPr lang="zh-CN" altLang="en-US" sz="1600" dirty="0"/>
-              <a:t>控件工具箱控件的功能按钮</a:t>
+              <a:t>表6-2   窗体控件工具箱控件的功能按钮</a:t>
             </a:r>
             <a:endParaRPr lang="zh-CN" altLang="en-US" sz="2400" dirty="0"/>
           </a:p>
@@ -32205,7 +32440,7 @@
             <a:fld id="{7BE9B383-09D3-4AF7-B09B-253063EFA11F}" type="datetime1">
               <a:rPr lang="zh-CN" altLang="zh-CN"/>
               <a:pPr/>
-              <a:t>2017/8/15</a:t>
+              <a:t>2020/6/14</a:t>
             </a:fld>
             <a:endParaRPr lang="zh-CN" altLang="zh-CN"/>
           </a:p>
@@ -32391,7 +32626,7 @@
             <a:fld id="{7BE9B383-09D3-4AF7-B09B-253063EFA11F}" type="datetime1">
               <a:rPr lang="zh-CN" altLang="zh-CN"/>
               <a:pPr/>
-              <a:t>2017/8/15</a:t>
+              <a:t>2020/6/14</a:t>
             </a:fld>
             <a:endParaRPr lang="zh-CN" altLang="zh-CN"/>
           </a:p>
@@ -32494,7 +32729,7 @@
               <a:buNone/>
             </a:pPr>
             <a:r>
-              <a:rPr lang="zh-CN" altLang="en-US" sz="2000"/>
+              <a:rPr lang="zh-CN" altLang="en-US" sz="2000" dirty="0"/>
               <a:t>            用户使用数据库时，一般使用报表来查看数据、设置数据格式和汇总数据。报表是一种数据库对象，可用报表来显示和汇总数据。报表可提供有关各个记录的详细信息和 / 或许多记录的汇总信息。报表也提供了一种分发或存档数据快照的方法，可以将它打印出来、转换为PDF 或XPS文件或导出为其他文件格式。用户还可使用Access 报表来创建标签以用于邮寄或其他目的。</a:t>
             </a:r>
           </a:p>
@@ -32507,7 +32742,7 @@
               <a:buNone/>
             </a:pPr>
             <a:r>
-              <a:rPr lang="zh-CN" altLang="en-US" sz="2000"/>
+              <a:rPr lang="zh-CN" altLang="en-US" sz="2000" dirty="0"/>
               <a:t>         1. 报表的组成部分</a:t>
             </a:r>
           </a:p>
@@ -32520,7 +32755,7 @@
               <a:buNone/>
             </a:pPr>
             <a:r>
-              <a:rPr lang="zh-CN" altLang="en-US" sz="2000"/>
+              <a:rPr lang="zh-CN" altLang="en-US" sz="2000" dirty="0"/>
               <a:t>            在Access 中，报表是按节来设计的，我们可在设计视图中打开报表以查看各个节。在布局视图中看不到这些节，但它们仍然存在，并可通过使用“格式”选项卡的“选中内容”组中的下拉列表来进行选择。若要创建有用的报表，则需要了解每个节的工作方式。下面是节类型及其用途的摘要。</a:t>
             </a:r>
           </a:p>
@@ -32570,7 +32805,7 @@
             <a:fld id="{7BE9B383-09D3-4AF7-B09B-253063EFA11F}" type="datetime1">
               <a:rPr lang="zh-CN" altLang="zh-CN"/>
               <a:pPr/>
-              <a:t>2017/8/15</a:t>
+              <a:t>2020/6/14</a:t>
             </a:fld>
             <a:endParaRPr lang="zh-CN" altLang="zh-CN"/>
           </a:p>
@@ -32738,7 +32973,7 @@
             <a:fld id="{7BE9B383-09D3-4AF7-B09B-253063EFA11F}" type="datetime1">
               <a:rPr lang="zh-CN" altLang="zh-CN"/>
               <a:pPr/>
-              <a:t>2017/8/15</a:t>
+              <a:t>2020/6/14</a:t>
             </a:fld>
             <a:endParaRPr lang="zh-CN" altLang="zh-CN"/>
           </a:p>
@@ -32841,11 +33076,11 @@
               <a:buNone/>
             </a:pPr>
             <a:r>
-              <a:rPr lang="zh-CN" altLang="en-US" sz="1600"/>
+              <a:rPr lang="zh-CN" altLang="en-US" sz="1600" dirty="0"/>
               <a:t>          </a:t>
             </a:r>
             <a:r>
-              <a:rPr lang="zh-CN" altLang="en-US" sz="1800"/>
+              <a:rPr lang="zh-CN" altLang="en-US" sz="1800" dirty="0"/>
               <a:t>    报表页眉：此节只在报表开头显示一次。报表页眉用于显示一般出现在封面上的信息，如徽标、标题或日期。当在报表页眉中放置使用“总和”聚合函数的计算控件时，将计算整个报表的总和。报表页眉位于页面页眉之前。</a:t>
             </a:r>
           </a:p>
@@ -32858,7 +33093,7 @@
               <a:buNone/>
             </a:pPr>
             <a:r>
-              <a:rPr lang="zh-CN" altLang="en-US" sz="1800"/>
+              <a:rPr lang="zh-CN" altLang="en-US" sz="1800" dirty="0"/>
               <a:t>            页面页眉：此节显示在每页顶部。例如，使用页面页眉可在每页上重复报表标题。</a:t>
             </a:r>
           </a:p>
@@ -32871,7 +33106,7 @@
               <a:buNone/>
             </a:pPr>
             <a:r>
-              <a:rPr lang="zh-CN" altLang="en-US" sz="1800"/>
+              <a:rPr lang="zh-CN" altLang="en-US" sz="1800" dirty="0"/>
               <a:t>             组页眉：此节显示在每个新记录组的开头。使用组页眉可显示组名。例如，在按产品分组的报表中，使用组页眉可以显示产品名称。当您在组页眉中放置使用“总和”聚合函数的计算控件时，将计算当前组的总和。一个报表上可具有多个组页眉节，具体取决于已添加的分组级别数。</a:t>
             </a:r>
           </a:p>
@@ -32884,7 +33119,7 @@
               <a:buNone/>
             </a:pPr>
             <a:r>
-              <a:rPr lang="zh-CN" altLang="en-US" sz="1800"/>
+              <a:rPr lang="zh-CN" altLang="en-US" sz="1800" dirty="0"/>
               <a:t>             主体：对于记录源中的每一行，都会显示一次此节内容。此位置用于放置组成报表主体的控件。续表6-2组页脚：此节位于每个记录组的末尾。使用组页脚可显示组的汇总信息。一个报表上可具有多个组页脚，具体取决于已添加的分组级别数。</a:t>
             </a:r>
           </a:p>
@@ -32897,7 +33132,7 @@
               <a:buNone/>
             </a:pPr>
             <a:r>
-              <a:rPr lang="zh-CN" altLang="en-US" sz="1800"/>
+              <a:rPr lang="zh-CN" altLang="en-US" sz="1800" dirty="0"/>
               <a:t>              页面页脚：此节位于每页结尾。使用页面页脚可显示页码或每页信息。</a:t>
             </a:r>
           </a:p>
@@ -32910,7 +33145,7 @@
               <a:buNone/>
             </a:pPr>
             <a:r>
-              <a:rPr lang="zh-CN" altLang="en-US" sz="1800"/>
+              <a:rPr lang="zh-CN" altLang="en-US" sz="1800" dirty="0"/>
               <a:t>              报表页脚：此节只在报表结尾显示一次。使用报表页脚可显示整个报表的报表总和或其他汇总信息。</a:t>
             </a:r>
           </a:p>
@@ -32960,7 +33195,7 @@
             <a:fld id="{7BE9B383-09D3-4AF7-B09B-253063EFA11F}" type="datetime1">
               <a:rPr lang="zh-CN" altLang="zh-CN"/>
               <a:pPr/>
-              <a:t>2017/8/15</a:t>
+              <a:t>2020/6/14</a:t>
             </a:fld>
             <a:endParaRPr lang="zh-CN" altLang="zh-CN"/>
           </a:p>
@@ -33063,7 +33298,7 @@
               <a:buNone/>
             </a:pPr>
             <a:r>
-              <a:rPr lang="zh-CN" altLang="en-US" sz="2000"/>
+              <a:rPr lang="zh-CN" altLang="en-US" sz="2000" dirty="0"/>
               <a:t>       2. 创建报表</a:t>
             </a:r>
           </a:p>
@@ -33076,7 +33311,7 @@
               <a:buNone/>
             </a:pPr>
             <a:r>
-              <a:rPr lang="zh-CN" altLang="en-US" sz="2000"/>
+              <a:rPr lang="zh-CN" altLang="en-US" sz="2000" dirty="0"/>
               <a:t>          创建报表的步骤如下：</a:t>
             </a:r>
           </a:p>
@@ -33089,7 +33324,7 @@
               <a:buNone/>
             </a:pPr>
             <a:r>
-              <a:rPr lang="zh-CN" altLang="en-US" sz="2000"/>
+              <a:rPr lang="zh-CN" altLang="en-US" sz="2000" dirty="0"/>
               <a:t>        1） 选择记录源</a:t>
             </a:r>
           </a:p>
@@ -33102,7 +33337,7 @@
               <a:buNone/>
             </a:pPr>
             <a:r>
-              <a:rPr lang="zh-CN" altLang="en-US" sz="2000"/>
+              <a:rPr lang="zh-CN" altLang="en-US" sz="2000" dirty="0"/>
               <a:t>            报表的记录源可以是表、命名查询或嵌入式查询。记录源必须包含要在报表上显示的数据的所有行和列。</a:t>
             </a:r>
           </a:p>
@@ -33115,7 +33350,7 @@
               <a:buNone/>
             </a:pPr>
             <a:r>
-              <a:rPr lang="zh-CN" altLang="en-US" sz="2000"/>
+              <a:rPr lang="zh-CN" altLang="en-US" sz="2000" dirty="0"/>
               <a:t>            如果所需的数据包含在现有表或查询中，则在导航窗格中选择该表或查询，然后继续执行下一步骤。</a:t>
             </a:r>
           </a:p>
@@ -33128,7 +33363,7 @@
               <a:buNone/>
             </a:pPr>
             <a:r>
-              <a:rPr lang="zh-CN" altLang="en-US" sz="2000"/>
+              <a:rPr lang="zh-CN" altLang="en-US" sz="2000" dirty="0"/>
               <a:t>            如果记录源尚不存在，可先创建包含要使用的数据的表或查询，并在导航窗格中选择它，然后继续执行下一步骤；或者直接执行下一步骤,在报表工具中选择“空报表”工具。</a:t>
             </a:r>
           </a:p>
@@ -33178,7 +33413,7 @@
             <a:fld id="{7BE9B383-09D3-4AF7-B09B-253063EFA11F}" type="datetime1">
               <a:rPr lang="zh-CN" altLang="zh-CN"/>
               <a:pPr/>
-              <a:t>2017/8/15</a:t>
+              <a:t>2020/6/14</a:t>
             </a:fld>
             <a:endParaRPr lang="zh-CN" altLang="zh-CN"/>
           </a:p>
@@ -33416,15 +33651,7 @@
           <a:p>
             <a:r>
               <a:rPr lang="zh-CN" altLang="en-US" sz="1600" dirty="0"/>
-              <a:t>表6-3 </a:t>
-            </a:r>
-            <a:r>
-              <a:rPr lang="zh-CN" altLang="en-US" sz="1600" dirty="0" smtClean="0"/>
-              <a:t> 报表</a:t>
-            </a:r>
-            <a:r>
-              <a:rPr lang="zh-CN" altLang="en-US" sz="1600" dirty="0"/>
-              <a:t>工具</a:t>
+              <a:t>表6-3  报表工具</a:t>
             </a:r>
             <a:endParaRPr lang="zh-CN" altLang="en-US" sz="2400" dirty="0"/>
           </a:p>
@@ -33474,7 +33701,7 @@
             <a:fld id="{7BE9B383-09D3-4AF7-B09B-253063EFA11F}" type="datetime1">
               <a:rPr lang="zh-CN" altLang="zh-CN"/>
               <a:pPr/>
-              <a:t>2017/8/15</a:t>
+              <a:t>2020/6/14</a:t>
             </a:fld>
             <a:endParaRPr lang="zh-CN" altLang="zh-CN"/>
           </a:p>
@@ -33666,7 +33893,7 @@
             <a:fld id="{7BE9B383-09D3-4AF7-B09B-253063EFA11F}" type="datetime1">
               <a:rPr lang="zh-CN" altLang="zh-CN"/>
               <a:pPr/>
-              <a:t>2017/8/15</a:t>
+              <a:t>2020/6/14</a:t>
             </a:fld>
             <a:endParaRPr lang="zh-CN" altLang="zh-CN"/>
           </a:p>
@@ -33769,7 +33996,7 @@
               <a:buNone/>
             </a:pPr>
             <a:r>
-              <a:rPr lang="zh-CN" altLang="en-US" sz="2000"/>
+              <a:rPr lang="zh-CN" altLang="en-US" sz="2000" dirty="0"/>
               <a:t>       2. 美化报表</a:t>
             </a:r>
           </a:p>
@@ -33782,7 +34009,7 @@
               <a:buNone/>
             </a:pPr>
             <a:r>
-              <a:rPr lang="zh-CN" altLang="en-US" sz="2000"/>
+              <a:rPr lang="zh-CN" altLang="en-US" sz="2000" dirty="0"/>
               <a:t>           创建报表后，还可使用下列功能使报表更加美观易读。</a:t>
             </a:r>
           </a:p>
@@ -33795,7 +34022,7 @@
               <a:buNone/>
             </a:pPr>
             <a:r>
-              <a:rPr lang="zh-CN" altLang="en-US" sz="2000"/>
+              <a:rPr lang="zh-CN" altLang="en-US" sz="2000" dirty="0"/>
               <a:t>         1） 添加分组、排序或汇总</a:t>
             </a:r>
           </a:p>
@@ -33808,7 +34035,7 @@
               <a:buNone/>
             </a:pPr>
             <a:r>
-              <a:rPr lang="zh-CN" altLang="en-US" sz="2000"/>
+              <a:rPr lang="zh-CN" altLang="en-US" sz="2000" dirty="0"/>
               <a:t>            在报表中添加分组、排序或汇总的最快方法是右击要对其应用分组、排序或汇总的字段，然后单击快捷菜单上的相应命令。</a:t>
             </a:r>
           </a:p>
@@ -33821,7 +34048,7 @@
               <a:buNone/>
             </a:pPr>
             <a:r>
-              <a:rPr lang="zh-CN" altLang="en-US" sz="2000"/>
+              <a:rPr lang="zh-CN" altLang="en-US" sz="2000" dirty="0"/>
               <a:t>            在布局视图或设计视图中打开报表时，还可使用“组”、“排序”和“汇总”窗格来添加分组、排序或汇总。如果“组”、“排序”和“汇总”窗格尚未打开，则先在“设计”选项卡的“分组和汇总”组中，单击“分组和排序”，然后单击“添加组”或“添加排序”，再选择要在其上执行分组或排序的字段。在分组或排序行上单击“更多”以设置更多选项和添加汇总。</a:t>
             </a:r>
           </a:p>
@@ -33871,7 +34098,7 @@
             <a:fld id="{7BE9B383-09D3-4AF7-B09B-253063EFA11F}" type="datetime1">
               <a:rPr lang="zh-CN" altLang="zh-CN"/>
               <a:pPr/>
-              <a:t>2017/8/15</a:t>
+              <a:t>2020/6/14</a:t>
             </a:fld>
             <a:endParaRPr lang="zh-CN" altLang="zh-CN"/>
           </a:p>
@@ -33974,7 +34201,7 @@
               <a:buNone/>
             </a:pPr>
             <a:r>
-              <a:rPr lang="zh-CN" altLang="en-US" sz="1800"/>
+              <a:rPr lang="zh-CN" altLang="en-US" sz="1800" dirty="0"/>
               <a:t>       2） 使用主题获得专业外观</a:t>
             </a:r>
           </a:p>
@@ -33987,7 +34214,7 @@
               <a:buNone/>
             </a:pPr>
             <a:r>
-              <a:rPr lang="zh-CN" altLang="en-US" sz="1800"/>
+              <a:rPr lang="zh-CN" altLang="en-US" sz="1800" dirty="0"/>
               <a:t>             我们可对Access 数据库应用Office 2010 主题，以便为所有Office 文档创建一致的风格。如果选择了某一Office 主题、字体或颜色，它将应用到用户的数据库中的所有窗体和报表。</a:t>
             </a:r>
           </a:p>
@@ -34000,7 +34227,7 @@
               <a:buNone/>
             </a:pPr>
             <a:r>
-              <a:rPr lang="zh-CN" altLang="en-US" sz="1800"/>
+              <a:rPr lang="zh-CN" altLang="en-US" sz="1800" dirty="0"/>
               <a:t>             在导航窗格中右键单击某一报表，然后单击“布局视图”，以便在布局视图中打开该报表。在“设计”选项卡的“主题”组中，单击“主题”、“颜色”或“字体”，选择需要的主题、颜色或字体。</a:t>
             </a:r>
           </a:p>
@@ -34013,7 +34240,7 @@
               <a:buNone/>
             </a:pPr>
             <a:r>
-              <a:rPr lang="zh-CN" altLang="en-US" sz="1800"/>
+              <a:rPr lang="zh-CN" altLang="en-US" sz="1800" dirty="0"/>
               <a:t>      3） 预览和打印报表</a:t>
             </a:r>
           </a:p>
@@ -34026,7 +34253,7 @@
               <a:buNone/>
             </a:pPr>
             <a:r>
-              <a:rPr lang="zh-CN" altLang="en-US" sz="1800"/>
+              <a:rPr lang="zh-CN" altLang="en-US" sz="1800" dirty="0"/>
               <a:t>        （1） 预览报表：</a:t>
             </a:r>
           </a:p>
@@ -34039,7 +34266,7 @@
               <a:buNone/>
             </a:pPr>
             <a:r>
-              <a:rPr lang="zh-CN" altLang="en-US" sz="1800"/>
+              <a:rPr lang="zh-CN" altLang="en-US" sz="1800" dirty="0"/>
               <a:t>              打开要预览的报表或直接在导航窗格中选择它，在“文件”选项卡上单击“打印”，然后单击“打印预览”，Access 将在“打印预览”中打开报表。可使用“打印预览”选项卡上的命令来执行下列操作之一：</a:t>
             </a:r>
           </a:p>
@@ -34089,7 +34316,7 @@
             <a:fld id="{7BE9B383-09D3-4AF7-B09B-253063EFA11F}" type="datetime1">
               <a:rPr lang="zh-CN" altLang="zh-CN"/>
               <a:pPr/>
-              <a:t>2017/8/15</a:t>
+              <a:t>2020/6/14</a:t>
             </a:fld>
             <a:endParaRPr lang="zh-CN" altLang="zh-CN"/>
           </a:p>
@@ -34346,7 +34573,7 @@
             <a:fld id="{7BE9B383-09D3-4AF7-B09B-253063EFA11F}" type="datetime1">
               <a:rPr lang="zh-CN" altLang="zh-CN"/>
               <a:pPr/>
-              <a:t>2017/8/15</a:t>
+              <a:t>2020/6/14</a:t>
             </a:fld>
             <a:endParaRPr lang="zh-CN" altLang="zh-CN"/>
           </a:p>
